--- a/labs/WSAA5.2 GitHub webserviceed.pptx
+++ b/labs/WSAA5.2 GitHub webserviceed.pptx
@@ -63,20 +63,17 @@
             <a:noAutofit/>
           </a:bodyPr>
           <a:p>
-            <a:r>
-              <a:rPr b="0" lang="en-US" sz="1800" spc="-1" strike="noStrike">
-                <a:solidFill>
-                  <a:srgbClr val="000000"/>
-                </a:solidFill>
-                <a:latin typeface="Rockwell"/>
+            <a:pPr algn="ctr">
+              <a:buNone/>
+            </a:pPr>
+            <a:r>
+              <a:rPr b="0" lang="en-IE" sz="4400" spc="-1" strike="noStrike">
+                <a:latin typeface="Arial"/>
               </a:rPr>
               <a:t>Click to move the slide</a:t>
             </a:r>
-            <a:endParaRPr b="0" lang="en-US" sz="1800" spc="-1" strike="noStrike">
-              <a:solidFill>
-                <a:srgbClr val="000000"/>
-              </a:solidFill>
-              <a:latin typeface="Rockwell"/>
+            <a:endParaRPr b="0" lang="en-IE" sz="4400" spc="-1" strike="noStrike">
+              <a:latin typeface="Arial"/>
             </a:endParaRPr>
           </a:p>
         </p:txBody>
@@ -298,7 +295,7 @@
             <a:pPr algn="r">
               <a:buNone/>
             </a:pPr>
-            <a:fld id="{EFD0958F-DE53-43DE-B526-F54079467AA4}" type="slidenum">
+            <a:fld id="{D89884BD-0D7F-4859-84A2-FCF075B0AD33}" type="slidenum">
               <a:rPr b="0" lang="en-IE" sz="1400" spc="-1" strike="noStrike">
                 <a:latin typeface="Times New Roman"/>
               </a:rPr>
@@ -314,6 +311,107 @@
   </p:cSld>
   <p:clrMap bg1="lt1" bg2="lt2" tx1="dk1" tx2="dk2" accent1="accent1" accent2="accent2" accent3="accent3" accent4="accent4" accent5="accent5" accent6="accent6" hlink="hlink" folHlink="folHlink"/>
 </p:notesMaster>
+</file>
+
+<file path=ppt/notesSlides/notesSlide1.xml><?xml version="1.0" encoding="utf-8"?>
+<p:notes xmlns:a="http://schemas.openxmlformats.org/drawingml/2006/main" xmlns:p="http://schemas.openxmlformats.org/presentationml/2006/main" xmlns:r="http://schemas.openxmlformats.org/officeDocument/2006/relationships" xmlns:p14="http://schemas.microsoft.com/office/powerpoint/2010/main" xmlns:p15="http://schemas.microsoft.com/office/powerpoint/2012/main" xmlns:mc="http://schemas.openxmlformats.org/markup-compatibility/2006">
+  <p:cSld>
+    <p:spTree>
+      <p:nvGrpSpPr>
+        <p:cNvPr id="1" name=""/>
+        <p:cNvGrpSpPr/>
+        <p:nvPr/>
+      </p:nvGrpSpPr>
+      <p:grpSpPr>
+        <a:xfrm>
+          <a:off x="0" y="0"/>
+          <a:ext cx="0" cy="0"/>
+          <a:chOff x="0" y="0"/>
+          <a:chExt cx="0" cy="0"/>
+        </a:xfrm>
+      </p:grpSpPr>
+      <p:sp>
+        <p:nvSpPr>
+          <p:cNvPr id="107" name="PlaceHolder 1"/>
+          <p:cNvSpPr>
+            <a:spLocks noGrp="1"/>
+          </p:cNvSpPr>
+          <p:nvPr>
+            <p:ph type="sldImg"/>
+          </p:nvPr>
+        </p:nvSpPr>
+        <p:spPr>
+          <a:xfrm>
+            <a:off x="216000" y="812520"/>
+            <a:ext cx="7127280" cy="4008960"/>
+          </a:xfrm>
+          <a:prstGeom prst="rect">
+            <a:avLst/>
+          </a:prstGeom>
+          <a:ln w="0">
+            <a:noFill/>
+          </a:ln>
+        </p:spPr>
+      </p:sp>
+      <p:sp>
+        <p:nvSpPr>
+          <p:cNvPr id="108" name="PlaceHolder 2"/>
+          <p:cNvSpPr>
+            <a:spLocks noGrp="1"/>
+          </p:cNvSpPr>
+          <p:nvPr>
+            <p:ph type="body"/>
+          </p:nvPr>
+        </p:nvSpPr>
+        <p:spPr>
+          <a:xfrm>
+            <a:off x="90000" y="4905000"/>
+            <a:ext cx="7380000" cy="5670000"/>
+          </a:xfrm>
+          <a:prstGeom prst="rect">
+            <a:avLst/>
+          </a:prstGeom>
+          <a:noFill/>
+          <a:ln w="0">
+            <a:noFill/>
+          </a:ln>
+        </p:spPr>
+        <p:txBody>
+          <a:bodyPr lIns="0" rIns="0" tIns="0" bIns="0" anchor="t">
+            <a:noAutofit/>
+          </a:bodyPr>
+          <a:p>
+            <a:r>
+              <a:rPr b="0" lang="en-IE" sz="2000" spc="-1" strike="noStrike">
+                <a:latin typeface="Arial"/>
+              </a:rPr>
+              <a:t>So GitHub, like many web services, has an API. Now the API you can get public information like a list of all your public repositories and all the contents of those repositories. So This is why I say do not put your keys in your public repositories In GitHub. It's OK to put them in a private repository but not in public repositories because people can write programmes and people have written programmes that will search through all the public repositories and they can go looking for keys.</a:t>
+            </a:r>
+            <a:endParaRPr b="0" lang="en-IE" sz="2000" spc="-1" strike="noStrike">
+              <a:latin typeface="Arial"/>
+            </a:endParaRPr>
+          </a:p>
+          <a:p>
+            <a:endParaRPr b="0" lang="en-IE" sz="2000" spc="-1" strike="noStrike">
+              <a:latin typeface="Arial"/>
+            </a:endParaRPr>
+          </a:p>
+          <a:p>
+            <a:r>
+              <a:rPr b="0" lang="en-IE" sz="2000" spc="-1" strike="noStrike">
+                <a:latin typeface="Arial"/>
+              </a:rPr>
+              <a:t>Uh. If you want to access a private repository or private information, well, you need to authenticate, authorise yourself. So to do that we'd need to look at the documentation to look at how to do that. Spoiler alert, look at Google and you would get a key from GitHub. The key will look something like that big huge number. I think it's actually says GitHub pat. And then you use your key in your quests and you get then you can get the private information.</a:t>
+            </a:r>
+            <a:endParaRPr b="0" lang="en-IE" sz="2000" spc="-1" strike="noStrike">
+              <a:latin typeface="Arial"/>
+            </a:endParaRPr>
+          </a:p>
+        </p:txBody>
+      </p:sp>
+    </p:spTree>
+  </p:cSld>
+</p:notes>
 </file>
 
 <file path=ppt/notesSlides/notesSlide2.xml><?xml version="1.0" encoding="utf-8"?>
@@ -335,7 +433,7 @@
       </p:grpSpPr>
       <p:sp>
         <p:nvSpPr>
-          <p:cNvPr id="107" name="PlaceHolder 1"/>
+          <p:cNvPr id="109" name="PlaceHolder 1"/>
           <p:cNvSpPr>
             <a:spLocks noGrp="1"/>
           </p:cNvSpPr>
@@ -346,19 +444,19 @@
         <p:spPr>
           <a:xfrm>
             <a:off x="216000" y="812520"/>
-            <a:ext cx="7127280" cy="4008960"/>
-          </a:xfrm>
-          <a:prstGeom prst="rect">
-            <a:avLst/>
-          </a:prstGeom>
-          <a:ln w="0">
-            <a:noFill/>
-          </a:ln>
-        </p:spPr>
-      </p:sp>
-      <p:sp>
-        <p:nvSpPr>
-          <p:cNvPr id="108" name="PlaceHolder 2"/>
+            <a:ext cx="7126920" cy="4008600"/>
+          </a:xfrm>
+          <a:prstGeom prst="rect">
+            <a:avLst/>
+          </a:prstGeom>
+          <a:ln w="0">
+            <a:noFill/>
+          </a:ln>
+        </p:spPr>
+      </p:sp>
+      <p:sp>
+        <p:nvSpPr>
+          <p:cNvPr id="110" name="PlaceHolder 2"/>
           <p:cNvSpPr>
             <a:spLocks noGrp="1"/>
           </p:cNvSpPr>
@@ -369,7 +467,7 @@
         <p:spPr>
           <a:xfrm>
             <a:off x="756000" y="5078520"/>
-            <a:ext cx="6047640" cy="4811040"/>
+            <a:ext cx="6047280" cy="4810680"/>
           </a:xfrm>
           <a:prstGeom prst="rect">
             <a:avLst/>
@@ -384,6 +482,12 @@
             <a:noAutofit/>
           </a:bodyPr>
           <a:p>
+            <a:pPr marL="216000" indent="-216000">
+              <a:lnSpc>
+                <a:spcPct val="100000"/>
+              </a:lnSpc>
+              <a:buNone/>
+            </a:pPr>
             <a:r>
               <a:rPr b="0" lang="en-IE" sz="2000" spc="-1" strike="noStrike">
                 <a:latin typeface="Arial"/>
@@ -395,84 +499,266 @@
             </a:endParaRPr>
           </a:p>
           <a:p>
+            <a:pPr marL="216000" indent="-216000">
+              <a:lnSpc>
+                <a:spcPct val="100000"/>
+              </a:lnSpc>
+              <a:buNone/>
+            </a:pPr>
+            <a:r>
+              <a:rPr b="0" lang="en-IE" sz="2000" spc="-1" strike="noStrike" u="sng">
+                <a:solidFill>
+                  <a:srgbClr val="000000"/>
+                </a:solidFill>
+                <a:uFillTx/>
+                <a:latin typeface="Arial"/>
+                <a:hlinkClick r:id="rId1"/>
+              </a:rPr>
+              <a:t>https://docs.github.com/en/rest?apiVersion=2022-11-28</a:t>
+            </a:r>
+            <a:endParaRPr b="0" lang="en-IE" sz="2000" spc="-1" strike="noStrike">
+              <a:latin typeface="Arial"/>
+            </a:endParaRPr>
+          </a:p>
+          <a:p>
+            <a:pPr marL="216000" indent="-216000">
+              <a:lnSpc>
+                <a:spcPct val="100000"/>
+              </a:lnSpc>
+              <a:buNone/>
+            </a:pPr>
+            <a:endParaRPr b="0" lang="en-IE" sz="2000" spc="-1" strike="noStrike">
+              <a:latin typeface="Arial"/>
+            </a:endParaRPr>
+          </a:p>
+          <a:p>
+            <a:pPr marL="216000" indent="-216000">
+              <a:lnSpc>
+                <a:spcPct val="100000"/>
+              </a:lnSpc>
+              <a:buNone/>
+            </a:pPr>
+            <a:endParaRPr b="0" lang="en-IE" sz="2000" spc="-1" strike="noStrike">
+              <a:latin typeface="Arial"/>
+            </a:endParaRPr>
+          </a:p>
+          <a:p>
+            <a:pPr marL="216000" indent="-216000">
+              <a:lnSpc>
+                <a:spcPct val="100000"/>
+              </a:lnSpc>
+              <a:buNone/>
+            </a:pPr>
+            <a:r>
+              <a:rPr b="0" lang="en-IE" sz="2000" spc="-1" strike="noStrike">
+                <a:latin typeface="Arial"/>
+              </a:rPr>
+              <a:t>PyGithub/PyGithub: Typed interactions with the GitHub API v3</a:t>
+            </a:r>
+            <a:endParaRPr b="0" lang="en-IE" sz="2000" spc="-1" strike="noStrike">
+              <a:latin typeface="Arial"/>
+            </a:endParaRPr>
+          </a:p>
+          <a:p>
+            <a:pPr marL="216000" indent="-216000">
+              <a:lnSpc>
+                <a:spcPct val="100000"/>
+              </a:lnSpc>
+              <a:buNone/>
+            </a:pPr>
+            <a:r>
+              <a:rPr b="0" lang="en-IE" sz="2000" spc="-1" strike="noStrike" u="sng">
+                <a:solidFill>
+                  <a:srgbClr val="000000"/>
+                </a:solidFill>
+                <a:uFillTx/>
+                <a:latin typeface="Arial"/>
+                <a:hlinkClick r:id="rId2"/>
+              </a:rPr>
+              <a:t>https://github.com/PyGithub/PyGithub</a:t>
+            </a:r>
+            <a:endParaRPr b="0" lang="en-IE" sz="2000" spc="-1" strike="noStrike">
+              <a:latin typeface="Arial"/>
+            </a:endParaRPr>
+          </a:p>
+          <a:p>
+            <a:pPr marL="216000" indent="-216000">
+              <a:lnSpc>
+                <a:spcPct val="100000"/>
+              </a:lnSpc>
+              <a:buNone/>
+            </a:pPr>
+            <a:endParaRPr b="0" lang="en-IE" sz="2000" spc="-1" strike="noStrike">
+              <a:latin typeface="Arial"/>
+            </a:endParaRPr>
+          </a:p>
+          <a:p>
+            <a:pPr marL="216000" indent="-216000">
+              <a:lnSpc>
+                <a:spcPct val="100000"/>
+              </a:lnSpc>
+              <a:buNone/>
+            </a:pPr>
+            <a:endParaRPr b="0" lang="en-IE" sz="2000" spc="-1" strike="noStrike">
+              <a:latin typeface="Arial"/>
+            </a:endParaRPr>
+          </a:p>
+          <a:p>
+            <a:pPr marL="216000" indent="-216000">
+              <a:lnSpc>
+                <a:spcPct val="100000"/>
+              </a:lnSpc>
+              <a:buNone/>
+            </a:pPr>
+            <a:r>
+              <a:rPr b="0" lang="en-IE" sz="2000" spc="-1" strike="noStrike">
+                <a:latin typeface="Arial"/>
+              </a:rPr>
+              <a:t>OAuth 2.0 — Oauth</a:t>
+            </a:r>
+            <a:endParaRPr b="0" lang="en-IE" sz="2000" spc="-1" strike="noStrike">
+              <a:latin typeface="Arial"/>
+            </a:endParaRPr>
+          </a:p>
+          <a:p>
+            <a:pPr marL="216000" indent="-216000">
+              <a:lnSpc>
+                <a:spcPct val="100000"/>
+              </a:lnSpc>
+              <a:buNone/>
+            </a:pPr>
+            <a:r>
+              <a:rPr b="0" lang="en-IE" sz="2000" spc="-1" strike="noStrike" u="sng">
+                <a:solidFill>
+                  <a:srgbClr val="000000"/>
+                </a:solidFill>
+                <a:uFillTx/>
+                <a:latin typeface="Arial"/>
+                <a:hlinkClick r:id="rId3"/>
+              </a:rPr>
+              <a:t>https://oauth.net/2/</a:t>
+            </a:r>
+            <a:endParaRPr b="0" lang="en-IE" sz="2000" spc="-1" strike="noStrike">
+              <a:latin typeface="Arial"/>
+            </a:endParaRPr>
+          </a:p>
+          <a:p>
+            <a:pPr marL="216000" indent="-216000">
+              <a:lnSpc>
+                <a:spcPct val="100000"/>
+              </a:lnSpc>
+              <a:buNone/>
+            </a:pPr>
+            <a:endParaRPr b="0" lang="en-IE" sz="2000" spc="-1" strike="noStrike">
+              <a:latin typeface="Arial"/>
+            </a:endParaRPr>
+          </a:p>
+        </p:txBody>
+      </p:sp>
+    </p:spTree>
+  </p:cSld>
+</p:notes>
+</file>
+
+<file path=ppt/notesSlides/notesSlide3.xml><?xml version="1.0" encoding="utf-8"?>
+<p:notes xmlns:a="http://schemas.openxmlformats.org/drawingml/2006/main" xmlns:p="http://schemas.openxmlformats.org/presentationml/2006/main" xmlns:r="http://schemas.openxmlformats.org/officeDocument/2006/relationships" xmlns:p14="http://schemas.microsoft.com/office/powerpoint/2010/main" xmlns:p15="http://schemas.microsoft.com/office/powerpoint/2012/main" xmlns:mc="http://schemas.openxmlformats.org/markup-compatibility/2006">
+  <p:cSld>
+    <p:spTree>
+      <p:nvGrpSpPr>
+        <p:cNvPr id="1" name=""/>
+        <p:cNvGrpSpPr/>
+        <p:nvPr/>
+      </p:nvGrpSpPr>
+      <p:grpSpPr>
+        <a:xfrm>
+          <a:off x="0" y="0"/>
+          <a:ext cx="0" cy="0"/>
+          <a:chOff x="0" y="0"/>
+          <a:chExt cx="0" cy="0"/>
+        </a:xfrm>
+      </p:grpSpPr>
+      <p:sp>
+        <p:nvSpPr>
+          <p:cNvPr id="111" name="PlaceHolder 1"/>
+          <p:cNvSpPr>
+            <a:spLocks noGrp="1"/>
+          </p:cNvSpPr>
+          <p:nvPr>
+            <p:ph type="sldImg"/>
+          </p:nvPr>
+        </p:nvSpPr>
+        <p:spPr>
+          <a:xfrm>
+            <a:off x="216000" y="812520"/>
+            <a:ext cx="7127280" cy="4008960"/>
+          </a:xfrm>
+          <a:prstGeom prst="rect">
+            <a:avLst/>
+          </a:prstGeom>
+          <a:ln w="0">
+            <a:noFill/>
+          </a:ln>
+        </p:spPr>
+      </p:sp>
+      <p:sp>
+        <p:nvSpPr>
+          <p:cNvPr id="112" name="PlaceHolder 2"/>
+          <p:cNvSpPr>
+            <a:spLocks noGrp="1"/>
+          </p:cNvSpPr>
+          <p:nvPr>
+            <p:ph type="body"/>
+          </p:nvPr>
+        </p:nvSpPr>
+        <p:spPr>
+          <a:xfrm>
+            <a:off x="180000" y="4905000"/>
+            <a:ext cx="7245000" cy="5786640"/>
+          </a:xfrm>
+          <a:prstGeom prst="rect">
+            <a:avLst/>
+          </a:prstGeom>
+          <a:noFill/>
+          <a:ln w="0">
+            <a:noFill/>
+          </a:ln>
+        </p:spPr>
+        <p:txBody>
+          <a:bodyPr lIns="0" rIns="0" tIns="0" bIns="0" anchor="t">
+            <a:noAutofit/>
+          </a:bodyPr>
+          <a:p>
             <a:r>
               <a:rPr b="0" lang="en-IE" sz="2000" spc="-1" strike="noStrike">
                 <a:latin typeface="Arial"/>
                 <a:hlinkClick r:id="rId1"/>
               </a:rPr>
-              <a:t>https://docs.github.com/en/rest?apiVersion=2022-11-28</a:t>
-            </a:r>
-            <a:endParaRPr b="0" lang="en-IE" sz="2000" spc="-1" strike="noStrike">
-              <a:latin typeface="Arial"/>
-            </a:endParaRPr>
-          </a:p>
-          <a:p>
-            <a:endParaRPr b="0" lang="en-IE" sz="2000" spc="-1" strike="noStrike">
-              <a:latin typeface="Arial"/>
-            </a:endParaRPr>
-          </a:p>
-          <a:p>
-            <a:endParaRPr b="0" lang="en-IE" sz="2000" spc="-1" strike="noStrike">
-              <a:latin typeface="Arial"/>
-            </a:endParaRPr>
-          </a:p>
-          <a:p>
+              <a:t>https://docs.github.com</a:t>
+            </a:r>
             <a:r>
               <a:rPr b="0" lang="en-IE" sz="2000" spc="-1" strike="noStrike">
                 <a:latin typeface="Arial"/>
               </a:rPr>
-              <a:t>PyGithub/PyGithub: Typed interactions with the GitHub API v3</a:t>
-            </a:r>
-            <a:endParaRPr b="0" lang="en-IE" sz="2000" spc="-1" strike="noStrike">
-              <a:latin typeface="Arial"/>
-            </a:endParaRPr>
-          </a:p>
-          <a:p>
-            <a:r>
-              <a:rPr b="0" lang="en-IE" sz="2000" spc="-1" strike="noStrike">
-                <a:latin typeface="Arial"/>
-                <a:hlinkClick r:id="rId2"/>
-              </a:rPr>
-              <a:t>https://github.com/PyGithub/PyGithub</a:t>
-            </a:r>
-            <a:endParaRPr b="0" lang="en-IE" sz="2000" spc="-1" strike="noStrike">
-              <a:latin typeface="Arial"/>
-            </a:endParaRPr>
-          </a:p>
-          <a:p>
-            <a:endParaRPr b="0" lang="en-IE" sz="2000" spc="-1" strike="noStrike">
-              <a:latin typeface="Arial"/>
-            </a:endParaRPr>
-          </a:p>
-          <a:p>
-            <a:endParaRPr b="0" lang="en-IE" sz="2000" spc="-1" strike="noStrike">
-              <a:latin typeface="Arial"/>
-            </a:endParaRPr>
-          </a:p>
-          <a:p>
+              <a:t> &gt; Rest API &gt; Repositories &gt; </a:t>
+            </a:r>
             <a:r>
               <a:rPr b="0" lang="en-IE" sz="2000" spc="-1" strike="noStrike">
                 <a:latin typeface="Arial"/>
               </a:rPr>
-              <a:t>OAuth 2.0 — Oauth</a:t>
-            </a:r>
-            <a:endParaRPr b="0" lang="en-IE" sz="2000" spc="-1" strike="noStrike">
-              <a:latin typeface="Arial"/>
-            </a:endParaRPr>
-          </a:p>
-          <a:p>
+              <a:t>Repositories &gt; List repositories  for a user &gt; cURL </a:t>
+            </a:r>
             <a:r>
               <a:rPr b="0" lang="en-IE" sz="2000" spc="-1" strike="noStrike">
                 <a:latin typeface="Arial"/>
-                <a:hlinkClick r:id="rId3"/>
               </a:rPr>
-              <a:t>https://oauth.net/2/</a:t>
-            </a:r>
-            <a:endParaRPr b="0" lang="en-IE" sz="2000" spc="-1" strike="noStrike">
-              <a:latin typeface="Arial"/>
-            </a:endParaRPr>
-          </a:p>
-          <a:p>
+              <a:t>&gt; get the https..&gt; copy into </a:t>
+            </a:r>
+            <a:r>
+              <a:rPr b="0" lang="en-IE" sz="2000" spc="-1" strike="noStrike">
+                <a:latin typeface="Arial"/>
+              </a:rPr>
+              <a:t>my5getrepoinformation.py</a:t>
+            </a:r>
             <a:endParaRPr b="0" lang="en-IE" sz="2000" spc="-1" strike="noStrike">
               <a:latin typeface="Arial"/>
             </a:endParaRPr>
@@ -508,7 +794,7 @@
             <a:spLocks noGrp="1"/>
           </p:cNvSpPr>
           <p:nvPr>
-            <p:ph type="ftr" idx="2"/>
+            <p:ph type="ftr" idx="1"/>
           </p:nvPr>
         </p:nvSpPr>
         <p:spPr/>
@@ -528,14 +814,14 @@
             <a:spLocks noGrp="1"/>
           </p:cNvSpPr>
           <p:nvPr>
-            <p:ph type="sldNum" idx="3"/>
+            <p:ph type="sldNum" idx="2"/>
           </p:nvPr>
         </p:nvSpPr>
         <p:spPr/>
         <p:txBody>
           <a:bodyPr/>
           <a:p>
-            <a:fld id="{3B7927E7-25E6-4477-ADD4-E931F48EEDE6}" type="slidenum">
+            <a:fld id="{F4E0B2B5-8B59-43F4-ABF6-F7DB916CD3FA}" type="slidenum">
               <a:t>&lt;#&gt;</a:t>
             </a:fld>
           </a:p>
@@ -548,7 +834,7 @@
             <a:spLocks noGrp="1"/>
           </p:cNvSpPr>
           <p:nvPr>
-            <p:ph type="dt" idx="1"/>
+            <p:ph type="dt" idx="3"/>
           </p:nvPr>
         </p:nvSpPr>
         <p:spPr/>
@@ -596,8 +882,8 @@
         </p:nvSpPr>
         <p:spPr>
           <a:xfrm>
-            <a:off x="1069920" y="484560"/>
-            <a:ext cx="10058040" cy="1608840"/>
+            <a:off x="609480" y="273600"/>
+            <a:ext cx="10972440" cy="1144800"/>
           </a:xfrm>
           <a:prstGeom prst="rect">
             <a:avLst/>
@@ -612,11 +898,11 @@
             <a:noAutofit/>
           </a:bodyPr>
           <a:p>
-            <a:endParaRPr b="0" lang="en-US" sz="1800" spc="-1" strike="noStrike">
-              <a:solidFill>
-                <a:srgbClr val="000000"/>
-              </a:solidFill>
-              <a:latin typeface="Rockwell"/>
+            <a:pPr algn="ctr">
+              <a:buNone/>
+            </a:pPr>
+            <a:endParaRPr b="0" lang="en-IE" sz="4400" spc="-1" strike="noStrike">
+              <a:latin typeface="Arial"/>
             </a:endParaRPr>
           </a:p>
         </p:txBody>
@@ -633,8 +919,8 @@
         </p:nvSpPr>
         <p:spPr>
           <a:xfrm>
-            <a:off x="1069920" y="2121480"/>
-            <a:ext cx="10058040" cy="1931760"/>
+            <a:off x="609480" y="1604520"/>
+            <a:ext cx="10972440" cy="1896840"/>
           </a:xfrm>
           <a:prstGeom prst="rect">
             <a:avLst/>
@@ -649,20 +935,8 @@
             <a:normAutofit/>
           </a:bodyPr>
           <a:p>
-            <a:pPr>
-              <a:lnSpc>
-                <a:spcPct val="90000"/>
-              </a:lnSpc>
-              <a:spcBef>
-                <a:spcPts val="1417"/>
-              </a:spcBef>
-              <a:buNone/>
-            </a:pPr>
-            <a:endParaRPr b="0" lang="en-US" sz="2000" spc="-1" strike="noStrike">
-              <a:solidFill>
-                <a:srgbClr val="000000"/>
-              </a:solidFill>
-              <a:latin typeface="Rockwell"/>
+            <a:endParaRPr b="0" lang="en-IE" sz="3200" spc="-1" strike="noStrike">
+              <a:latin typeface="Arial"/>
             </a:endParaRPr>
           </a:p>
         </p:txBody>
@@ -679,8 +953,8 @@
         </p:nvSpPr>
         <p:spPr>
           <a:xfrm>
-            <a:off x="1069920" y="4237200"/>
-            <a:ext cx="10058040" cy="1931760"/>
+            <a:off x="609480" y="3682080"/>
+            <a:ext cx="10972440" cy="1896840"/>
           </a:xfrm>
           <a:prstGeom prst="rect">
             <a:avLst/>
@@ -695,20 +969,8 @@
             <a:normAutofit/>
           </a:bodyPr>
           <a:p>
-            <a:pPr>
-              <a:lnSpc>
-                <a:spcPct val="90000"/>
-              </a:lnSpc>
-              <a:spcBef>
-                <a:spcPts val="1417"/>
-              </a:spcBef>
-              <a:buNone/>
-            </a:pPr>
-            <a:endParaRPr b="0" lang="en-US" sz="2000" spc="-1" strike="noStrike">
-              <a:solidFill>
-                <a:srgbClr val="000000"/>
-              </a:solidFill>
-              <a:latin typeface="Rockwell"/>
+            <a:endParaRPr b="0" lang="en-IE" sz="3200" spc="-1" strike="noStrike">
+              <a:latin typeface="Arial"/>
             </a:endParaRPr>
           </a:p>
         </p:txBody>
@@ -720,7 +982,7 @@
             <a:spLocks noGrp="1"/>
           </p:cNvSpPr>
           <p:nvPr>
-            <p:ph type="ftr" idx="2"/>
+            <p:ph type="ftr" idx="1"/>
           </p:nvPr>
         </p:nvSpPr>
         <p:spPr/>
@@ -740,14 +1002,14 @@
             <a:spLocks noGrp="1"/>
           </p:cNvSpPr>
           <p:nvPr>
-            <p:ph type="sldNum" idx="3"/>
+            <p:ph type="sldNum" idx="2"/>
           </p:nvPr>
         </p:nvSpPr>
         <p:spPr/>
         <p:txBody>
           <a:bodyPr/>
           <a:p>
-            <a:fld id="{6B15C7E5-BF8B-4BBD-A836-00CB10C2BF54}" type="slidenum">
+            <a:fld id="{35534747-1C16-46A6-9B60-02A3B881AF5B}" type="slidenum">
               <a:t>&lt;#&gt;</a:t>
             </a:fld>
           </a:p>
@@ -760,7 +1022,7 @@
             <a:spLocks noGrp="1"/>
           </p:cNvSpPr>
           <p:nvPr>
-            <p:ph type="dt" idx="1"/>
+            <p:ph type="dt" idx="3"/>
           </p:nvPr>
         </p:nvSpPr>
         <p:spPr/>
@@ -808,8 +1070,8 @@
         </p:nvSpPr>
         <p:spPr>
           <a:xfrm>
-            <a:off x="1069920" y="484560"/>
-            <a:ext cx="10058040" cy="1608840"/>
+            <a:off x="609480" y="273600"/>
+            <a:ext cx="10972440" cy="1144800"/>
           </a:xfrm>
           <a:prstGeom prst="rect">
             <a:avLst/>
@@ -824,11 +1086,11 @@
             <a:noAutofit/>
           </a:bodyPr>
           <a:p>
-            <a:endParaRPr b="0" lang="en-US" sz="1800" spc="-1" strike="noStrike">
-              <a:solidFill>
-                <a:srgbClr val="000000"/>
-              </a:solidFill>
-              <a:latin typeface="Rockwell"/>
+            <a:pPr algn="ctr">
+              <a:buNone/>
+            </a:pPr>
+            <a:endParaRPr b="0" lang="en-IE" sz="4400" spc="-1" strike="noStrike">
+              <a:latin typeface="Arial"/>
             </a:endParaRPr>
           </a:p>
         </p:txBody>
@@ -845,8 +1107,8 @@
         </p:nvSpPr>
         <p:spPr>
           <a:xfrm>
-            <a:off x="1069920" y="2121480"/>
-            <a:ext cx="4908240" cy="1931760"/>
+            <a:off x="609480" y="1604520"/>
+            <a:ext cx="5354280" cy="1896840"/>
           </a:xfrm>
           <a:prstGeom prst="rect">
             <a:avLst/>
@@ -861,20 +1123,8 @@
             <a:normAutofit/>
           </a:bodyPr>
           <a:p>
-            <a:pPr>
-              <a:lnSpc>
-                <a:spcPct val="90000"/>
-              </a:lnSpc>
-              <a:spcBef>
-                <a:spcPts val="1417"/>
-              </a:spcBef>
-              <a:buNone/>
-            </a:pPr>
-            <a:endParaRPr b="0" lang="en-US" sz="2000" spc="-1" strike="noStrike">
-              <a:solidFill>
-                <a:srgbClr val="000000"/>
-              </a:solidFill>
-              <a:latin typeface="Rockwell"/>
+            <a:endParaRPr b="0" lang="en-IE" sz="3200" spc="-1" strike="noStrike">
+              <a:latin typeface="Arial"/>
             </a:endParaRPr>
           </a:p>
         </p:txBody>
@@ -891,8 +1141,8 @@
         </p:nvSpPr>
         <p:spPr>
           <a:xfrm>
-            <a:off x="6224040" y="2121480"/>
-            <a:ext cx="4908240" cy="1931760"/>
+            <a:off x="6231960" y="1604520"/>
+            <a:ext cx="5354280" cy="1896840"/>
           </a:xfrm>
           <a:prstGeom prst="rect">
             <a:avLst/>
@@ -907,20 +1157,8 @@
             <a:normAutofit/>
           </a:bodyPr>
           <a:p>
-            <a:pPr>
-              <a:lnSpc>
-                <a:spcPct val="90000"/>
-              </a:lnSpc>
-              <a:spcBef>
-                <a:spcPts val="1417"/>
-              </a:spcBef>
-              <a:buNone/>
-            </a:pPr>
-            <a:endParaRPr b="0" lang="en-US" sz="2000" spc="-1" strike="noStrike">
-              <a:solidFill>
-                <a:srgbClr val="000000"/>
-              </a:solidFill>
-              <a:latin typeface="Rockwell"/>
+            <a:endParaRPr b="0" lang="en-IE" sz="3200" spc="-1" strike="noStrike">
+              <a:latin typeface="Arial"/>
             </a:endParaRPr>
           </a:p>
         </p:txBody>
@@ -937,8 +1175,8 @@
         </p:nvSpPr>
         <p:spPr>
           <a:xfrm>
-            <a:off x="1069920" y="4237200"/>
-            <a:ext cx="4908240" cy="1931760"/>
+            <a:off x="609480" y="3682080"/>
+            <a:ext cx="5354280" cy="1896840"/>
           </a:xfrm>
           <a:prstGeom prst="rect">
             <a:avLst/>
@@ -953,20 +1191,8 @@
             <a:normAutofit/>
           </a:bodyPr>
           <a:p>
-            <a:pPr>
-              <a:lnSpc>
-                <a:spcPct val="90000"/>
-              </a:lnSpc>
-              <a:spcBef>
-                <a:spcPts val="1417"/>
-              </a:spcBef>
-              <a:buNone/>
-            </a:pPr>
-            <a:endParaRPr b="0" lang="en-US" sz="2000" spc="-1" strike="noStrike">
-              <a:solidFill>
-                <a:srgbClr val="000000"/>
-              </a:solidFill>
-              <a:latin typeface="Rockwell"/>
+            <a:endParaRPr b="0" lang="en-IE" sz="3200" spc="-1" strike="noStrike">
+              <a:latin typeface="Arial"/>
             </a:endParaRPr>
           </a:p>
         </p:txBody>
@@ -983,8 +1209,8 @@
         </p:nvSpPr>
         <p:spPr>
           <a:xfrm>
-            <a:off x="6224040" y="4237200"/>
-            <a:ext cx="4908240" cy="1931760"/>
+            <a:off x="6231960" y="3682080"/>
+            <a:ext cx="5354280" cy="1896840"/>
           </a:xfrm>
           <a:prstGeom prst="rect">
             <a:avLst/>
@@ -999,20 +1225,8 @@
             <a:normAutofit/>
           </a:bodyPr>
           <a:p>
-            <a:pPr>
-              <a:lnSpc>
-                <a:spcPct val="90000"/>
-              </a:lnSpc>
-              <a:spcBef>
-                <a:spcPts val="1417"/>
-              </a:spcBef>
-              <a:buNone/>
-            </a:pPr>
-            <a:endParaRPr b="0" lang="en-US" sz="2000" spc="-1" strike="noStrike">
-              <a:solidFill>
-                <a:srgbClr val="000000"/>
-              </a:solidFill>
-              <a:latin typeface="Rockwell"/>
+            <a:endParaRPr b="0" lang="en-IE" sz="3200" spc="-1" strike="noStrike">
+              <a:latin typeface="Arial"/>
             </a:endParaRPr>
           </a:p>
         </p:txBody>
@@ -1024,7 +1238,7 @@
             <a:spLocks noGrp="1"/>
           </p:cNvSpPr>
           <p:nvPr>
-            <p:ph type="ftr" idx="2"/>
+            <p:ph type="ftr" idx="1"/>
           </p:nvPr>
         </p:nvSpPr>
         <p:spPr/>
@@ -1044,14 +1258,14 @@
             <a:spLocks noGrp="1"/>
           </p:cNvSpPr>
           <p:nvPr>
-            <p:ph type="sldNum" idx="3"/>
+            <p:ph type="sldNum" idx="2"/>
           </p:nvPr>
         </p:nvSpPr>
         <p:spPr/>
         <p:txBody>
           <a:bodyPr/>
           <a:p>
-            <a:fld id="{36CFAAE8-D76F-4A45-85C1-5C699E9CA478}" type="slidenum">
+            <a:fld id="{D0835698-4CAB-4201-83DC-7078B043C5EE}" type="slidenum">
               <a:t>&lt;#&gt;</a:t>
             </a:fld>
           </a:p>
@@ -1064,7 +1278,7 @@
             <a:spLocks noGrp="1"/>
           </p:cNvSpPr>
           <p:nvPr>
-            <p:ph type="dt" idx="1"/>
+            <p:ph type="dt" idx="3"/>
           </p:nvPr>
         </p:nvSpPr>
         <p:spPr/>
@@ -1112,8 +1326,8 @@
         </p:nvSpPr>
         <p:spPr>
           <a:xfrm>
-            <a:off x="1069920" y="484560"/>
-            <a:ext cx="10058040" cy="1608840"/>
+            <a:off x="609480" y="273600"/>
+            <a:ext cx="10972440" cy="1144800"/>
           </a:xfrm>
           <a:prstGeom prst="rect">
             <a:avLst/>
@@ -1128,11 +1342,11 @@
             <a:noAutofit/>
           </a:bodyPr>
           <a:p>
-            <a:endParaRPr b="0" lang="en-US" sz="1800" spc="-1" strike="noStrike">
-              <a:solidFill>
-                <a:srgbClr val="000000"/>
-              </a:solidFill>
-              <a:latin typeface="Rockwell"/>
+            <a:pPr algn="ctr">
+              <a:buNone/>
+            </a:pPr>
+            <a:endParaRPr b="0" lang="en-IE" sz="4400" spc="-1" strike="noStrike">
+              <a:latin typeface="Arial"/>
             </a:endParaRPr>
           </a:p>
         </p:txBody>
@@ -1149,8 +1363,8 @@
         </p:nvSpPr>
         <p:spPr>
           <a:xfrm>
-            <a:off x="1069920" y="2121480"/>
-            <a:ext cx="3238560" cy="1931760"/>
+            <a:off x="609480" y="1604520"/>
+            <a:ext cx="3533040" cy="1896840"/>
           </a:xfrm>
           <a:prstGeom prst="rect">
             <a:avLst/>
@@ -1165,20 +1379,8 @@
             <a:normAutofit/>
           </a:bodyPr>
           <a:p>
-            <a:pPr>
-              <a:lnSpc>
-                <a:spcPct val="90000"/>
-              </a:lnSpc>
-              <a:spcBef>
-                <a:spcPts val="1417"/>
-              </a:spcBef>
-              <a:buNone/>
-            </a:pPr>
-            <a:endParaRPr b="0" lang="en-US" sz="2000" spc="-1" strike="noStrike">
-              <a:solidFill>
-                <a:srgbClr val="000000"/>
-              </a:solidFill>
-              <a:latin typeface="Rockwell"/>
+            <a:endParaRPr b="0" lang="en-IE" sz="3200" spc="-1" strike="noStrike">
+              <a:latin typeface="Arial"/>
             </a:endParaRPr>
           </a:p>
         </p:txBody>
@@ -1195,8 +1397,8 @@
         </p:nvSpPr>
         <p:spPr>
           <a:xfrm>
-            <a:off x="4470840" y="2121480"/>
-            <a:ext cx="3238560" cy="1931760"/>
+            <a:off x="4319640" y="1604520"/>
+            <a:ext cx="3533040" cy="1896840"/>
           </a:xfrm>
           <a:prstGeom prst="rect">
             <a:avLst/>
@@ -1211,20 +1413,8 @@
             <a:normAutofit/>
           </a:bodyPr>
           <a:p>
-            <a:pPr>
-              <a:lnSpc>
-                <a:spcPct val="90000"/>
-              </a:lnSpc>
-              <a:spcBef>
-                <a:spcPts val="1417"/>
-              </a:spcBef>
-              <a:buNone/>
-            </a:pPr>
-            <a:endParaRPr b="0" lang="en-US" sz="2000" spc="-1" strike="noStrike">
-              <a:solidFill>
-                <a:srgbClr val="000000"/>
-              </a:solidFill>
-              <a:latin typeface="Rockwell"/>
+            <a:endParaRPr b="0" lang="en-IE" sz="3200" spc="-1" strike="noStrike">
+              <a:latin typeface="Arial"/>
             </a:endParaRPr>
           </a:p>
         </p:txBody>
@@ -1241,8 +1431,8 @@
         </p:nvSpPr>
         <p:spPr>
           <a:xfrm>
-            <a:off x="7871760" y="2121480"/>
-            <a:ext cx="3238560" cy="1931760"/>
+            <a:off x="8029800" y="1604520"/>
+            <a:ext cx="3533040" cy="1896840"/>
           </a:xfrm>
           <a:prstGeom prst="rect">
             <a:avLst/>
@@ -1257,20 +1447,8 @@
             <a:normAutofit/>
           </a:bodyPr>
           <a:p>
-            <a:pPr>
-              <a:lnSpc>
-                <a:spcPct val="90000"/>
-              </a:lnSpc>
-              <a:spcBef>
-                <a:spcPts val="1417"/>
-              </a:spcBef>
-              <a:buNone/>
-            </a:pPr>
-            <a:endParaRPr b="0" lang="en-US" sz="2000" spc="-1" strike="noStrike">
-              <a:solidFill>
-                <a:srgbClr val="000000"/>
-              </a:solidFill>
-              <a:latin typeface="Rockwell"/>
+            <a:endParaRPr b="0" lang="en-IE" sz="3200" spc="-1" strike="noStrike">
+              <a:latin typeface="Arial"/>
             </a:endParaRPr>
           </a:p>
         </p:txBody>
@@ -1287,8 +1465,8 @@
         </p:nvSpPr>
         <p:spPr>
           <a:xfrm>
-            <a:off x="1069920" y="4237200"/>
-            <a:ext cx="3238560" cy="1931760"/>
+            <a:off x="609480" y="3682080"/>
+            <a:ext cx="3533040" cy="1896840"/>
           </a:xfrm>
           <a:prstGeom prst="rect">
             <a:avLst/>
@@ -1303,20 +1481,8 @@
             <a:normAutofit/>
           </a:bodyPr>
           <a:p>
-            <a:pPr>
-              <a:lnSpc>
-                <a:spcPct val="90000"/>
-              </a:lnSpc>
-              <a:spcBef>
-                <a:spcPts val="1417"/>
-              </a:spcBef>
-              <a:buNone/>
-            </a:pPr>
-            <a:endParaRPr b="0" lang="en-US" sz="2000" spc="-1" strike="noStrike">
-              <a:solidFill>
-                <a:srgbClr val="000000"/>
-              </a:solidFill>
-              <a:latin typeface="Rockwell"/>
+            <a:endParaRPr b="0" lang="en-IE" sz="3200" spc="-1" strike="noStrike">
+              <a:latin typeface="Arial"/>
             </a:endParaRPr>
           </a:p>
         </p:txBody>
@@ -1333,8 +1499,8 @@
         </p:nvSpPr>
         <p:spPr>
           <a:xfrm>
-            <a:off x="4470840" y="4237200"/>
-            <a:ext cx="3238560" cy="1931760"/>
+            <a:off x="4319640" y="3682080"/>
+            <a:ext cx="3533040" cy="1896840"/>
           </a:xfrm>
           <a:prstGeom prst="rect">
             <a:avLst/>
@@ -1349,20 +1515,8 @@
             <a:normAutofit/>
           </a:bodyPr>
           <a:p>
-            <a:pPr>
-              <a:lnSpc>
-                <a:spcPct val="90000"/>
-              </a:lnSpc>
-              <a:spcBef>
-                <a:spcPts val="1417"/>
-              </a:spcBef>
-              <a:buNone/>
-            </a:pPr>
-            <a:endParaRPr b="0" lang="en-US" sz="2000" spc="-1" strike="noStrike">
-              <a:solidFill>
-                <a:srgbClr val="000000"/>
-              </a:solidFill>
-              <a:latin typeface="Rockwell"/>
+            <a:endParaRPr b="0" lang="en-IE" sz="3200" spc="-1" strike="noStrike">
+              <a:latin typeface="Arial"/>
             </a:endParaRPr>
           </a:p>
         </p:txBody>
@@ -1379,8 +1533,8 @@
         </p:nvSpPr>
         <p:spPr>
           <a:xfrm>
-            <a:off x="7871760" y="4237200"/>
-            <a:ext cx="3238560" cy="1931760"/>
+            <a:off x="8029800" y="3682080"/>
+            <a:ext cx="3533040" cy="1896840"/>
           </a:xfrm>
           <a:prstGeom prst="rect">
             <a:avLst/>
@@ -1395,20 +1549,8 @@
             <a:normAutofit/>
           </a:bodyPr>
           <a:p>
-            <a:pPr>
-              <a:lnSpc>
-                <a:spcPct val="90000"/>
-              </a:lnSpc>
-              <a:spcBef>
-                <a:spcPts val="1417"/>
-              </a:spcBef>
-              <a:buNone/>
-            </a:pPr>
-            <a:endParaRPr b="0" lang="en-US" sz="2000" spc="-1" strike="noStrike">
-              <a:solidFill>
-                <a:srgbClr val="000000"/>
-              </a:solidFill>
-              <a:latin typeface="Rockwell"/>
+            <a:endParaRPr b="0" lang="en-IE" sz="3200" spc="-1" strike="noStrike">
+              <a:latin typeface="Arial"/>
             </a:endParaRPr>
           </a:p>
         </p:txBody>
@@ -1420,7 +1562,7 @@
             <a:spLocks noGrp="1"/>
           </p:cNvSpPr>
           <p:nvPr>
-            <p:ph type="ftr" idx="2"/>
+            <p:ph type="ftr" idx="1"/>
           </p:nvPr>
         </p:nvSpPr>
         <p:spPr/>
@@ -1440,14 +1582,14 @@
             <a:spLocks noGrp="1"/>
           </p:cNvSpPr>
           <p:nvPr>
-            <p:ph type="sldNum" idx="3"/>
+            <p:ph type="sldNum" idx="2"/>
           </p:nvPr>
         </p:nvSpPr>
         <p:spPr/>
         <p:txBody>
           <a:bodyPr/>
           <a:p>
-            <a:fld id="{4D68301D-1B23-4BCB-866D-51752C5C0192}" type="slidenum">
+            <a:fld id="{422756F1-5ACE-4509-A9F7-DC797D2E7F49}" type="slidenum">
               <a:t>&lt;#&gt;</a:t>
             </a:fld>
           </a:p>
@@ -1460,7 +1602,7 @@
             <a:spLocks noGrp="1"/>
           </p:cNvSpPr>
           <p:nvPr>
-            <p:ph type="dt" idx="1"/>
+            <p:ph type="dt" idx="3"/>
           </p:nvPr>
         </p:nvSpPr>
         <p:spPr/>
@@ -1503,7 +1645,7 @@
             <a:spLocks noGrp="1"/>
           </p:cNvSpPr>
           <p:nvPr>
-            <p:ph type="ftr" idx="5"/>
+            <p:ph type="ftr" idx="4"/>
           </p:nvPr>
         </p:nvSpPr>
         <p:spPr/>
@@ -1523,14 +1665,14 @@
             <a:spLocks noGrp="1"/>
           </p:cNvSpPr>
           <p:nvPr>
-            <p:ph type="sldNum" idx="6"/>
+            <p:ph type="sldNum" idx="5"/>
           </p:nvPr>
         </p:nvSpPr>
         <p:spPr/>
         <p:txBody>
           <a:bodyPr/>
           <a:p>
-            <a:fld id="{439FCC99-F5FB-4A6B-A61E-6FF3EF83D580}" type="slidenum">
+            <a:fld id="{7C6AAE8B-0775-4419-9CDF-329D608FC3F5}" type="slidenum">
               <a:t>&lt;#&gt;</a:t>
             </a:fld>
           </a:p>
@@ -1543,7 +1685,7 @@
             <a:spLocks noGrp="1"/>
           </p:cNvSpPr>
           <p:nvPr>
-            <p:ph type="dt" idx="4"/>
+            <p:ph type="dt" idx="6"/>
           </p:nvPr>
         </p:nvSpPr>
         <p:spPr/>
@@ -1591,8 +1733,8 @@
         </p:nvSpPr>
         <p:spPr>
           <a:xfrm>
-            <a:off x="1069920" y="484560"/>
-            <a:ext cx="10058040" cy="1608840"/>
+            <a:off x="609480" y="273600"/>
+            <a:ext cx="10972440" cy="1144800"/>
           </a:xfrm>
           <a:prstGeom prst="rect">
             <a:avLst/>
@@ -1607,11 +1749,11 @@
             <a:noAutofit/>
           </a:bodyPr>
           <a:p>
-            <a:endParaRPr b="0" lang="en-US" sz="1800" spc="-1" strike="noStrike">
-              <a:solidFill>
-                <a:srgbClr val="000000"/>
-              </a:solidFill>
-              <a:latin typeface="Rockwell"/>
+            <a:pPr algn="ctr">
+              <a:buNone/>
+            </a:pPr>
+            <a:endParaRPr b="0" lang="en-IE" sz="4400" spc="-1" strike="noStrike">
+              <a:latin typeface="Arial"/>
             </a:endParaRPr>
           </a:p>
         </p:txBody>
@@ -1628,8 +1770,8 @@
         </p:nvSpPr>
         <p:spPr>
           <a:xfrm>
-            <a:off x="1069920" y="2121480"/>
-            <a:ext cx="10058040" cy="4050360"/>
+            <a:off x="609480" y="1604520"/>
+            <a:ext cx="10972440" cy="3977280"/>
           </a:xfrm>
           <a:prstGeom prst="rect">
             <a:avLst/>
@@ -1660,7 +1802,7 @@
             <a:spLocks noGrp="1"/>
           </p:cNvSpPr>
           <p:nvPr>
-            <p:ph type="ftr" idx="5"/>
+            <p:ph type="ftr" idx="4"/>
           </p:nvPr>
         </p:nvSpPr>
         <p:spPr/>
@@ -1680,14 +1822,14 @@
             <a:spLocks noGrp="1"/>
           </p:cNvSpPr>
           <p:nvPr>
-            <p:ph type="sldNum" idx="6"/>
+            <p:ph type="sldNum" idx="5"/>
           </p:nvPr>
         </p:nvSpPr>
         <p:spPr/>
         <p:txBody>
           <a:bodyPr/>
           <a:p>
-            <a:fld id="{1856A8B4-F019-498A-828B-23D8A22FF8A8}" type="slidenum">
+            <a:fld id="{DD08360C-B494-48F5-91F2-031585735D35}" type="slidenum">
               <a:t>&lt;#&gt;</a:t>
             </a:fld>
           </a:p>
@@ -1700,7 +1842,7 @@
             <a:spLocks noGrp="1"/>
           </p:cNvSpPr>
           <p:nvPr>
-            <p:ph type="dt" idx="4"/>
+            <p:ph type="dt" idx="6"/>
           </p:nvPr>
         </p:nvSpPr>
         <p:spPr/>
@@ -1748,8 +1890,8 @@
         </p:nvSpPr>
         <p:spPr>
           <a:xfrm>
-            <a:off x="1069920" y="484560"/>
-            <a:ext cx="10058040" cy="1608840"/>
+            <a:off x="609480" y="273600"/>
+            <a:ext cx="10972440" cy="1144800"/>
           </a:xfrm>
           <a:prstGeom prst="rect">
             <a:avLst/>
@@ -1764,11 +1906,11 @@
             <a:noAutofit/>
           </a:bodyPr>
           <a:p>
-            <a:endParaRPr b="0" lang="en-US" sz="1800" spc="-1" strike="noStrike">
-              <a:solidFill>
-                <a:srgbClr val="000000"/>
-              </a:solidFill>
-              <a:latin typeface="Rockwell"/>
+            <a:pPr algn="ctr">
+              <a:buNone/>
+            </a:pPr>
+            <a:endParaRPr b="0" lang="en-IE" sz="4400" spc="-1" strike="noStrike">
+              <a:latin typeface="Arial"/>
             </a:endParaRPr>
           </a:p>
         </p:txBody>
@@ -1785,8 +1927,8 @@
         </p:nvSpPr>
         <p:spPr>
           <a:xfrm>
-            <a:off x="1069920" y="2121480"/>
-            <a:ext cx="10058040" cy="4050360"/>
+            <a:off x="609480" y="1604520"/>
+            <a:ext cx="10972440" cy="3977280"/>
           </a:xfrm>
           <a:prstGeom prst="rect">
             <a:avLst/>
@@ -1801,20 +1943,8 @@
             <a:normAutofit/>
           </a:bodyPr>
           <a:p>
-            <a:pPr>
-              <a:lnSpc>
-                <a:spcPct val="90000"/>
-              </a:lnSpc>
-              <a:spcBef>
-                <a:spcPts val="1417"/>
-              </a:spcBef>
-              <a:buNone/>
-            </a:pPr>
-            <a:endParaRPr b="0" lang="en-US" sz="2000" spc="-1" strike="noStrike">
-              <a:solidFill>
-                <a:srgbClr val="000000"/>
-              </a:solidFill>
-              <a:latin typeface="Rockwell"/>
+            <a:endParaRPr b="0" lang="en-IE" sz="3200" spc="-1" strike="noStrike">
+              <a:latin typeface="Arial"/>
             </a:endParaRPr>
           </a:p>
         </p:txBody>
@@ -1826,7 +1956,7 @@
             <a:spLocks noGrp="1"/>
           </p:cNvSpPr>
           <p:nvPr>
-            <p:ph type="ftr" idx="5"/>
+            <p:ph type="ftr" idx="4"/>
           </p:nvPr>
         </p:nvSpPr>
         <p:spPr/>
@@ -1846,14 +1976,14 @@
             <a:spLocks noGrp="1"/>
           </p:cNvSpPr>
           <p:nvPr>
-            <p:ph type="sldNum" idx="6"/>
+            <p:ph type="sldNum" idx="5"/>
           </p:nvPr>
         </p:nvSpPr>
         <p:spPr/>
         <p:txBody>
           <a:bodyPr/>
           <a:p>
-            <a:fld id="{D4172A4A-A428-49C3-BD88-4FE9825F59CF}" type="slidenum">
+            <a:fld id="{003D1EC8-5317-46BA-8C37-1D9653C93986}" type="slidenum">
               <a:t>&lt;#&gt;</a:t>
             </a:fld>
           </a:p>
@@ -1866,7 +1996,7 @@
             <a:spLocks noGrp="1"/>
           </p:cNvSpPr>
           <p:nvPr>
-            <p:ph type="dt" idx="4"/>
+            <p:ph type="dt" idx="6"/>
           </p:nvPr>
         </p:nvSpPr>
         <p:spPr/>
@@ -1914,8 +2044,8 @@
         </p:nvSpPr>
         <p:spPr>
           <a:xfrm>
-            <a:off x="1069920" y="484560"/>
-            <a:ext cx="10058040" cy="1608840"/>
+            <a:off x="609480" y="273600"/>
+            <a:ext cx="10972440" cy="1144800"/>
           </a:xfrm>
           <a:prstGeom prst="rect">
             <a:avLst/>
@@ -1930,11 +2060,11 @@
             <a:noAutofit/>
           </a:bodyPr>
           <a:p>
-            <a:endParaRPr b="0" lang="en-US" sz="1800" spc="-1" strike="noStrike">
-              <a:solidFill>
-                <a:srgbClr val="000000"/>
-              </a:solidFill>
-              <a:latin typeface="Rockwell"/>
+            <a:pPr algn="ctr">
+              <a:buNone/>
+            </a:pPr>
+            <a:endParaRPr b="0" lang="en-IE" sz="4400" spc="-1" strike="noStrike">
+              <a:latin typeface="Arial"/>
             </a:endParaRPr>
           </a:p>
         </p:txBody>
@@ -1951,8 +2081,8 @@
         </p:nvSpPr>
         <p:spPr>
           <a:xfrm>
-            <a:off x="1069920" y="2121480"/>
-            <a:ext cx="4908240" cy="4050360"/>
+            <a:off x="609480" y="1604520"/>
+            <a:ext cx="5354280" cy="3977280"/>
           </a:xfrm>
           <a:prstGeom prst="rect">
             <a:avLst/>
@@ -1967,20 +2097,8 @@
             <a:normAutofit/>
           </a:bodyPr>
           <a:p>
-            <a:pPr>
-              <a:lnSpc>
-                <a:spcPct val="90000"/>
-              </a:lnSpc>
-              <a:spcBef>
-                <a:spcPts val="1417"/>
-              </a:spcBef>
-              <a:buNone/>
-            </a:pPr>
-            <a:endParaRPr b="0" lang="en-US" sz="2000" spc="-1" strike="noStrike">
-              <a:solidFill>
-                <a:srgbClr val="000000"/>
-              </a:solidFill>
-              <a:latin typeface="Rockwell"/>
+            <a:endParaRPr b="0" lang="en-IE" sz="3200" spc="-1" strike="noStrike">
+              <a:latin typeface="Arial"/>
             </a:endParaRPr>
           </a:p>
         </p:txBody>
@@ -1997,8 +2115,8 @@
         </p:nvSpPr>
         <p:spPr>
           <a:xfrm>
-            <a:off x="6224040" y="2121480"/>
-            <a:ext cx="4908240" cy="4050360"/>
+            <a:off x="6231960" y="1604520"/>
+            <a:ext cx="5354280" cy="3977280"/>
           </a:xfrm>
           <a:prstGeom prst="rect">
             <a:avLst/>
@@ -2013,20 +2131,8 @@
             <a:normAutofit/>
           </a:bodyPr>
           <a:p>
-            <a:pPr>
-              <a:lnSpc>
-                <a:spcPct val="90000"/>
-              </a:lnSpc>
-              <a:spcBef>
-                <a:spcPts val="1417"/>
-              </a:spcBef>
-              <a:buNone/>
-            </a:pPr>
-            <a:endParaRPr b="0" lang="en-US" sz="2000" spc="-1" strike="noStrike">
-              <a:solidFill>
-                <a:srgbClr val="000000"/>
-              </a:solidFill>
-              <a:latin typeface="Rockwell"/>
+            <a:endParaRPr b="0" lang="en-IE" sz="3200" spc="-1" strike="noStrike">
+              <a:latin typeface="Arial"/>
             </a:endParaRPr>
           </a:p>
         </p:txBody>
@@ -2038,7 +2144,7 @@
             <a:spLocks noGrp="1"/>
           </p:cNvSpPr>
           <p:nvPr>
-            <p:ph type="ftr" idx="5"/>
+            <p:ph type="ftr" idx="4"/>
           </p:nvPr>
         </p:nvSpPr>
         <p:spPr/>
@@ -2058,14 +2164,14 @@
             <a:spLocks noGrp="1"/>
           </p:cNvSpPr>
           <p:nvPr>
-            <p:ph type="sldNum" idx="6"/>
+            <p:ph type="sldNum" idx="5"/>
           </p:nvPr>
         </p:nvSpPr>
         <p:spPr/>
         <p:txBody>
           <a:bodyPr/>
           <a:p>
-            <a:fld id="{CFEBBEFB-4DFB-4C8F-8711-6171BF17EF30}" type="slidenum">
+            <a:fld id="{38B078F4-743B-4F90-8075-944FA451E445}" type="slidenum">
               <a:t>&lt;#&gt;</a:t>
             </a:fld>
           </a:p>
@@ -2078,7 +2184,7 @@
             <a:spLocks noGrp="1"/>
           </p:cNvSpPr>
           <p:nvPr>
-            <p:ph type="dt" idx="4"/>
+            <p:ph type="dt" idx="6"/>
           </p:nvPr>
         </p:nvSpPr>
         <p:spPr/>
@@ -2126,8 +2232,8 @@
         </p:nvSpPr>
         <p:spPr>
           <a:xfrm>
-            <a:off x="1069920" y="484560"/>
-            <a:ext cx="10058040" cy="1608840"/>
+            <a:off x="609480" y="273600"/>
+            <a:ext cx="10972440" cy="1144800"/>
           </a:xfrm>
           <a:prstGeom prst="rect">
             <a:avLst/>
@@ -2142,11 +2248,11 @@
             <a:noAutofit/>
           </a:bodyPr>
           <a:p>
-            <a:endParaRPr b="0" lang="en-US" sz="1800" spc="-1" strike="noStrike">
-              <a:solidFill>
-                <a:srgbClr val="000000"/>
-              </a:solidFill>
-              <a:latin typeface="Rockwell"/>
+            <a:pPr algn="ctr">
+              <a:buNone/>
+            </a:pPr>
+            <a:endParaRPr b="0" lang="en-IE" sz="4400" spc="-1" strike="noStrike">
+              <a:latin typeface="Arial"/>
             </a:endParaRPr>
           </a:p>
         </p:txBody>
@@ -2158,7 +2264,7 @@
             <a:spLocks noGrp="1"/>
           </p:cNvSpPr>
           <p:nvPr>
-            <p:ph type="ftr" idx="5"/>
+            <p:ph type="ftr" idx="4"/>
           </p:nvPr>
         </p:nvSpPr>
         <p:spPr/>
@@ -2178,14 +2284,14 @@
             <a:spLocks noGrp="1"/>
           </p:cNvSpPr>
           <p:nvPr>
-            <p:ph type="sldNum" idx="6"/>
+            <p:ph type="sldNum" idx="5"/>
           </p:nvPr>
         </p:nvSpPr>
         <p:spPr/>
         <p:txBody>
           <a:bodyPr/>
           <a:p>
-            <a:fld id="{EA3657CE-FD75-4868-9B3A-C6BD6B4361B0}" type="slidenum">
+            <a:fld id="{299971C0-E964-4EDA-8970-1DF5AFE1641E}" type="slidenum">
               <a:t>&lt;#&gt;</a:t>
             </a:fld>
           </a:p>
@@ -2198,7 +2304,7 @@
             <a:spLocks noGrp="1"/>
           </p:cNvSpPr>
           <p:nvPr>
-            <p:ph type="dt" idx="4"/>
+            <p:ph type="dt" idx="6"/>
           </p:nvPr>
         </p:nvSpPr>
         <p:spPr/>
@@ -2246,8 +2352,8 @@
         </p:nvSpPr>
         <p:spPr>
           <a:xfrm>
-            <a:off x="1069920" y="484560"/>
-            <a:ext cx="10058040" cy="7458840"/>
+            <a:off x="609480" y="273600"/>
+            <a:ext cx="10972440" cy="5307840"/>
           </a:xfrm>
           <a:prstGeom prst="rect">
             <a:avLst/>
@@ -2278,7 +2384,7 @@
             <a:spLocks noGrp="1"/>
           </p:cNvSpPr>
           <p:nvPr>
-            <p:ph type="ftr" idx="5"/>
+            <p:ph type="ftr" idx="4"/>
           </p:nvPr>
         </p:nvSpPr>
         <p:spPr/>
@@ -2298,14 +2404,14 @@
             <a:spLocks noGrp="1"/>
           </p:cNvSpPr>
           <p:nvPr>
-            <p:ph type="sldNum" idx="6"/>
+            <p:ph type="sldNum" idx="5"/>
           </p:nvPr>
         </p:nvSpPr>
         <p:spPr/>
         <p:txBody>
           <a:bodyPr/>
           <a:p>
-            <a:fld id="{0C97D66F-B6EC-47AE-AD94-F4AFAC1D0D33}" type="slidenum">
+            <a:fld id="{A3687F0E-C226-4EE5-814E-67045614CF50}" type="slidenum">
               <a:t>&lt;#&gt;</a:t>
             </a:fld>
           </a:p>
@@ -2318,7 +2424,7 @@
             <a:spLocks noGrp="1"/>
           </p:cNvSpPr>
           <p:nvPr>
-            <p:ph type="dt" idx="4"/>
+            <p:ph type="dt" idx="6"/>
           </p:nvPr>
         </p:nvSpPr>
         <p:spPr/>
@@ -2366,8 +2472,8 @@
         </p:nvSpPr>
         <p:spPr>
           <a:xfrm>
-            <a:off x="1069920" y="484560"/>
-            <a:ext cx="10058040" cy="1608840"/>
+            <a:off x="609480" y="273600"/>
+            <a:ext cx="10972440" cy="1144800"/>
           </a:xfrm>
           <a:prstGeom prst="rect">
             <a:avLst/>
@@ -2382,11 +2488,11 @@
             <a:noAutofit/>
           </a:bodyPr>
           <a:p>
-            <a:endParaRPr b="0" lang="en-US" sz="1800" spc="-1" strike="noStrike">
-              <a:solidFill>
-                <a:srgbClr val="000000"/>
-              </a:solidFill>
-              <a:latin typeface="Rockwell"/>
+            <a:pPr algn="ctr">
+              <a:buNone/>
+            </a:pPr>
+            <a:endParaRPr b="0" lang="en-IE" sz="4400" spc="-1" strike="noStrike">
+              <a:latin typeface="Arial"/>
             </a:endParaRPr>
           </a:p>
         </p:txBody>
@@ -2403,8 +2509,8 @@
         </p:nvSpPr>
         <p:spPr>
           <a:xfrm>
-            <a:off x="1069920" y="2121480"/>
-            <a:ext cx="4908240" cy="1931760"/>
+            <a:off x="609480" y="1604520"/>
+            <a:ext cx="5354280" cy="1896840"/>
           </a:xfrm>
           <a:prstGeom prst="rect">
             <a:avLst/>
@@ -2419,20 +2525,8 @@
             <a:normAutofit/>
           </a:bodyPr>
           <a:p>
-            <a:pPr>
-              <a:lnSpc>
-                <a:spcPct val="90000"/>
-              </a:lnSpc>
-              <a:spcBef>
-                <a:spcPts val="1417"/>
-              </a:spcBef>
-              <a:buNone/>
-            </a:pPr>
-            <a:endParaRPr b="0" lang="en-US" sz="2000" spc="-1" strike="noStrike">
-              <a:solidFill>
-                <a:srgbClr val="000000"/>
-              </a:solidFill>
-              <a:latin typeface="Rockwell"/>
+            <a:endParaRPr b="0" lang="en-IE" sz="3200" spc="-1" strike="noStrike">
+              <a:latin typeface="Arial"/>
             </a:endParaRPr>
           </a:p>
         </p:txBody>
@@ -2449,8 +2543,8 @@
         </p:nvSpPr>
         <p:spPr>
           <a:xfrm>
-            <a:off x="6224040" y="2121480"/>
-            <a:ext cx="4908240" cy="4050360"/>
+            <a:off x="6231960" y="1604520"/>
+            <a:ext cx="5354280" cy="3977280"/>
           </a:xfrm>
           <a:prstGeom prst="rect">
             <a:avLst/>
@@ -2465,20 +2559,8 @@
             <a:normAutofit/>
           </a:bodyPr>
           <a:p>
-            <a:pPr>
-              <a:lnSpc>
-                <a:spcPct val="90000"/>
-              </a:lnSpc>
-              <a:spcBef>
-                <a:spcPts val="1417"/>
-              </a:spcBef>
-              <a:buNone/>
-            </a:pPr>
-            <a:endParaRPr b="0" lang="en-US" sz="2000" spc="-1" strike="noStrike">
-              <a:solidFill>
-                <a:srgbClr val="000000"/>
-              </a:solidFill>
-              <a:latin typeface="Rockwell"/>
+            <a:endParaRPr b="0" lang="en-IE" sz="3200" spc="-1" strike="noStrike">
+              <a:latin typeface="Arial"/>
             </a:endParaRPr>
           </a:p>
         </p:txBody>
@@ -2495,8 +2577,8 @@
         </p:nvSpPr>
         <p:spPr>
           <a:xfrm>
-            <a:off x="1069920" y="4237200"/>
-            <a:ext cx="4908240" cy="1931760"/>
+            <a:off x="609480" y="3682080"/>
+            <a:ext cx="5354280" cy="1896840"/>
           </a:xfrm>
           <a:prstGeom prst="rect">
             <a:avLst/>
@@ -2511,20 +2593,8 @@
             <a:normAutofit/>
           </a:bodyPr>
           <a:p>
-            <a:pPr>
-              <a:lnSpc>
-                <a:spcPct val="90000"/>
-              </a:lnSpc>
-              <a:spcBef>
-                <a:spcPts val="1417"/>
-              </a:spcBef>
-              <a:buNone/>
-            </a:pPr>
-            <a:endParaRPr b="0" lang="en-US" sz="2000" spc="-1" strike="noStrike">
-              <a:solidFill>
-                <a:srgbClr val="000000"/>
-              </a:solidFill>
-              <a:latin typeface="Rockwell"/>
+            <a:endParaRPr b="0" lang="en-IE" sz="3200" spc="-1" strike="noStrike">
+              <a:latin typeface="Arial"/>
             </a:endParaRPr>
           </a:p>
         </p:txBody>
@@ -2536,7 +2606,7 @@
             <a:spLocks noGrp="1"/>
           </p:cNvSpPr>
           <p:nvPr>
-            <p:ph type="ftr" idx="5"/>
+            <p:ph type="ftr" idx="4"/>
           </p:nvPr>
         </p:nvSpPr>
         <p:spPr/>
@@ -2556,14 +2626,14 @@
             <a:spLocks noGrp="1"/>
           </p:cNvSpPr>
           <p:nvPr>
-            <p:ph type="sldNum" idx="6"/>
+            <p:ph type="sldNum" idx="5"/>
           </p:nvPr>
         </p:nvSpPr>
         <p:spPr/>
         <p:txBody>
           <a:bodyPr/>
           <a:p>
-            <a:fld id="{B9B168B7-474D-41BF-AE47-2879D1353E48}" type="slidenum">
+            <a:fld id="{D437C939-DE48-4989-A735-0E092FC9607F}" type="slidenum">
               <a:t>&lt;#&gt;</a:t>
             </a:fld>
           </a:p>
@@ -2576,7 +2646,7 @@
             <a:spLocks noGrp="1"/>
           </p:cNvSpPr>
           <p:nvPr>
-            <p:ph type="dt" idx="4"/>
+            <p:ph type="dt" idx="6"/>
           </p:nvPr>
         </p:nvSpPr>
         <p:spPr/>
@@ -2624,8 +2694,8 @@
         </p:nvSpPr>
         <p:spPr>
           <a:xfrm>
-            <a:off x="1069920" y="484560"/>
-            <a:ext cx="10058040" cy="1608840"/>
+            <a:off x="609480" y="273600"/>
+            <a:ext cx="10972440" cy="1144800"/>
           </a:xfrm>
           <a:prstGeom prst="rect">
             <a:avLst/>
@@ -2640,11 +2710,11 @@
             <a:noAutofit/>
           </a:bodyPr>
           <a:p>
-            <a:endParaRPr b="0" lang="en-US" sz="1800" spc="-1" strike="noStrike">
-              <a:solidFill>
-                <a:srgbClr val="000000"/>
-              </a:solidFill>
-              <a:latin typeface="Rockwell"/>
+            <a:pPr algn="ctr">
+              <a:buNone/>
+            </a:pPr>
+            <a:endParaRPr b="0" lang="en-IE" sz="4400" spc="-1" strike="noStrike">
+              <a:latin typeface="Arial"/>
             </a:endParaRPr>
           </a:p>
         </p:txBody>
@@ -2661,8 +2731,8 @@
         </p:nvSpPr>
         <p:spPr>
           <a:xfrm>
-            <a:off x="1069920" y="2121480"/>
-            <a:ext cx="10058040" cy="4050360"/>
+            <a:off x="609480" y="1604520"/>
+            <a:ext cx="10972440" cy="3977280"/>
           </a:xfrm>
           <a:prstGeom prst="rect">
             <a:avLst/>
@@ -2693,7 +2763,7 @@
             <a:spLocks noGrp="1"/>
           </p:cNvSpPr>
           <p:nvPr>
-            <p:ph type="ftr" idx="2"/>
+            <p:ph type="ftr" idx="1"/>
           </p:nvPr>
         </p:nvSpPr>
         <p:spPr/>
@@ -2713,14 +2783,14 @@
             <a:spLocks noGrp="1"/>
           </p:cNvSpPr>
           <p:nvPr>
-            <p:ph type="sldNum" idx="3"/>
+            <p:ph type="sldNum" idx="2"/>
           </p:nvPr>
         </p:nvSpPr>
         <p:spPr/>
         <p:txBody>
           <a:bodyPr/>
           <a:p>
-            <a:fld id="{85FF9C20-85D9-4F05-A427-C090E3EB9AFD}" type="slidenum">
+            <a:fld id="{1748E8B3-E9FE-4BCD-BE20-4EF59002DAE6}" type="slidenum">
               <a:t>&lt;#&gt;</a:t>
             </a:fld>
           </a:p>
@@ -2733,7 +2803,7 @@
             <a:spLocks noGrp="1"/>
           </p:cNvSpPr>
           <p:nvPr>
-            <p:ph type="dt" idx="1"/>
+            <p:ph type="dt" idx="3"/>
           </p:nvPr>
         </p:nvSpPr>
         <p:spPr/>
@@ -2781,8 +2851,8 @@
         </p:nvSpPr>
         <p:spPr>
           <a:xfrm>
-            <a:off x="1069920" y="484560"/>
-            <a:ext cx="10058040" cy="1608840"/>
+            <a:off x="609480" y="273600"/>
+            <a:ext cx="10972440" cy="1144800"/>
           </a:xfrm>
           <a:prstGeom prst="rect">
             <a:avLst/>
@@ -2797,11 +2867,11 @@
             <a:noAutofit/>
           </a:bodyPr>
           <a:p>
-            <a:endParaRPr b="0" lang="en-US" sz="1800" spc="-1" strike="noStrike">
-              <a:solidFill>
-                <a:srgbClr val="000000"/>
-              </a:solidFill>
-              <a:latin typeface="Rockwell"/>
+            <a:pPr algn="ctr">
+              <a:buNone/>
+            </a:pPr>
+            <a:endParaRPr b="0" lang="en-IE" sz="4400" spc="-1" strike="noStrike">
+              <a:latin typeface="Arial"/>
             </a:endParaRPr>
           </a:p>
         </p:txBody>
@@ -2818,8 +2888,8 @@
         </p:nvSpPr>
         <p:spPr>
           <a:xfrm>
-            <a:off x="1069920" y="2121480"/>
-            <a:ext cx="4908240" cy="4050360"/>
+            <a:off x="609480" y="1604520"/>
+            <a:ext cx="5354280" cy="3977280"/>
           </a:xfrm>
           <a:prstGeom prst="rect">
             <a:avLst/>
@@ -2834,20 +2904,8 @@
             <a:normAutofit/>
           </a:bodyPr>
           <a:p>
-            <a:pPr>
-              <a:lnSpc>
-                <a:spcPct val="90000"/>
-              </a:lnSpc>
-              <a:spcBef>
-                <a:spcPts val="1417"/>
-              </a:spcBef>
-              <a:buNone/>
-            </a:pPr>
-            <a:endParaRPr b="0" lang="en-US" sz="2000" spc="-1" strike="noStrike">
-              <a:solidFill>
-                <a:srgbClr val="000000"/>
-              </a:solidFill>
-              <a:latin typeface="Rockwell"/>
+            <a:endParaRPr b="0" lang="en-IE" sz="3200" spc="-1" strike="noStrike">
+              <a:latin typeface="Arial"/>
             </a:endParaRPr>
           </a:p>
         </p:txBody>
@@ -2864,8 +2922,8 @@
         </p:nvSpPr>
         <p:spPr>
           <a:xfrm>
-            <a:off x="6224040" y="2121480"/>
-            <a:ext cx="4908240" cy="1931760"/>
+            <a:off x="6231960" y="1604520"/>
+            <a:ext cx="5354280" cy="1896840"/>
           </a:xfrm>
           <a:prstGeom prst="rect">
             <a:avLst/>
@@ -2880,20 +2938,8 @@
             <a:normAutofit/>
           </a:bodyPr>
           <a:p>
-            <a:pPr>
-              <a:lnSpc>
-                <a:spcPct val="90000"/>
-              </a:lnSpc>
-              <a:spcBef>
-                <a:spcPts val="1417"/>
-              </a:spcBef>
-              <a:buNone/>
-            </a:pPr>
-            <a:endParaRPr b="0" lang="en-US" sz="2000" spc="-1" strike="noStrike">
-              <a:solidFill>
-                <a:srgbClr val="000000"/>
-              </a:solidFill>
-              <a:latin typeface="Rockwell"/>
+            <a:endParaRPr b="0" lang="en-IE" sz="3200" spc="-1" strike="noStrike">
+              <a:latin typeface="Arial"/>
             </a:endParaRPr>
           </a:p>
         </p:txBody>
@@ -2910,8 +2956,8 @@
         </p:nvSpPr>
         <p:spPr>
           <a:xfrm>
-            <a:off x="6224040" y="4237200"/>
-            <a:ext cx="4908240" cy="1931760"/>
+            <a:off x="6231960" y="3682080"/>
+            <a:ext cx="5354280" cy="1896840"/>
           </a:xfrm>
           <a:prstGeom prst="rect">
             <a:avLst/>
@@ -2926,20 +2972,8 @@
             <a:normAutofit/>
           </a:bodyPr>
           <a:p>
-            <a:pPr>
-              <a:lnSpc>
-                <a:spcPct val="90000"/>
-              </a:lnSpc>
-              <a:spcBef>
-                <a:spcPts val="1417"/>
-              </a:spcBef>
-              <a:buNone/>
-            </a:pPr>
-            <a:endParaRPr b="0" lang="en-US" sz="2000" spc="-1" strike="noStrike">
-              <a:solidFill>
-                <a:srgbClr val="000000"/>
-              </a:solidFill>
-              <a:latin typeface="Rockwell"/>
+            <a:endParaRPr b="0" lang="en-IE" sz="3200" spc="-1" strike="noStrike">
+              <a:latin typeface="Arial"/>
             </a:endParaRPr>
           </a:p>
         </p:txBody>
@@ -2951,7 +2985,7 @@
             <a:spLocks noGrp="1"/>
           </p:cNvSpPr>
           <p:nvPr>
-            <p:ph type="ftr" idx="5"/>
+            <p:ph type="ftr" idx="4"/>
           </p:nvPr>
         </p:nvSpPr>
         <p:spPr/>
@@ -2971,14 +3005,14 @@
             <a:spLocks noGrp="1"/>
           </p:cNvSpPr>
           <p:nvPr>
-            <p:ph type="sldNum" idx="6"/>
+            <p:ph type="sldNum" idx="5"/>
           </p:nvPr>
         </p:nvSpPr>
         <p:spPr/>
         <p:txBody>
           <a:bodyPr/>
           <a:p>
-            <a:fld id="{BEE90606-9D39-43C0-BA9A-72D69DB365DA}" type="slidenum">
+            <a:fld id="{06EBA26D-49AE-4D51-974C-7F04CC28F94B}" type="slidenum">
               <a:t>&lt;#&gt;</a:t>
             </a:fld>
           </a:p>
@@ -2991,7 +3025,7 @@
             <a:spLocks noGrp="1"/>
           </p:cNvSpPr>
           <p:nvPr>
-            <p:ph type="dt" idx="4"/>
+            <p:ph type="dt" idx="6"/>
           </p:nvPr>
         </p:nvSpPr>
         <p:spPr/>
@@ -3039,8 +3073,8 @@
         </p:nvSpPr>
         <p:spPr>
           <a:xfrm>
-            <a:off x="1069920" y="484560"/>
-            <a:ext cx="10058040" cy="1608840"/>
+            <a:off x="609480" y="273600"/>
+            <a:ext cx="10972440" cy="1144800"/>
           </a:xfrm>
           <a:prstGeom prst="rect">
             <a:avLst/>
@@ -3055,11 +3089,11 @@
             <a:noAutofit/>
           </a:bodyPr>
           <a:p>
-            <a:endParaRPr b="0" lang="en-US" sz="1800" spc="-1" strike="noStrike">
-              <a:solidFill>
-                <a:srgbClr val="000000"/>
-              </a:solidFill>
-              <a:latin typeface="Rockwell"/>
+            <a:pPr algn="ctr">
+              <a:buNone/>
+            </a:pPr>
+            <a:endParaRPr b="0" lang="en-IE" sz="4400" spc="-1" strike="noStrike">
+              <a:latin typeface="Arial"/>
             </a:endParaRPr>
           </a:p>
         </p:txBody>
@@ -3076,8 +3110,8 @@
         </p:nvSpPr>
         <p:spPr>
           <a:xfrm>
-            <a:off x="1069920" y="2121480"/>
-            <a:ext cx="4908240" cy="1931760"/>
+            <a:off x="609480" y="1604520"/>
+            <a:ext cx="5354280" cy="1896840"/>
           </a:xfrm>
           <a:prstGeom prst="rect">
             <a:avLst/>
@@ -3092,20 +3126,8 @@
             <a:normAutofit/>
           </a:bodyPr>
           <a:p>
-            <a:pPr>
-              <a:lnSpc>
-                <a:spcPct val="90000"/>
-              </a:lnSpc>
-              <a:spcBef>
-                <a:spcPts val="1417"/>
-              </a:spcBef>
-              <a:buNone/>
-            </a:pPr>
-            <a:endParaRPr b="0" lang="en-US" sz="2000" spc="-1" strike="noStrike">
-              <a:solidFill>
-                <a:srgbClr val="000000"/>
-              </a:solidFill>
-              <a:latin typeface="Rockwell"/>
+            <a:endParaRPr b="0" lang="en-IE" sz="3200" spc="-1" strike="noStrike">
+              <a:latin typeface="Arial"/>
             </a:endParaRPr>
           </a:p>
         </p:txBody>
@@ -3122,8 +3144,8 @@
         </p:nvSpPr>
         <p:spPr>
           <a:xfrm>
-            <a:off x="6224040" y="2121480"/>
-            <a:ext cx="4908240" cy="1931760"/>
+            <a:off x="6231960" y="1604520"/>
+            <a:ext cx="5354280" cy="1896840"/>
           </a:xfrm>
           <a:prstGeom prst="rect">
             <a:avLst/>
@@ -3138,20 +3160,8 @@
             <a:normAutofit/>
           </a:bodyPr>
           <a:p>
-            <a:pPr>
-              <a:lnSpc>
-                <a:spcPct val="90000"/>
-              </a:lnSpc>
-              <a:spcBef>
-                <a:spcPts val="1417"/>
-              </a:spcBef>
-              <a:buNone/>
-            </a:pPr>
-            <a:endParaRPr b="0" lang="en-US" sz="2000" spc="-1" strike="noStrike">
-              <a:solidFill>
-                <a:srgbClr val="000000"/>
-              </a:solidFill>
-              <a:latin typeface="Rockwell"/>
+            <a:endParaRPr b="0" lang="en-IE" sz="3200" spc="-1" strike="noStrike">
+              <a:latin typeface="Arial"/>
             </a:endParaRPr>
           </a:p>
         </p:txBody>
@@ -3168,8 +3178,8 @@
         </p:nvSpPr>
         <p:spPr>
           <a:xfrm>
-            <a:off x="1069920" y="4237200"/>
-            <a:ext cx="10058040" cy="1931760"/>
+            <a:off x="609480" y="3682080"/>
+            <a:ext cx="10972440" cy="1896840"/>
           </a:xfrm>
           <a:prstGeom prst="rect">
             <a:avLst/>
@@ -3184,20 +3194,8 @@
             <a:normAutofit/>
           </a:bodyPr>
           <a:p>
-            <a:pPr>
-              <a:lnSpc>
-                <a:spcPct val="90000"/>
-              </a:lnSpc>
-              <a:spcBef>
-                <a:spcPts val="1417"/>
-              </a:spcBef>
-              <a:buNone/>
-            </a:pPr>
-            <a:endParaRPr b="0" lang="en-US" sz="2000" spc="-1" strike="noStrike">
-              <a:solidFill>
-                <a:srgbClr val="000000"/>
-              </a:solidFill>
-              <a:latin typeface="Rockwell"/>
+            <a:endParaRPr b="0" lang="en-IE" sz="3200" spc="-1" strike="noStrike">
+              <a:latin typeface="Arial"/>
             </a:endParaRPr>
           </a:p>
         </p:txBody>
@@ -3209,7 +3207,7 @@
             <a:spLocks noGrp="1"/>
           </p:cNvSpPr>
           <p:nvPr>
-            <p:ph type="ftr" idx="5"/>
+            <p:ph type="ftr" idx="4"/>
           </p:nvPr>
         </p:nvSpPr>
         <p:spPr/>
@@ -3229,14 +3227,14 @@
             <a:spLocks noGrp="1"/>
           </p:cNvSpPr>
           <p:nvPr>
-            <p:ph type="sldNum" idx="6"/>
+            <p:ph type="sldNum" idx="5"/>
           </p:nvPr>
         </p:nvSpPr>
         <p:spPr/>
         <p:txBody>
           <a:bodyPr/>
           <a:p>
-            <a:fld id="{12DF8C06-627C-4770-876C-9C2058C8656F}" type="slidenum">
+            <a:fld id="{B2EA2352-50D0-4148-A777-F2A32A465D2C}" type="slidenum">
               <a:t>&lt;#&gt;</a:t>
             </a:fld>
           </a:p>
@@ -3249,7 +3247,7 @@
             <a:spLocks noGrp="1"/>
           </p:cNvSpPr>
           <p:nvPr>
-            <p:ph type="dt" idx="4"/>
+            <p:ph type="dt" idx="6"/>
           </p:nvPr>
         </p:nvSpPr>
         <p:spPr/>
@@ -3297,8 +3295,8 @@
         </p:nvSpPr>
         <p:spPr>
           <a:xfrm>
-            <a:off x="1069920" y="484560"/>
-            <a:ext cx="10058040" cy="1608840"/>
+            <a:off x="609480" y="273600"/>
+            <a:ext cx="10972440" cy="1144800"/>
           </a:xfrm>
           <a:prstGeom prst="rect">
             <a:avLst/>
@@ -3313,11 +3311,11 @@
             <a:noAutofit/>
           </a:bodyPr>
           <a:p>
-            <a:endParaRPr b="0" lang="en-US" sz="1800" spc="-1" strike="noStrike">
-              <a:solidFill>
-                <a:srgbClr val="000000"/>
-              </a:solidFill>
-              <a:latin typeface="Rockwell"/>
+            <a:pPr algn="ctr">
+              <a:buNone/>
+            </a:pPr>
+            <a:endParaRPr b="0" lang="en-IE" sz="4400" spc="-1" strike="noStrike">
+              <a:latin typeface="Arial"/>
             </a:endParaRPr>
           </a:p>
         </p:txBody>
@@ -3334,8 +3332,8 @@
         </p:nvSpPr>
         <p:spPr>
           <a:xfrm>
-            <a:off x="1069920" y="2121480"/>
-            <a:ext cx="10058040" cy="1931760"/>
+            <a:off x="609480" y="1604520"/>
+            <a:ext cx="10972440" cy="1896840"/>
           </a:xfrm>
           <a:prstGeom prst="rect">
             <a:avLst/>
@@ -3350,20 +3348,8 @@
             <a:normAutofit/>
           </a:bodyPr>
           <a:p>
-            <a:pPr>
-              <a:lnSpc>
-                <a:spcPct val="90000"/>
-              </a:lnSpc>
-              <a:spcBef>
-                <a:spcPts val="1417"/>
-              </a:spcBef>
-              <a:buNone/>
-            </a:pPr>
-            <a:endParaRPr b="0" lang="en-US" sz="2000" spc="-1" strike="noStrike">
-              <a:solidFill>
-                <a:srgbClr val="000000"/>
-              </a:solidFill>
-              <a:latin typeface="Rockwell"/>
+            <a:endParaRPr b="0" lang="en-IE" sz="3200" spc="-1" strike="noStrike">
+              <a:latin typeface="Arial"/>
             </a:endParaRPr>
           </a:p>
         </p:txBody>
@@ -3380,8 +3366,8 @@
         </p:nvSpPr>
         <p:spPr>
           <a:xfrm>
-            <a:off x="1069920" y="4237200"/>
-            <a:ext cx="10058040" cy="1931760"/>
+            <a:off x="609480" y="3682080"/>
+            <a:ext cx="10972440" cy="1896840"/>
           </a:xfrm>
           <a:prstGeom prst="rect">
             <a:avLst/>
@@ -3396,20 +3382,8 @@
             <a:normAutofit/>
           </a:bodyPr>
           <a:p>
-            <a:pPr>
-              <a:lnSpc>
-                <a:spcPct val="90000"/>
-              </a:lnSpc>
-              <a:spcBef>
-                <a:spcPts val="1417"/>
-              </a:spcBef>
-              <a:buNone/>
-            </a:pPr>
-            <a:endParaRPr b="0" lang="en-US" sz="2000" spc="-1" strike="noStrike">
-              <a:solidFill>
-                <a:srgbClr val="000000"/>
-              </a:solidFill>
-              <a:latin typeface="Rockwell"/>
+            <a:endParaRPr b="0" lang="en-IE" sz="3200" spc="-1" strike="noStrike">
+              <a:latin typeface="Arial"/>
             </a:endParaRPr>
           </a:p>
         </p:txBody>
@@ -3421,7 +3395,7 @@
             <a:spLocks noGrp="1"/>
           </p:cNvSpPr>
           <p:nvPr>
-            <p:ph type="ftr" idx="5"/>
+            <p:ph type="ftr" idx="4"/>
           </p:nvPr>
         </p:nvSpPr>
         <p:spPr/>
@@ -3441,14 +3415,14 @@
             <a:spLocks noGrp="1"/>
           </p:cNvSpPr>
           <p:nvPr>
-            <p:ph type="sldNum" idx="6"/>
+            <p:ph type="sldNum" idx="5"/>
           </p:nvPr>
         </p:nvSpPr>
         <p:spPr/>
         <p:txBody>
           <a:bodyPr/>
           <a:p>
-            <a:fld id="{2ECF79A9-EEA6-4FD4-9FC5-B58ADB1EF42A}" type="slidenum">
+            <a:fld id="{20089794-4D05-4DA8-9835-57BD3C453D40}" type="slidenum">
               <a:t>&lt;#&gt;</a:t>
             </a:fld>
           </a:p>
@@ -3461,7 +3435,7 @@
             <a:spLocks noGrp="1"/>
           </p:cNvSpPr>
           <p:nvPr>
-            <p:ph type="dt" idx="4"/>
+            <p:ph type="dt" idx="6"/>
           </p:nvPr>
         </p:nvSpPr>
         <p:spPr/>
@@ -3509,8 +3483,8 @@
         </p:nvSpPr>
         <p:spPr>
           <a:xfrm>
-            <a:off x="1069920" y="484560"/>
-            <a:ext cx="10058040" cy="1608840"/>
+            <a:off x="609480" y="273600"/>
+            <a:ext cx="10972440" cy="1144800"/>
           </a:xfrm>
           <a:prstGeom prst="rect">
             <a:avLst/>
@@ -3525,11 +3499,11 @@
             <a:noAutofit/>
           </a:bodyPr>
           <a:p>
-            <a:endParaRPr b="0" lang="en-US" sz="1800" spc="-1" strike="noStrike">
-              <a:solidFill>
-                <a:srgbClr val="000000"/>
-              </a:solidFill>
-              <a:latin typeface="Rockwell"/>
+            <a:pPr algn="ctr">
+              <a:buNone/>
+            </a:pPr>
+            <a:endParaRPr b="0" lang="en-IE" sz="4400" spc="-1" strike="noStrike">
+              <a:latin typeface="Arial"/>
             </a:endParaRPr>
           </a:p>
         </p:txBody>
@@ -3546,8 +3520,8 @@
         </p:nvSpPr>
         <p:spPr>
           <a:xfrm>
-            <a:off x="1069920" y="2121480"/>
-            <a:ext cx="4908240" cy="1931760"/>
+            <a:off x="609480" y="1604520"/>
+            <a:ext cx="5354280" cy="1896840"/>
           </a:xfrm>
           <a:prstGeom prst="rect">
             <a:avLst/>
@@ -3562,20 +3536,8 @@
             <a:normAutofit/>
           </a:bodyPr>
           <a:p>
-            <a:pPr>
-              <a:lnSpc>
-                <a:spcPct val="90000"/>
-              </a:lnSpc>
-              <a:spcBef>
-                <a:spcPts val="1417"/>
-              </a:spcBef>
-              <a:buNone/>
-            </a:pPr>
-            <a:endParaRPr b="0" lang="en-US" sz="2000" spc="-1" strike="noStrike">
-              <a:solidFill>
-                <a:srgbClr val="000000"/>
-              </a:solidFill>
-              <a:latin typeface="Rockwell"/>
+            <a:endParaRPr b="0" lang="en-IE" sz="3200" spc="-1" strike="noStrike">
+              <a:latin typeface="Arial"/>
             </a:endParaRPr>
           </a:p>
         </p:txBody>
@@ -3592,8 +3554,8 @@
         </p:nvSpPr>
         <p:spPr>
           <a:xfrm>
-            <a:off x="6224040" y="2121480"/>
-            <a:ext cx="4908240" cy="1931760"/>
+            <a:off x="6231960" y="1604520"/>
+            <a:ext cx="5354280" cy="1896840"/>
           </a:xfrm>
           <a:prstGeom prst="rect">
             <a:avLst/>
@@ -3608,20 +3570,8 @@
             <a:normAutofit/>
           </a:bodyPr>
           <a:p>
-            <a:pPr>
-              <a:lnSpc>
-                <a:spcPct val="90000"/>
-              </a:lnSpc>
-              <a:spcBef>
-                <a:spcPts val="1417"/>
-              </a:spcBef>
-              <a:buNone/>
-            </a:pPr>
-            <a:endParaRPr b="0" lang="en-US" sz="2000" spc="-1" strike="noStrike">
-              <a:solidFill>
-                <a:srgbClr val="000000"/>
-              </a:solidFill>
-              <a:latin typeface="Rockwell"/>
+            <a:endParaRPr b="0" lang="en-IE" sz="3200" spc="-1" strike="noStrike">
+              <a:latin typeface="Arial"/>
             </a:endParaRPr>
           </a:p>
         </p:txBody>
@@ -3638,8 +3588,8 @@
         </p:nvSpPr>
         <p:spPr>
           <a:xfrm>
-            <a:off x="1069920" y="4237200"/>
-            <a:ext cx="4908240" cy="1931760"/>
+            <a:off x="609480" y="3682080"/>
+            <a:ext cx="5354280" cy="1896840"/>
           </a:xfrm>
           <a:prstGeom prst="rect">
             <a:avLst/>
@@ -3654,20 +3604,8 @@
             <a:normAutofit/>
           </a:bodyPr>
           <a:p>
-            <a:pPr>
-              <a:lnSpc>
-                <a:spcPct val="90000"/>
-              </a:lnSpc>
-              <a:spcBef>
-                <a:spcPts val="1417"/>
-              </a:spcBef>
-              <a:buNone/>
-            </a:pPr>
-            <a:endParaRPr b="0" lang="en-US" sz="2000" spc="-1" strike="noStrike">
-              <a:solidFill>
-                <a:srgbClr val="000000"/>
-              </a:solidFill>
-              <a:latin typeface="Rockwell"/>
+            <a:endParaRPr b="0" lang="en-IE" sz="3200" spc="-1" strike="noStrike">
+              <a:latin typeface="Arial"/>
             </a:endParaRPr>
           </a:p>
         </p:txBody>
@@ -3684,8 +3622,8 @@
         </p:nvSpPr>
         <p:spPr>
           <a:xfrm>
-            <a:off x="6224040" y="4237200"/>
-            <a:ext cx="4908240" cy="1931760"/>
+            <a:off x="6231960" y="3682080"/>
+            <a:ext cx="5354280" cy="1896840"/>
           </a:xfrm>
           <a:prstGeom prst="rect">
             <a:avLst/>
@@ -3700,20 +3638,8 @@
             <a:normAutofit/>
           </a:bodyPr>
           <a:p>
-            <a:pPr>
-              <a:lnSpc>
-                <a:spcPct val="90000"/>
-              </a:lnSpc>
-              <a:spcBef>
-                <a:spcPts val="1417"/>
-              </a:spcBef>
-              <a:buNone/>
-            </a:pPr>
-            <a:endParaRPr b="0" lang="en-US" sz="2000" spc="-1" strike="noStrike">
-              <a:solidFill>
-                <a:srgbClr val="000000"/>
-              </a:solidFill>
-              <a:latin typeface="Rockwell"/>
+            <a:endParaRPr b="0" lang="en-IE" sz="3200" spc="-1" strike="noStrike">
+              <a:latin typeface="Arial"/>
             </a:endParaRPr>
           </a:p>
         </p:txBody>
@@ -3725,7 +3651,7 @@
             <a:spLocks noGrp="1"/>
           </p:cNvSpPr>
           <p:nvPr>
-            <p:ph type="ftr" idx="5"/>
+            <p:ph type="ftr" idx="4"/>
           </p:nvPr>
         </p:nvSpPr>
         <p:spPr/>
@@ -3745,14 +3671,14 @@
             <a:spLocks noGrp="1"/>
           </p:cNvSpPr>
           <p:nvPr>
-            <p:ph type="sldNum" idx="6"/>
+            <p:ph type="sldNum" idx="5"/>
           </p:nvPr>
         </p:nvSpPr>
         <p:spPr/>
         <p:txBody>
           <a:bodyPr/>
           <a:p>
-            <a:fld id="{D9F7995B-D965-41E4-A834-8CF769F93DE9}" type="slidenum">
+            <a:fld id="{6EB88E8E-0A77-461A-A226-0CC8F17C81F1}" type="slidenum">
               <a:t>&lt;#&gt;</a:t>
             </a:fld>
           </a:p>
@@ -3765,7 +3691,7 @@
             <a:spLocks noGrp="1"/>
           </p:cNvSpPr>
           <p:nvPr>
-            <p:ph type="dt" idx="4"/>
+            <p:ph type="dt" idx="6"/>
           </p:nvPr>
         </p:nvSpPr>
         <p:spPr/>
@@ -3813,8 +3739,8 @@
         </p:nvSpPr>
         <p:spPr>
           <a:xfrm>
-            <a:off x="1069920" y="484560"/>
-            <a:ext cx="10058040" cy="1608840"/>
+            <a:off x="609480" y="273600"/>
+            <a:ext cx="10972440" cy="1144800"/>
           </a:xfrm>
           <a:prstGeom prst="rect">
             <a:avLst/>
@@ -3829,11 +3755,11 @@
             <a:noAutofit/>
           </a:bodyPr>
           <a:p>
-            <a:endParaRPr b="0" lang="en-US" sz="1800" spc="-1" strike="noStrike">
-              <a:solidFill>
-                <a:srgbClr val="000000"/>
-              </a:solidFill>
-              <a:latin typeface="Rockwell"/>
+            <a:pPr algn="ctr">
+              <a:buNone/>
+            </a:pPr>
+            <a:endParaRPr b="0" lang="en-IE" sz="4400" spc="-1" strike="noStrike">
+              <a:latin typeface="Arial"/>
             </a:endParaRPr>
           </a:p>
         </p:txBody>
@@ -3850,8 +3776,8 @@
         </p:nvSpPr>
         <p:spPr>
           <a:xfrm>
-            <a:off x="1069920" y="2121480"/>
-            <a:ext cx="3238560" cy="1931760"/>
+            <a:off x="609480" y="1604520"/>
+            <a:ext cx="3533040" cy="1896840"/>
           </a:xfrm>
           <a:prstGeom prst="rect">
             <a:avLst/>
@@ -3866,20 +3792,8 @@
             <a:normAutofit/>
           </a:bodyPr>
           <a:p>
-            <a:pPr>
-              <a:lnSpc>
-                <a:spcPct val="90000"/>
-              </a:lnSpc>
-              <a:spcBef>
-                <a:spcPts val="1417"/>
-              </a:spcBef>
-              <a:buNone/>
-            </a:pPr>
-            <a:endParaRPr b="0" lang="en-US" sz="2000" spc="-1" strike="noStrike">
-              <a:solidFill>
-                <a:srgbClr val="000000"/>
-              </a:solidFill>
-              <a:latin typeface="Rockwell"/>
+            <a:endParaRPr b="0" lang="en-IE" sz="3200" spc="-1" strike="noStrike">
+              <a:latin typeface="Arial"/>
             </a:endParaRPr>
           </a:p>
         </p:txBody>
@@ -3896,8 +3810,8 @@
         </p:nvSpPr>
         <p:spPr>
           <a:xfrm>
-            <a:off x="4470840" y="2121480"/>
-            <a:ext cx="3238560" cy="1931760"/>
+            <a:off x="4319640" y="1604520"/>
+            <a:ext cx="3533040" cy="1896840"/>
           </a:xfrm>
           <a:prstGeom prst="rect">
             <a:avLst/>
@@ -3912,20 +3826,8 @@
             <a:normAutofit/>
           </a:bodyPr>
           <a:p>
-            <a:pPr>
-              <a:lnSpc>
-                <a:spcPct val="90000"/>
-              </a:lnSpc>
-              <a:spcBef>
-                <a:spcPts val="1417"/>
-              </a:spcBef>
-              <a:buNone/>
-            </a:pPr>
-            <a:endParaRPr b="0" lang="en-US" sz="2000" spc="-1" strike="noStrike">
-              <a:solidFill>
-                <a:srgbClr val="000000"/>
-              </a:solidFill>
-              <a:latin typeface="Rockwell"/>
+            <a:endParaRPr b="0" lang="en-IE" sz="3200" spc="-1" strike="noStrike">
+              <a:latin typeface="Arial"/>
             </a:endParaRPr>
           </a:p>
         </p:txBody>
@@ -3942,8 +3844,8 @@
         </p:nvSpPr>
         <p:spPr>
           <a:xfrm>
-            <a:off x="7871760" y="2121480"/>
-            <a:ext cx="3238560" cy="1931760"/>
+            <a:off x="8029800" y="1604520"/>
+            <a:ext cx="3533040" cy="1896840"/>
           </a:xfrm>
           <a:prstGeom prst="rect">
             <a:avLst/>
@@ -3958,20 +3860,8 @@
             <a:normAutofit/>
           </a:bodyPr>
           <a:p>
-            <a:pPr>
-              <a:lnSpc>
-                <a:spcPct val="90000"/>
-              </a:lnSpc>
-              <a:spcBef>
-                <a:spcPts val="1417"/>
-              </a:spcBef>
-              <a:buNone/>
-            </a:pPr>
-            <a:endParaRPr b="0" lang="en-US" sz="2000" spc="-1" strike="noStrike">
-              <a:solidFill>
-                <a:srgbClr val="000000"/>
-              </a:solidFill>
-              <a:latin typeface="Rockwell"/>
+            <a:endParaRPr b="0" lang="en-IE" sz="3200" spc="-1" strike="noStrike">
+              <a:latin typeface="Arial"/>
             </a:endParaRPr>
           </a:p>
         </p:txBody>
@@ -3988,8 +3878,8 @@
         </p:nvSpPr>
         <p:spPr>
           <a:xfrm>
-            <a:off x="1069920" y="4237200"/>
-            <a:ext cx="3238560" cy="1931760"/>
+            <a:off x="609480" y="3682080"/>
+            <a:ext cx="3533040" cy="1896840"/>
           </a:xfrm>
           <a:prstGeom prst="rect">
             <a:avLst/>
@@ -4004,20 +3894,8 @@
             <a:normAutofit/>
           </a:bodyPr>
           <a:p>
-            <a:pPr>
-              <a:lnSpc>
-                <a:spcPct val="90000"/>
-              </a:lnSpc>
-              <a:spcBef>
-                <a:spcPts val="1417"/>
-              </a:spcBef>
-              <a:buNone/>
-            </a:pPr>
-            <a:endParaRPr b="0" lang="en-US" sz="2000" spc="-1" strike="noStrike">
-              <a:solidFill>
-                <a:srgbClr val="000000"/>
-              </a:solidFill>
-              <a:latin typeface="Rockwell"/>
+            <a:endParaRPr b="0" lang="en-IE" sz="3200" spc="-1" strike="noStrike">
+              <a:latin typeface="Arial"/>
             </a:endParaRPr>
           </a:p>
         </p:txBody>
@@ -4034,8 +3912,8 @@
         </p:nvSpPr>
         <p:spPr>
           <a:xfrm>
-            <a:off x="4470840" y="4237200"/>
-            <a:ext cx="3238560" cy="1931760"/>
+            <a:off x="4319640" y="3682080"/>
+            <a:ext cx="3533040" cy="1896840"/>
           </a:xfrm>
           <a:prstGeom prst="rect">
             <a:avLst/>
@@ -4050,20 +3928,8 @@
             <a:normAutofit/>
           </a:bodyPr>
           <a:p>
-            <a:pPr>
-              <a:lnSpc>
-                <a:spcPct val="90000"/>
-              </a:lnSpc>
-              <a:spcBef>
-                <a:spcPts val="1417"/>
-              </a:spcBef>
-              <a:buNone/>
-            </a:pPr>
-            <a:endParaRPr b="0" lang="en-US" sz="2000" spc="-1" strike="noStrike">
-              <a:solidFill>
-                <a:srgbClr val="000000"/>
-              </a:solidFill>
-              <a:latin typeface="Rockwell"/>
+            <a:endParaRPr b="0" lang="en-IE" sz="3200" spc="-1" strike="noStrike">
+              <a:latin typeface="Arial"/>
             </a:endParaRPr>
           </a:p>
         </p:txBody>
@@ -4080,8 +3946,8 @@
         </p:nvSpPr>
         <p:spPr>
           <a:xfrm>
-            <a:off x="7871760" y="4237200"/>
-            <a:ext cx="3238560" cy="1931760"/>
+            <a:off x="8029800" y="3682080"/>
+            <a:ext cx="3533040" cy="1896840"/>
           </a:xfrm>
           <a:prstGeom prst="rect">
             <a:avLst/>
@@ -4096,20 +3962,8 @@
             <a:normAutofit/>
           </a:bodyPr>
           <a:p>
-            <a:pPr>
-              <a:lnSpc>
-                <a:spcPct val="90000"/>
-              </a:lnSpc>
-              <a:spcBef>
-                <a:spcPts val="1417"/>
-              </a:spcBef>
-              <a:buNone/>
-            </a:pPr>
-            <a:endParaRPr b="0" lang="en-US" sz="2000" spc="-1" strike="noStrike">
-              <a:solidFill>
-                <a:srgbClr val="000000"/>
-              </a:solidFill>
-              <a:latin typeface="Rockwell"/>
+            <a:endParaRPr b="0" lang="en-IE" sz="3200" spc="-1" strike="noStrike">
+              <a:latin typeface="Arial"/>
             </a:endParaRPr>
           </a:p>
         </p:txBody>
@@ -4121,7 +3975,7 @@
             <a:spLocks noGrp="1"/>
           </p:cNvSpPr>
           <p:nvPr>
-            <p:ph type="ftr" idx="5"/>
+            <p:ph type="ftr" idx="4"/>
           </p:nvPr>
         </p:nvSpPr>
         <p:spPr/>
@@ -4141,14 +3995,14 @@
             <a:spLocks noGrp="1"/>
           </p:cNvSpPr>
           <p:nvPr>
-            <p:ph type="sldNum" idx="6"/>
+            <p:ph type="sldNum" idx="5"/>
           </p:nvPr>
         </p:nvSpPr>
         <p:spPr/>
         <p:txBody>
           <a:bodyPr/>
           <a:p>
-            <a:fld id="{84BD43D2-8CDB-49D7-8E0C-EE9B19CB2FB6}" type="slidenum">
+            <a:fld id="{C10A2493-A4B2-48F1-9291-1BEEF9D4F2E0}" type="slidenum">
               <a:t>&lt;#&gt;</a:t>
             </a:fld>
           </a:p>
@@ -4161,7 +4015,7 @@
             <a:spLocks noGrp="1"/>
           </p:cNvSpPr>
           <p:nvPr>
-            <p:ph type="dt" idx="4"/>
+            <p:ph type="dt" idx="6"/>
           </p:nvPr>
         </p:nvSpPr>
         <p:spPr/>
@@ -4209,8 +4063,8 @@
         </p:nvSpPr>
         <p:spPr>
           <a:xfrm>
-            <a:off x="1069920" y="484560"/>
-            <a:ext cx="10058040" cy="1608840"/>
+            <a:off x="609480" y="273600"/>
+            <a:ext cx="10972440" cy="1144800"/>
           </a:xfrm>
           <a:prstGeom prst="rect">
             <a:avLst/>
@@ -4225,11 +4079,11 @@
             <a:noAutofit/>
           </a:bodyPr>
           <a:p>
-            <a:endParaRPr b="0" lang="en-US" sz="1800" spc="-1" strike="noStrike">
-              <a:solidFill>
-                <a:srgbClr val="000000"/>
-              </a:solidFill>
-              <a:latin typeface="Rockwell"/>
+            <a:pPr algn="ctr">
+              <a:buNone/>
+            </a:pPr>
+            <a:endParaRPr b="0" lang="en-IE" sz="4400" spc="-1" strike="noStrike">
+              <a:latin typeface="Arial"/>
             </a:endParaRPr>
           </a:p>
         </p:txBody>
@@ -4246,8 +4100,8 @@
         </p:nvSpPr>
         <p:spPr>
           <a:xfrm>
-            <a:off x="1069920" y="2121480"/>
-            <a:ext cx="10058040" cy="4050360"/>
+            <a:off x="609480" y="1604520"/>
+            <a:ext cx="10972440" cy="3977280"/>
           </a:xfrm>
           <a:prstGeom prst="rect">
             <a:avLst/>
@@ -4262,20 +4116,8 @@
             <a:normAutofit/>
           </a:bodyPr>
           <a:p>
-            <a:pPr>
-              <a:lnSpc>
-                <a:spcPct val="90000"/>
-              </a:lnSpc>
-              <a:spcBef>
-                <a:spcPts val="1417"/>
-              </a:spcBef>
-              <a:buNone/>
-            </a:pPr>
-            <a:endParaRPr b="0" lang="en-US" sz="2000" spc="-1" strike="noStrike">
-              <a:solidFill>
-                <a:srgbClr val="000000"/>
-              </a:solidFill>
-              <a:latin typeface="Rockwell"/>
+            <a:endParaRPr b="0" lang="en-IE" sz="3200" spc="-1" strike="noStrike">
+              <a:latin typeface="Arial"/>
             </a:endParaRPr>
           </a:p>
         </p:txBody>
@@ -4287,7 +4129,7 @@
             <a:spLocks noGrp="1"/>
           </p:cNvSpPr>
           <p:nvPr>
-            <p:ph type="ftr" idx="2"/>
+            <p:ph type="ftr" idx="1"/>
           </p:nvPr>
         </p:nvSpPr>
         <p:spPr/>
@@ -4307,14 +4149,14 @@
             <a:spLocks noGrp="1"/>
           </p:cNvSpPr>
           <p:nvPr>
-            <p:ph type="sldNum" idx="3"/>
+            <p:ph type="sldNum" idx="2"/>
           </p:nvPr>
         </p:nvSpPr>
         <p:spPr/>
         <p:txBody>
           <a:bodyPr/>
           <a:p>
-            <a:fld id="{301CC927-1648-4E1B-A8A5-F0D5621B0DCE}" type="slidenum">
+            <a:fld id="{AAD1C996-B580-4EC0-B31D-8F277982C307}" type="slidenum">
               <a:t>&lt;#&gt;</a:t>
             </a:fld>
           </a:p>
@@ -4327,7 +4169,7 @@
             <a:spLocks noGrp="1"/>
           </p:cNvSpPr>
           <p:nvPr>
-            <p:ph type="dt" idx="1"/>
+            <p:ph type="dt" idx="3"/>
           </p:nvPr>
         </p:nvSpPr>
         <p:spPr/>
@@ -4375,8 +4217,8 @@
         </p:nvSpPr>
         <p:spPr>
           <a:xfrm>
-            <a:off x="1069920" y="484560"/>
-            <a:ext cx="10058040" cy="1608840"/>
+            <a:off x="609480" y="273600"/>
+            <a:ext cx="10972440" cy="1144800"/>
           </a:xfrm>
           <a:prstGeom prst="rect">
             <a:avLst/>
@@ -4391,11 +4233,11 @@
             <a:noAutofit/>
           </a:bodyPr>
           <a:p>
-            <a:endParaRPr b="0" lang="en-US" sz="1800" spc="-1" strike="noStrike">
-              <a:solidFill>
-                <a:srgbClr val="000000"/>
-              </a:solidFill>
-              <a:latin typeface="Rockwell"/>
+            <a:pPr algn="ctr">
+              <a:buNone/>
+            </a:pPr>
+            <a:endParaRPr b="0" lang="en-IE" sz="4400" spc="-1" strike="noStrike">
+              <a:latin typeface="Arial"/>
             </a:endParaRPr>
           </a:p>
         </p:txBody>
@@ -4412,8 +4254,8 @@
         </p:nvSpPr>
         <p:spPr>
           <a:xfrm>
-            <a:off x="1069920" y="2121480"/>
-            <a:ext cx="4908240" cy="4050360"/>
+            <a:off x="609480" y="1604520"/>
+            <a:ext cx="5354280" cy="3977280"/>
           </a:xfrm>
           <a:prstGeom prst="rect">
             <a:avLst/>
@@ -4428,20 +4270,8 @@
             <a:normAutofit/>
           </a:bodyPr>
           <a:p>
-            <a:pPr>
-              <a:lnSpc>
-                <a:spcPct val="90000"/>
-              </a:lnSpc>
-              <a:spcBef>
-                <a:spcPts val="1417"/>
-              </a:spcBef>
-              <a:buNone/>
-            </a:pPr>
-            <a:endParaRPr b="0" lang="en-US" sz="2000" spc="-1" strike="noStrike">
-              <a:solidFill>
-                <a:srgbClr val="000000"/>
-              </a:solidFill>
-              <a:latin typeface="Rockwell"/>
+            <a:endParaRPr b="0" lang="en-IE" sz="3200" spc="-1" strike="noStrike">
+              <a:latin typeface="Arial"/>
             </a:endParaRPr>
           </a:p>
         </p:txBody>
@@ -4458,8 +4288,8 @@
         </p:nvSpPr>
         <p:spPr>
           <a:xfrm>
-            <a:off x="6224040" y="2121480"/>
-            <a:ext cx="4908240" cy="4050360"/>
+            <a:off x="6231960" y="1604520"/>
+            <a:ext cx="5354280" cy="3977280"/>
           </a:xfrm>
           <a:prstGeom prst="rect">
             <a:avLst/>
@@ -4474,20 +4304,8 @@
             <a:normAutofit/>
           </a:bodyPr>
           <a:p>
-            <a:pPr>
-              <a:lnSpc>
-                <a:spcPct val="90000"/>
-              </a:lnSpc>
-              <a:spcBef>
-                <a:spcPts val="1417"/>
-              </a:spcBef>
-              <a:buNone/>
-            </a:pPr>
-            <a:endParaRPr b="0" lang="en-US" sz="2000" spc="-1" strike="noStrike">
-              <a:solidFill>
-                <a:srgbClr val="000000"/>
-              </a:solidFill>
-              <a:latin typeface="Rockwell"/>
+            <a:endParaRPr b="0" lang="en-IE" sz="3200" spc="-1" strike="noStrike">
+              <a:latin typeface="Arial"/>
             </a:endParaRPr>
           </a:p>
         </p:txBody>
@@ -4499,7 +4317,7 @@
             <a:spLocks noGrp="1"/>
           </p:cNvSpPr>
           <p:nvPr>
-            <p:ph type="ftr" idx="2"/>
+            <p:ph type="ftr" idx="1"/>
           </p:nvPr>
         </p:nvSpPr>
         <p:spPr/>
@@ -4519,14 +4337,14 @@
             <a:spLocks noGrp="1"/>
           </p:cNvSpPr>
           <p:nvPr>
-            <p:ph type="sldNum" idx="3"/>
+            <p:ph type="sldNum" idx="2"/>
           </p:nvPr>
         </p:nvSpPr>
         <p:spPr/>
         <p:txBody>
           <a:bodyPr/>
           <a:p>
-            <a:fld id="{BE276A2B-B356-44FE-8B82-8FEC524B2B3C}" type="slidenum">
+            <a:fld id="{69D03E0A-5EF5-4608-BD8E-733AE81C9A66}" type="slidenum">
               <a:t>&lt;#&gt;</a:t>
             </a:fld>
           </a:p>
@@ -4539,7 +4357,7 @@
             <a:spLocks noGrp="1"/>
           </p:cNvSpPr>
           <p:nvPr>
-            <p:ph type="dt" idx="1"/>
+            <p:ph type="dt" idx="3"/>
           </p:nvPr>
         </p:nvSpPr>
         <p:spPr/>
@@ -4587,8 +4405,8 @@
         </p:nvSpPr>
         <p:spPr>
           <a:xfrm>
-            <a:off x="1069920" y="484560"/>
-            <a:ext cx="10058040" cy="1608840"/>
+            <a:off x="609480" y="273600"/>
+            <a:ext cx="10972440" cy="1144800"/>
           </a:xfrm>
           <a:prstGeom prst="rect">
             <a:avLst/>
@@ -4603,11 +4421,11 @@
             <a:noAutofit/>
           </a:bodyPr>
           <a:p>
-            <a:endParaRPr b="0" lang="en-US" sz="1800" spc="-1" strike="noStrike">
-              <a:solidFill>
-                <a:srgbClr val="000000"/>
-              </a:solidFill>
-              <a:latin typeface="Rockwell"/>
+            <a:pPr algn="ctr">
+              <a:buNone/>
+            </a:pPr>
+            <a:endParaRPr b="0" lang="en-IE" sz="4400" spc="-1" strike="noStrike">
+              <a:latin typeface="Arial"/>
             </a:endParaRPr>
           </a:p>
         </p:txBody>
@@ -4619,7 +4437,7 @@
             <a:spLocks noGrp="1"/>
           </p:cNvSpPr>
           <p:nvPr>
-            <p:ph type="ftr" idx="2"/>
+            <p:ph type="ftr" idx="1"/>
           </p:nvPr>
         </p:nvSpPr>
         <p:spPr/>
@@ -4639,14 +4457,14 @@
             <a:spLocks noGrp="1"/>
           </p:cNvSpPr>
           <p:nvPr>
-            <p:ph type="sldNum" idx="3"/>
+            <p:ph type="sldNum" idx="2"/>
           </p:nvPr>
         </p:nvSpPr>
         <p:spPr/>
         <p:txBody>
           <a:bodyPr/>
           <a:p>
-            <a:fld id="{03F28BEF-F4F5-4AF3-955F-3687A5485989}" type="slidenum">
+            <a:fld id="{8657ED57-185C-4D4C-A444-476235E324CB}" type="slidenum">
               <a:t>&lt;#&gt;</a:t>
             </a:fld>
           </a:p>
@@ -4659,7 +4477,7 @@
             <a:spLocks noGrp="1"/>
           </p:cNvSpPr>
           <p:nvPr>
-            <p:ph type="dt" idx="1"/>
+            <p:ph type="dt" idx="3"/>
           </p:nvPr>
         </p:nvSpPr>
         <p:spPr/>
@@ -4707,8 +4525,8 @@
         </p:nvSpPr>
         <p:spPr>
           <a:xfrm>
-            <a:off x="1069920" y="484560"/>
-            <a:ext cx="10058040" cy="7458840"/>
+            <a:off x="609480" y="273600"/>
+            <a:ext cx="10972440" cy="5307840"/>
           </a:xfrm>
           <a:prstGeom prst="rect">
             <a:avLst/>
@@ -4739,7 +4557,7 @@
             <a:spLocks noGrp="1"/>
           </p:cNvSpPr>
           <p:nvPr>
-            <p:ph type="ftr" idx="2"/>
+            <p:ph type="ftr" idx="1"/>
           </p:nvPr>
         </p:nvSpPr>
         <p:spPr/>
@@ -4759,14 +4577,14 @@
             <a:spLocks noGrp="1"/>
           </p:cNvSpPr>
           <p:nvPr>
-            <p:ph type="sldNum" idx="3"/>
+            <p:ph type="sldNum" idx="2"/>
           </p:nvPr>
         </p:nvSpPr>
         <p:spPr/>
         <p:txBody>
           <a:bodyPr/>
           <a:p>
-            <a:fld id="{3F9B5D1C-9ADE-4CD1-932C-85DDC10CD9B5}" type="slidenum">
+            <a:fld id="{0B2CF7CB-B61F-4A4D-BCAE-220182C1B6C0}" type="slidenum">
               <a:t>&lt;#&gt;</a:t>
             </a:fld>
           </a:p>
@@ -4779,7 +4597,7 @@
             <a:spLocks noGrp="1"/>
           </p:cNvSpPr>
           <p:nvPr>
-            <p:ph type="dt" idx="1"/>
+            <p:ph type="dt" idx="3"/>
           </p:nvPr>
         </p:nvSpPr>
         <p:spPr/>
@@ -4827,8 +4645,8 @@
         </p:nvSpPr>
         <p:spPr>
           <a:xfrm>
-            <a:off x="1069920" y="484560"/>
-            <a:ext cx="10058040" cy="1608840"/>
+            <a:off x="609480" y="273600"/>
+            <a:ext cx="10972440" cy="1144800"/>
           </a:xfrm>
           <a:prstGeom prst="rect">
             <a:avLst/>
@@ -4843,11 +4661,11 @@
             <a:noAutofit/>
           </a:bodyPr>
           <a:p>
-            <a:endParaRPr b="0" lang="en-US" sz="1800" spc="-1" strike="noStrike">
-              <a:solidFill>
-                <a:srgbClr val="000000"/>
-              </a:solidFill>
-              <a:latin typeface="Rockwell"/>
+            <a:pPr algn="ctr">
+              <a:buNone/>
+            </a:pPr>
+            <a:endParaRPr b="0" lang="en-IE" sz="4400" spc="-1" strike="noStrike">
+              <a:latin typeface="Arial"/>
             </a:endParaRPr>
           </a:p>
         </p:txBody>
@@ -4864,8 +4682,8 @@
         </p:nvSpPr>
         <p:spPr>
           <a:xfrm>
-            <a:off x="1069920" y="2121480"/>
-            <a:ext cx="4908240" cy="1931760"/>
+            <a:off x="609480" y="1604520"/>
+            <a:ext cx="5354280" cy="1896840"/>
           </a:xfrm>
           <a:prstGeom prst="rect">
             <a:avLst/>
@@ -4880,20 +4698,8 @@
             <a:normAutofit/>
           </a:bodyPr>
           <a:p>
-            <a:pPr>
-              <a:lnSpc>
-                <a:spcPct val="90000"/>
-              </a:lnSpc>
-              <a:spcBef>
-                <a:spcPts val="1417"/>
-              </a:spcBef>
-              <a:buNone/>
-            </a:pPr>
-            <a:endParaRPr b="0" lang="en-US" sz="2000" spc="-1" strike="noStrike">
-              <a:solidFill>
-                <a:srgbClr val="000000"/>
-              </a:solidFill>
-              <a:latin typeface="Rockwell"/>
+            <a:endParaRPr b="0" lang="en-IE" sz="3200" spc="-1" strike="noStrike">
+              <a:latin typeface="Arial"/>
             </a:endParaRPr>
           </a:p>
         </p:txBody>
@@ -4910,8 +4716,8 @@
         </p:nvSpPr>
         <p:spPr>
           <a:xfrm>
-            <a:off x="6224040" y="2121480"/>
-            <a:ext cx="4908240" cy="4050360"/>
+            <a:off x="6231960" y="1604520"/>
+            <a:ext cx="5354280" cy="3977280"/>
           </a:xfrm>
           <a:prstGeom prst="rect">
             <a:avLst/>
@@ -4926,20 +4732,8 @@
             <a:normAutofit/>
           </a:bodyPr>
           <a:p>
-            <a:pPr>
-              <a:lnSpc>
-                <a:spcPct val="90000"/>
-              </a:lnSpc>
-              <a:spcBef>
-                <a:spcPts val="1417"/>
-              </a:spcBef>
-              <a:buNone/>
-            </a:pPr>
-            <a:endParaRPr b="0" lang="en-US" sz="2000" spc="-1" strike="noStrike">
-              <a:solidFill>
-                <a:srgbClr val="000000"/>
-              </a:solidFill>
-              <a:latin typeface="Rockwell"/>
+            <a:endParaRPr b="0" lang="en-IE" sz="3200" spc="-1" strike="noStrike">
+              <a:latin typeface="Arial"/>
             </a:endParaRPr>
           </a:p>
         </p:txBody>
@@ -4956,8 +4750,8 @@
         </p:nvSpPr>
         <p:spPr>
           <a:xfrm>
-            <a:off x="1069920" y="4237200"/>
-            <a:ext cx="4908240" cy="1931760"/>
+            <a:off x="609480" y="3682080"/>
+            <a:ext cx="5354280" cy="1896840"/>
           </a:xfrm>
           <a:prstGeom prst="rect">
             <a:avLst/>
@@ -4972,20 +4766,8 @@
             <a:normAutofit/>
           </a:bodyPr>
           <a:p>
-            <a:pPr>
-              <a:lnSpc>
-                <a:spcPct val="90000"/>
-              </a:lnSpc>
-              <a:spcBef>
-                <a:spcPts val="1417"/>
-              </a:spcBef>
-              <a:buNone/>
-            </a:pPr>
-            <a:endParaRPr b="0" lang="en-US" sz="2000" spc="-1" strike="noStrike">
-              <a:solidFill>
-                <a:srgbClr val="000000"/>
-              </a:solidFill>
-              <a:latin typeface="Rockwell"/>
+            <a:endParaRPr b="0" lang="en-IE" sz="3200" spc="-1" strike="noStrike">
+              <a:latin typeface="Arial"/>
             </a:endParaRPr>
           </a:p>
         </p:txBody>
@@ -4997,7 +4779,7 @@
             <a:spLocks noGrp="1"/>
           </p:cNvSpPr>
           <p:nvPr>
-            <p:ph type="ftr" idx="2"/>
+            <p:ph type="ftr" idx="1"/>
           </p:nvPr>
         </p:nvSpPr>
         <p:spPr/>
@@ -5017,14 +4799,14 @@
             <a:spLocks noGrp="1"/>
           </p:cNvSpPr>
           <p:nvPr>
-            <p:ph type="sldNum" idx="3"/>
+            <p:ph type="sldNum" idx="2"/>
           </p:nvPr>
         </p:nvSpPr>
         <p:spPr/>
         <p:txBody>
           <a:bodyPr/>
           <a:p>
-            <a:fld id="{C932D5D7-18FF-4E6E-B5DD-48E9ECC00295}" type="slidenum">
+            <a:fld id="{4AEEB8AA-7A42-465B-A785-B09C18A44050}" type="slidenum">
               <a:t>&lt;#&gt;</a:t>
             </a:fld>
           </a:p>
@@ -5037,7 +4819,7 @@
             <a:spLocks noGrp="1"/>
           </p:cNvSpPr>
           <p:nvPr>
-            <p:ph type="dt" idx="1"/>
+            <p:ph type="dt" idx="3"/>
           </p:nvPr>
         </p:nvSpPr>
         <p:spPr/>
@@ -5085,8 +4867,8 @@
         </p:nvSpPr>
         <p:spPr>
           <a:xfrm>
-            <a:off x="1069920" y="484560"/>
-            <a:ext cx="10058040" cy="1608840"/>
+            <a:off x="609480" y="273600"/>
+            <a:ext cx="10972440" cy="1144800"/>
           </a:xfrm>
           <a:prstGeom prst="rect">
             <a:avLst/>
@@ -5101,11 +4883,11 @@
             <a:noAutofit/>
           </a:bodyPr>
           <a:p>
-            <a:endParaRPr b="0" lang="en-US" sz="1800" spc="-1" strike="noStrike">
-              <a:solidFill>
-                <a:srgbClr val="000000"/>
-              </a:solidFill>
-              <a:latin typeface="Rockwell"/>
+            <a:pPr algn="ctr">
+              <a:buNone/>
+            </a:pPr>
+            <a:endParaRPr b="0" lang="en-IE" sz="4400" spc="-1" strike="noStrike">
+              <a:latin typeface="Arial"/>
             </a:endParaRPr>
           </a:p>
         </p:txBody>
@@ -5122,8 +4904,8 @@
         </p:nvSpPr>
         <p:spPr>
           <a:xfrm>
-            <a:off x="1069920" y="2121480"/>
-            <a:ext cx="4908240" cy="4050360"/>
+            <a:off x="609480" y="1604520"/>
+            <a:ext cx="5354280" cy="3977280"/>
           </a:xfrm>
           <a:prstGeom prst="rect">
             <a:avLst/>
@@ -5138,20 +4920,8 @@
             <a:normAutofit/>
           </a:bodyPr>
           <a:p>
-            <a:pPr>
-              <a:lnSpc>
-                <a:spcPct val="90000"/>
-              </a:lnSpc>
-              <a:spcBef>
-                <a:spcPts val="1417"/>
-              </a:spcBef>
-              <a:buNone/>
-            </a:pPr>
-            <a:endParaRPr b="0" lang="en-US" sz="2000" spc="-1" strike="noStrike">
-              <a:solidFill>
-                <a:srgbClr val="000000"/>
-              </a:solidFill>
-              <a:latin typeface="Rockwell"/>
+            <a:endParaRPr b="0" lang="en-IE" sz="3200" spc="-1" strike="noStrike">
+              <a:latin typeface="Arial"/>
             </a:endParaRPr>
           </a:p>
         </p:txBody>
@@ -5168,8 +4938,8 @@
         </p:nvSpPr>
         <p:spPr>
           <a:xfrm>
-            <a:off x="6224040" y="2121480"/>
-            <a:ext cx="4908240" cy="1931760"/>
+            <a:off x="6231960" y="1604520"/>
+            <a:ext cx="5354280" cy="1896840"/>
           </a:xfrm>
           <a:prstGeom prst="rect">
             <a:avLst/>
@@ -5184,20 +4954,8 @@
             <a:normAutofit/>
           </a:bodyPr>
           <a:p>
-            <a:pPr>
-              <a:lnSpc>
-                <a:spcPct val="90000"/>
-              </a:lnSpc>
-              <a:spcBef>
-                <a:spcPts val="1417"/>
-              </a:spcBef>
-              <a:buNone/>
-            </a:pPr>
-            <a:endParaRPr b="0" lang="en-US" sz="2000" spc="-1" strike="noStrike">
-              <a:solidFill>
-                <a:srgbClr val="000000"/>
-              </a:solidFill>
-              <a:latin typeface="Rockwell"/>
+            <a:endParaRPr b="0" lang="en-IE" sz="3200" spc="-1" strike="noStrike">
+              <a:latin typeface="Arial"/>
             </a:endParaRPr>
           </a:p>
         </p:txBody>
@@ -5214,8 +4972,8 @@
         </p:nvSpPr>
         <p:spPr>
           <a:xfrm>
-            <a:off x="6224040" y="4237200"/>
-            <a:ext cx="4908240" cy="1931760"/>
+            <a:off x="6231960" y="3682080"/>
+            <a:ext cx="5354280" cy="1896840"/>
           </a:xfrm>
           <a:prstGeom prst="rect">
             <a:avLst/>
@@ -5230,20 +4988,8 @@
             <a:normAutofit/>
           </a:bodyPr>
           <a:p>
-            <a:pPr>
-              <a:lnSpc>
-                <a:spcPct val="90000"/>
-              </a:lnSpc>
-              <a:spcBef>
-                <a:spcPts val="1417"/>
-              </a:spcBef>
-              <a:buNone/>
-            </a:pPr>
-            <a:endParaRPr b="0" lang="en-US" sz="2000" spc="-1" strike="noStrike">
-              <a:solidFill>
-                <a:srgbClr val="000000"/>
-              </a:solidFill>
-              <a:latin typeface="Rockwell"/>
+            <a:endParaRPr b="0" lang="en-IE" sz="3200" spc="-1" strike="noStrike">
+              <a:latin typeface="Arial"/>
             </a:endParaRPr>
           </a:p>
         </p:txBody>
@@ -5255,7 +5001,7 @@
             <a:spLocks noGrp="1"/>
           </p:cNvSpPr>
           <p:nvPr>
-            <p:ph type="ftr" idx="2"/>
+            <p:ph type="ftr" idx="1"/>
           </p:nvPr>
         </p:nvSpPr>
         <p:spPr/>
@@ -5275,14 +5021,14 @@
             <a:spLocks noGrp="1"/>
           </p:cNvSpPr>
           <p:nvPr>
-            <p:ph type="sldNum" idx="3"/>
+            <p:ph type="sldNum" idx="2"/>
           </p:nvPr>
         </p:nvSpPr>
         <p:spPr/>
         <p:txBody>
           <a:bodyPr/>
           <a:p>
-            <a:fld id="{61598393-B3FD-41B8-B0BE-F33569F48647}" type="slidenum">
+            <a:fld id="{14AAAF06-0D7C-4B80-AB3E-955B3714641E}" type="slidenum">
               <a:t>&lt;#&gt;</a:t>
             </a:fld>
           </a:p>
@@ -5295,7 +5041,7 @@
             <a:spLocks noGrp="1"/>
           </p:cNvSpPr>
           <p:nvPr>
-            <p:ph type="dt" idx="1"/>
+            <p:ph type="dt" idx="3"/>
           </p:nvPr>
         </p:nvSpPr>
         <p:spPr/>
@@ -5343,8 +5089,8 @@
         </p:nvSpPr>
         <p:spPr>
           <a:xfrm>
-            <a:off x="1069920" y="484560"/>
-            <a:ext cx="10058040" cy="1608840"/>
+            <a:off x="609480" y="273600"/>
+            <a:ext cx="10972440" cy="1144800"/>
           </a:xfrm>
           <a:prstGeom prst="rect">
             <a:avLst/>
@@ -5359,11 +5105,11 @@
             <a:noAutofit/>
           </a:bodyPr>
           <a:p>
-            <a:endParaRPr b="0" lang="en-US" sz="1800" spc="-1" strike="noStrike">
-              <a:solidFill>
-                <a:srgbClr val="000000"/>
-              </a:solidFill>
-              <a:latin typeface="Rockwell"/>
+            <a:pPr algn="ctr">
+              <a:buNone/>
+            </a:pPr>
+            <a:endParaRPr b="0" lang="en-IE" sz="4400" spc="-1" strike="noStrike">
+              <a:latin typeface="Arial"/>
             </a:endParaRPr>
           </a:p>
         </p:txBody>
@@ -5380,8 +5126,8 @@
         </p:nvSpPr>
         <p:spPr>
           <a:xfrm>
-            <a:off x="1069920" y="2121480"/>
-            <a:ext cx="4908240" cy="1931760"/>
+            <a:off x="609480" y="1604520"/>
+            <a:ext cx="5354280" cy="1896840"/>
           </a:xfrm>
           <a:prstGeom prst="rect">
             <a:avLst/>
@@ -5396,20 +5142,8 @@
             <a:normAutofit/>
           </a:bodyPr>
           <a:p>
-            <a:pPr>
-              <a:lnSpc>
-                <a:spcPct val="90000"/>
-              </a:lnSpc>
-              <a:spcBef>
-                <a:spcPts val="1417"/>
-              </a:spcBef>
-              <a:buNone/>
-            </a:pPr>
-            <a:endParaRPr b="0" lang="en-US" sz="2000" spc="-1" strike="noStrike">
-              <a:solidFill>
-                <a:srgbClr val="000000"/>
-              </a:solidFill>
-              <a:latin typeface="Rockwell"/>
+            <a:endParaRPr b="0" lang="en-IE" sz="3200" spc="-1" strike="noStrike">
+              <a:latin typeface="Arial"/>
             </a:endParaRPr>
           </a:p>
         </p:txBody>
@@ -5426,8 +5160,8 @@
         </p:nvSpPr>
         <p:spPr>
           <a:xfrm>
-            <a:off x="6224040" y="2121480"/>
-            <a:ext cx="4908240" cy="1931760"/>
+            <a:off x="6231960" y="1604520"/>
+            <a:ext cx="5354280" cy="1896840"/>
           </a:xfrm>
           <a:prstGeom prst="rect">
             <a:avLst/>
@@ -5442,20 +5176,8 @@
             <a:normAutofit/>
           </a:bodyPr>
           <a:p>
-            <a:pPr>
-              <a:lnSpc>
-                <a:spcPct val="90000"/>
-              </a:lnSpc>
-              <a:spcBef>
-                <a:spcPts val="1417"/>
-              </a:spcBef>
-              <a:buNone/>
-            </a:pPr>
-            <a:endParaRPr b="0" lang="en-US" sz="2000" spc="-1" strike="noStrike">
-              <a:solidFill>
-                <a:srgbClr val="000000"/>
-              </a:solidFill>
-              <a:latin typeface="Rockwell"/>
+            <a:endParaRPr b="0" lang="en-IE" sz="3200" spc="-1" strike="noStrike">
+              <a:latin typeface="Arial"/>
             </a:endParaRPr>
           </a:p>
         </p:txBody>
@@ -5472,8 +5194,8 @@
         </p:nvSpPr>
         <p:spPr>
           <a:xfrm>
-            <a:off x="1069920" y="4237200"/>
-            <a:ext cx="10058040" cy="1931760"/>
+            <a:off x="609480" y="3682080"/>
+            <a:ext cx="10972440" cy="1896840"/>
           </a:xfrm>
           <a:prstGeom prst="rect">
             <a:avLst/>
@@ -5488,20 +5210,8 @@
             <a:normAutofit/>
           </a:bodyPr>
           <a:p>
-            <a:pPr>
-              <a:lnSpc>
-                <a:spcPct val="90000"/>
-              </a:lnSpc>
-              <a:spcBef>
-                <a:spcPts val="1417"/>
-              </a:spcBef>
-              <a:buNone/>
-            </a:pPr>
-            <a:endParaRPr b="0" lang="en-US" sz="2000" spc="-1" strike="noStrike">
-              <a:solidFill>
-                <a:srgbClr val="000000"/>
-              </a:solidFill>
-              <a:latin typeface="Rockwell"/>
+            <a:endParaRPr b="0" lang="en-IE" sz="3200" spc="-1" strike="noStrike">
+              <a:latin typeface="Arial"/>
             </a:endParaRPr>
           </a:p>
         </p:txBody>
@@ -5513,7 +5223,7 @@
             <a:spLocks noGrp="1"/>
           </p:cNvSpPr>
           <p:nvPr>
-            <p:ph type="ftr" idx="2"/>
+            <p:ph type="ftr" idx="1"/>
           </p:nvPr>
         </p:nvSpPr>
         <p:spPr/>
@@ -5533,14 +5243,14 @@
             <a:spLocks noGrp="1"/>
           </p:cNvSpPr>
           <p:nvPr>
-            <p:ph type="sldNum" idx="3"/>
+            <p:ph type="sldNum" idx="2"/>
           </p:nvPr>
         </p:nvSpPr>
         <p:spPr/>
         <p:txBody>
           <a:bodyPr/>
           <a:p>
-            <a:fld id="{5D88AB0B-31EC-4875-A076-771C300C18B4}" type="slidenum">
+            <a:fld id="{45B2B2BF-4171-419E-A8A2-00F7524C3521}" type="slidenum">
               <a:t>&lt;#&gt;</a:t>
             </a:fld>
           </a:p>
@@ -5553,7 +5263,7 @@
             <a:spLocks noGrp="1"/>
           </p:cNvSpPr>
           <p:nvPr>
-            <p:ph type="dt" idx="1"/>
+            <p:ph type="dt" idx="3"/>
           </p:nvPr>
         </p:nvSpPr>
         <p:spPr/>
@@ -5605,9 +5315,9 @@
         <p:grpSpPr>
           <a:xfrm>
             <a:off x="11401560" y="6229800"/>
-            <a:ext cx="456840" cy="456840"/>
+            <a:ext cx="456480" cy="456480"/>
             <a:chOff x="11401560" y="6229800"/>
-            <a:chExt cx="456840" cy="456840"/>
+            <a:chExt cx="456480" cy="456480"/>
           </a:xfrm>
         </p:grpSpPr>
         <p:sp>
@@ -5619,7 +5329,7 @@
           <p:spPr>
             <a:xfrm>
               <a:off x="11401560" y="6229800"/>
-              <a:ext cx="456840" cy="456840"/>
+              <a:ext cx="456480" cy="456480"/>
             </a:xfrm>
             <a:prstGeom prst="ellipse">
               <a:avLst/>
@@ -5649,7 +5359,7 @@
           <p:spPr>
             <a:xfrm>
               <a:off x="11431080" y="6258960"/>
-              <a:ext cx="398520" cy="398520"/>
+              <a:ext cx="398160" cy="398160"/>
             </a:xfrm>
             <a:prstGeom prst="ellipse">
               <a:avLst/>
@@ -5679,7 +5389,7 @@
         <p:spPr>
           <a:xfrm>
             <a:off x="920880" y="1347120"/>
-            <a:ext cx="10222560" cy="80280"/>
+            <a:ext cx="10222200" cy="79920"/>
           </a:xfrm>
           <a:prstGeom prst="rect">
             <a:avLst/>
@@ -5719,7 +5429,7 @@
         <p:spPr>
           <a:xfrm>
             <a:off x="920880" y="4299840"/>
-            <a:ext cx="10222560" cy="80280"/>
+            <a:ext cx="10222200" cy="79920"/>
           </a:xfrm>
           <a:prstGeom prst="rect">
             <a:avLst/>
@@ -5759,7 +5469,7 @@
         <p:spPr>
           <a:xfrm>
             <a:off x="920880" y="1484640"/>
-            <a:ext cx="10222560" cy="2742840"/>
+            <a:ext cx="10222200" cy="2742480"/>
           </a:xfrm>
           <a:prstGeom prst="rect">
             <a:avLst/>
@@ -5799,9 +5509,9 @@
         <p:grpSpPr>
           <a:xfrm>
             <a:off x="9649080" y="4069080"/>
-            <a:ext cx="1080720" cy="1080720"/>
+            <a:ext cx="1080360" cy="1080360"/>
             <a:chOff x="9649080" y="4069080"/>
-            <a:chExt cx="1080720" cy="1080720"/>
+            <a:chExt cx="1080360" cy="1080360"/>
           </a:xfrm>
         </p:grpSpPr>
         <p:sp>
@@ -5813,7 +5523,7 @@
           <p:spPr>
             <a:xfrm>
               <a:off x="9649080" y="4069080"/>
-              <a:ext cx="1080720" cy="1080720"/>
+              <a:ext cx="1080360" cy="1080360"/>
             </a:xfrm>
             <a:prstGeom prst="ellipse">
               <a:avLst/>
@@ -5843,7 +5553,7 @@
           <p:spPr>
             <a:xfrm>
               <a:off x="9757440" y="4177080"/>
-              <a:ext cx="864360" cy="864360"/>
+              <a:ext cx="864000" cy="864000"/>
             </a:xfrm>
             <a:prstGeom prst="ellipse">
               <a:avLst/>
@@ -5876,39 +5586,30 @@
         </p:nvSpPr>
         <p:spPr>
           <a:xfrm>
-            <a:off x="1051560" y="1432080"/>
-            <a:ext cx="9966600" cy="3035520"/>
-          </a:xfrm>
-          <a:prstGeom prst="rect">
-            <a:avLst/>
-          </a:prstGeom>
-          <a:noFill/>
-          <a:ln w="0">
-            <a:noFill/>
-          </a:ln>
-        </p:spPr>
-        <p:txBody>
-          <a:bodyPr anchor="ctr">
+            <a:off x="1069920" y="484560"/>
+            <a:ext cx="10057680" cy="1608480"/>
+          </a:xfrm>
+          <a:prstGeom prst="rect">
+            <a:avLst/>
+          </a:prstGeom>
+          <a:noFill/>
+          <a:ln w="0">
+            <a:noFill/>
+          </a:ln>
+        </p:spPr>
+        <p:txBody>
+          <a:bodyPr lIns="0" rIns="0" tIns="0" bIns="0" anchor="ctr">
             <a:noAutofit/>
           </a:bodyPr>
           <a:p>
-            <a:pPr>
-              <a:lnSpc>
-                <a:spcPct val="80000"/>
-              </a:lnSpc>
-              <a:buNone/>
-            </a:pPr>
-            <a:r>
-              <a:rPr b="0" lang="en-US" sz="9600" spc="-1" strike="noStrike" cap="all">
-                <a:latin typeface="Rockwell Condensed"/>
+            <a:r>
+              <a:rPr b="0" lang="en-IE" sz="1800" spc="-1" strike="noStrike">
+                <a:latin typeface="Arial"/>
               </a:rPr>
-              <a:t>Click to edit Master title style</a:t>
-            </a:r>
-            <a:endParaRPr b="0" lang="en-US" sz="9600" spc="-1" strike="noStrike">
-              <a:solidFill>
-                <a:srgbClr val="000000"/>
-              </a:solidFill>
-              <a:latin typeface="Rockwell"/>
+              <a:t>Click to edit the title text format</a:t>
+            </a:r>
+            <a:endParaRPr b="0" lang="en-IE" sz="1800" spc="-1" strike="noStrike">
+              <a:latin typeface="Arial"/>
             </a:endParaRPr>
           </a:p>
         </p:txBody>
@@ -5920,91 +5621,31 @@
             <a:spLocks noGrp="1"/>
           </p:cNvSpPr>
           <p:nvPr>
-            <p:ph type="dt" idx="1"/>
-          </p:nvPr>
-        </p:nvSpPr>
-        <p:spPr>
-          <a:xfrm>
-            <a:off x="7964280" y="6272640"/>
-            <a:ext cx="3273120" cy="364680"/>
-          </a:xfrm>
-          <a:prstGeom prst="rect">
-            <a:avLst/>
-          </a:prstGeom>
-          <a:noFill/>
-          <a:ln w="0">
-            <a:noFill/>
-          </a:ln>
-        </p:spPr>
-        <p:txBody>
-          <a:bodyPr anchor="ctr">
+            <p:ph type="ftr" idx="1"/>
+          </p:nvPr>
+        </p:nvSpPr>
+        <p:spPr>
+          <a:xfrm>
+            <a:off x="1088280" y="6272640"/>
+            <a:ext cx="6327000" cy="364320"/>
+          </a:xfrm>
+          <a:prstGeom prst="rect">
+            <a:avLst/>
+          </a:prstGeom>
+          <a:noFill/>
+          <a:ln w="0">
+            <a:noFill/>
+          </a:ln>
+        </p:spPr>
+        <p:txBody>
+          <a:bodyPr lIns="90000" rIns="90000" tIns="45000" bIns="45000" anchor="ctr">
             <a:noAutofit/>
           </a:bodyPr>
           <a:lstStyle>
-            <a:lvl1pPr algn="r">
+            <a:lvl1pPr algn="ctr">
               <a:lnSpc>
                 <a:spcPct val="100000"/>
               </a:lnSpc>
-              <a:buNone/>
-              <a:defRPr b="0" lang="en-US" sz="1100" spc="-1" strike="noStrike">
-                <a:solidFill>
-                  <a:srgbClr val="696464"/>
-                </a:solidFill>
-                <a:latin typeface="Rockwell"/>
-              </a:defRPr>
-            </a:lvl1pPr>
-          </a:lstStyle>
-          <a:p>
-            <a:pPr algn="r">
-              <a:lnSpc>
-                <a:spcPct val="100000"/>
-              </a:lnSpc>
-              <a:buNone/>
-            </a:pPr>
-            <a:r>
-              <a:rPr b="0" lang="en-US" sz="1100" spc="-1" strike="noStrike">
-                <a:solidFill>
-                  <a:srgbClr val="696464"/>
-                </a:solidFill>
-                <a:latin typeface="Rockwell"/>
-              </a:rPr>
-              <a:t>&lt;date/time&gt;</a:t>
-            </a:r>
-            <a:endParaRPr b="0" lang="en-IE" sz="1100" spc="-1" strike="noStrike">
-              <a:latin typeface="Times New Roman"/>
-            </a:endParaRPr>
-          </a:p>
-        </p:txBody>
-      </p:sp>
-      <p:sp>
-        <p:nvSpPr>
-          <p:cNvPr id="11" name="PlaceHolder 3"/>
-          <p:cNvSpPr>
-            <a:spLocks noGrp="1"/>
-          </p:cNvSpPr>
-          <p:nvPr>
-            <p:ph type="ftr" idx="2"/>
-          </p:nvPr>
-        </p:nvSpPr>
-        <p:spPr>
-          <a:xfrm>
-            <a:off x="1088280" y="6272640"/>
-            <a:ext cx="6327360" cy="364680"/>
-          </a:xfrm>
-          <a:prstGeom prst="rect">
-            <a:avLst/>
-          </a:prstGeom>
-          <a:noFill/>
-          <a:ln w="0">
-            <a:noFill/>
-          </a:ln>
-        </p:spPr>
-        <p:txBody>
-          <a:bodyPr anchor="ctr">
-            <a:noAutofit/>
-          </a:bodyPr>
-          <a:lstStyle>
-            <a:lvl1pPr algn="ctr">
               <a:buNone/>
               <a:defRPr b="0" lang="en-IE" sz="1400" spc="-1" strike="noStrike">
                 <a:latin typeface="Times New Roman"/>
@@ -6013,6 +5654,9 @@
           </a:lstStyle>
           <a:p>
             <a:pPr algn="ctr">
+              <a:lnSpc>
+                <a:spcPct val="100000"/>
+              </a:lnSpc>
               <a:buNone/>
             </a:pPr>
             <a:r>
@@ -6029,29 +5673,29 @@
       </p:sp>
       <p:sp>
         <p:nvSpPr>
-          <p:cNvPr id="12" name="PlaceHolder 4"/>
-          <p:cNvSpPr>
-            <a:spLocks noGrp="1"/>
-          </p:cNvSpPr>
-          <p:nvPr>
-            <p:ph type="sldNum" idx="3"/>
+          <p:cNvPr id="11" name="PlaceHolder 3"/>
+          <p:cNvSpPr>
+            <a:spLocks noGrp="1"/>
+          </p:cNvSpPr>
+          <p:nvPr>
+            <p:ph type="sldNum" idx="2"/>
           </p:nvPr>
         </p:nvSpPr>
         <p:spPr>
           <a:xfrm>
             <a:off x="9592560" y="4289400"/>
-            <a:ext cx="1193400" cy="639720"/>
-          </a:xfrm>
-          <a:prstGeom prst="rect">
-            <a:avLst/>
-          </a:prstGeom>
-          <a:noFill/>
-          <a:ln w="0">
-            <a:noFill/>
-          </a:ln>
-        </p:spPr>
-        <p:txBody>
-          <a:bodyPr anchor="ctr">
+            <a:ext cx="1193040" cy="639360"/>
+          </a:xfrm>
+          <a:prstGeom prst="rect">
+            <a:avLst/>
+          </a:prstGeom>
+          <a:noFill/>
+          <a:ln w="0">
+            <a:noFill/>
+          </a:ln>
+        </p:spPr>
+        <p:txBody>
+          <a:bodyPr lIns="90000" rIns="90000" tIns="45000" bIns="45000" anchor="ctr">
             <a:noAutofit/>
           </a:bodyPr>
           <a:lstStyle>
@@ -6075,7 +5719,7 @@
               </a:lnSpc>
               <a:buNone/>
             </a:pPr>
-            <a:fld id="{25EA66C7-FCEB-492B-BB14-703BFB6DEBCC}" type="slidenum">
+            <a:fld id="{AE04DD85-BDC9-46A9-B4D3-71AE8A5AE5B2}" type="slidenum">
               <a:rPr b="1" lang="en-US" sz="2800" spc="-1" strike="noStrike">
                 <a:solidFill>
                   <a:srgbClr val="ffffff"/>
@@ -6092,6 +5736,53 @@
       </p:sp>
       <p:sp>
         <p:nvSpPr>
+          <p:cNvPr id="12" name="PlaceHolder 4"/>
+          <p:cNvSpPr>
+            <a:spLocks noGrp="1"/>
+          </p:cNvSpPr>
+          <p:nvPr>
+            <p:ph type="dt" idx="3"/>
+          </p:nvPr>
+        </p:nvSpPr>
+        <p:spPr>
+          <a:xfrm>
+            <a:off x="7964280" y="6272640"/>
+            <a:ext cx="3272760" cy="364320"/>
+          </a:xfrm>
+          <a:prstGeom prst="rect">
+            <a:avLst/>
+          </a:prstGeom>
+          <a:noFill/>
+          <a:ln w="0">
+            <a:noFill/>
+          </a:ln>
+        </p:spPr>
+        <p:txBody>
+          <a:bodyPr lIns="90000" rIns="90000" tIns="45000" bIns="45000" anchor="ctr">
+            <a:noAutofit/>
+          </a:bodyPr>
+          <a:lstStyle>
+            <a:lvl1pPr>
+              <a:defRPr b="0" lang="en-IE" sz="1400" spc="-1" strike="noStrike">
+                <a:latin typeface="Times New Roman"/>
+              </a:defRPr>
+            </a:lvl1pPr>
+          </a:lstStyle>
+          <a:p>
+            <a:r>
+              <a:rPr b="0" lang="en-IE" sz="1400" spc="-1" strike="noStrike">
+                <a:latin typeface="Times New Roman"/>
+              </a:rPr>
+              <a:t>&lt;date/time&gt;</a:t>
+            </a:r>
+            <a:endParaRPr b="0" lang="en-IE" sz="1400" spc="-1" strike="noStrike">
+              <a:latin typeface="Times New Roman"/>
+            </a:endParaRPr>
+          </a:p>
+        </p:txBody>
+      </p:sp>
+      <p:sp>
+        <p:nvSpPr>
           <p:cNvPr id="13" name="PlaceHolder 5"/>
           <p:cNvSpPr>
             <a:spLocks noGrp="1"/>
@@ -6119,9 +5810,6 @@
           </a:bodyPr>
           <a:p>
             <a:pPr marL="432000" indent="-324000">
-              <a:lnSpc>
-                <a:spcPct val="90000"/>
-              </a:lnSpc>
               <a:spcBef>
                 <a:spcPts val="1417"/>
               </a:spcBef>
@@ -6133,26 +5821,17 @@
               <a:buChar char=""/>
             </a:pPr>
             <a:r>
-              <a:rPr b="0" lang="en-US" sz="2000" spc="-1" strike="noStrike">
-                <a:solidFill>
-                  <a:srgbClr val="000000"/>
-                </a:solidFill>
-                <a:latin typeface="Rockwell"/>
+              <a:rPr b="0" lang="en-IE" sz="3200" spc="-1" strike="noStrike">
+                <a:latin typeface="Arial"/>
               </a:rPr>
               <a:t>Click to edit the outline text format</a:t>
             </a:r>
-            <a:endParaRPr b="0" lang="en-US" sz="2000" spc="-1" strike="noStrike">
-              <a:solidFill>
-                <a:srgbClr val="000000"/>
-              </a:solidFill>
-              <a:latin typeface="Rockwell"/>
+            <a:endParaRPr b="0" lang="en-IE" sz="3200" spc="-1" strike="noStrike">
+              <a:latin typeface="Arial"/>
             </a:endParaRPr>
           </a:p>
           <a:p>
             <a:pPr lvl="1" marL="864000" indent="-324000">
-              <a:lnSpc>
-                <a:spcPct val="90000"/>
-              </a:lnSpc>
               <a:spcBef>
                 <a:spcPts val="1134"/>
               </a:spcBef>
@@ -6164,26 +5843,17 @@
               <a:buChar char=""/>
             </a:pPr>
             <a:r>
-              <a:rPr b="0" lang="en-US" sz="1600" spc="-1" strike="noStrike">
-                <a:solidFill>
-                  <a:srgbClr val="000000"/>
-                </a:solidFill>
-                <a:latin typeface="Rockwell"/>
+              <a:rPr b="0" lang="en-IE" sz="2800" spc="-1" strike="noStrike">
+                <a:latin typeface="Arial"/>
               </a:rPr>
               <a:t>Second Outline Level</a:t>
             </a:r>
-            <a:endParaRPr b="0" lang="en-US" sz="1600" spc="-1" strike="noStrike">
-              <a:solidFill>
-                <a:srgbClr val="000000"/>
-              </a:solidFill>
-              <a:latin typeface="Rockwell"/>
+            <a:endParaRPr b="0" lang="en-IE" sz="2800" spc="-1" strike="noStrike">
+              <a:latin typeface="Arial"/>
             </a:endParaRPr>
           </a:p>
           <a:p>
             <a:pPr lvl="2" marL="1296000" indent="-288000">
-              <a:lnSpc>
-                <a:spcPct val="90000"/>
-              </a:lnSpc>
               <a:spcBef>
                 <a:spcPts val="850"/>
               </a:spcBef>
@@ -6195,26 +5865,17 @@
               <a:buChar char=""/>
             </a:pPr>
             <a:r>
-              <a:rPr b="0" lang="en-US" sz="1600" spc="-1" strike="noStrike">
-                <a:solidFill>
-                  <a:srgbClr val="000000"/>
-                </a:solidFill>
-                <a:latin typeface="Rockwell"/>
+              <a:rPr b="0" lang="en-IE" sz="2400" spc="-1" strike="noStrike">
+                <a:latin typeface="Arial"/>
               </a:rPr>
               <a:t>Third Outline Level</a:t>
             </a:r>
-            <a:endParaRPr b="0" lang="en-US" sz="1600" spc="-1" strike="noStrike">
-              <a:solidFill>
-                <a:srgbClr val="000000"/>
-              </a:solidFill>
-              <a:latin typeface="Rockwell"/>
+            <a:endParaRPr b="0" lang="en-IE" sz="2400" spc="-1" strike="noStrike">
+              <a:latin typeface="Arial"/>
             </a:endParaRPr>
           </a:p>
           <a:p>
             <a:pPr lvl="3" marL="1728000" indent="-216000">
-              <a:lnSpc>
-                <a:spcPct val="90000"/>
-              </a:lnSpc>
               <a:spcBef>
                 <a:spcPts val="567"/>
               </a:spcBef>
@@ -6226,26 +5887,17 @@
               <a:buChar char=""/>
             </a:pPr>
             <a:r>
-              <a:rPr b="0" lang="en-US" sz="1600" spc="-1" strike="noStrike">
-                <a:solidFill>
-                  <a:srgbClr val="000000"/>
-                </a:solidFill>
-                <a:latin typeface="Rockwell"/>
+              <a:rPr b="0" lang="en-IE" sz="2000" spc="-1" strike="noStrike">
+                <a:latin typeface="Arial"/>
               </a:rPr>
               <a:t>Fourth Outline Level</a:t>
             </a:r>
-            <a:endParaRPr b="0" lang="en-US" sz="1600" spc="-1" strike="noStrike">
-              <a:solidFill>
-                <a:srgbClr val="000000"/>
-              </a:solidFill>
-              <a:latin typeface="Rockwell"/>
+            <a:endParaRPr b="0" lang="en-IE" sz="2000" spc="-1" strike="noStrike">
+              <a:latin typeface="Arial"/>
             </a:endParaRPr>
           </a:p>
           <a:p>
             <a:pPr lvl="4" marL="2160000" indent="-216000">
-              <a:lnSpc>
-                <a:spcPct val="90000"/>
-              </a:lnSpc>
               <a:spcBef>
                 <a:spcPts val="283"/>
               </a:spcBef>
@@ -6257,26 +5909,17 @@
               <a:buChar char=""/>
             </a:pPr>
             <a:r>
-              <a:rPr b="0" lang="en-US" sz="2000" spc="-1" strike="noStrike">
-                <a:solidFill>
-                  <a:srgbClr val="000000"/>
-                </a:solidFill>
-                <a:latin typeface="Rockwell"/>
+              <a:rPr b="0" lang="en-IE" sz="2000" spc="-1" strike="noStrike">
+                <a:latin typeface="Arial"/>
               </a:rPr>
               <a:t>Fifth Outline Level</a:t>
             </a:r>
-            <a:endParaRPr b="0" lang="en-US" sz="2000" spc="-1" strike="noStrike">
-              <a:solidFill>
-                <a:srgbClr val="000000"/>
-              </a:solidFill>
-              <a:latin typeface="Rockwell"/>
+            <a:endParaRPr b="0" lang="en-IE" sz="2000" spc="-1" strike="noStrike">
+              <a:latin typeface="Arial"/>
             </a:endParaRPr>
           </a:p>
           <a:p>
             <a:pPr lvl="5" marL="2592000" indent="-216000">
-              <a:lnSpc>
-                <a:spcPct val="90000"/>
-              </a:lnSpc>
               <a:spcBef>
                 <a:spcPts val="283"/>
               </a:spcBef>
@@ -6288,26 +5931,17 @@
               <a:buChar char=""/>
             </a:pPr>
             <a:r>
-              <a:rPr b="0" lang="en-US" sz="2000" spc="-1" strike="noStrike">
-                <a:solidFill>
-                  <a:srgbClr val="000000"/>
-                </a:solidFill>
-                <a:latin typeface="Rockwell"/>
+              <a:rPr b="0" lang="en-IE" sz="2000" spc="-1" strike="noStrike">
+                <a:latin typeface="Arial"/>
               </a:rPr>
               <a:t>Sixth Outline Level</a:t>
             </a:r>
-            <a:endParaRPr b="0" lang="en-US" sz="2000" spc="-1" strike="noStrike">
-              <a:solidFill>
-                <a:srgbClr val="000000"/>
-              </a:solidFill>
-              <a:latin typeface="Rockwell"/>
+            <a:endParaRPr b="0" lang="en-IE" sz="2000" spc="-1" strike="noStrike">
+              <a:latin typeface="Arial"/>
             </a:endParaRPr>
           </a:p>
           <a:p>
             <a:pPr lvl="6" marL="3024000" indent="-216000">
-              <a:lnSpc>
-                <a:spcPct val="90000"/>
-              </a:lnSpc>
               <a:spcBef>
                 <a:spcPts val="283"/>
               </a:spcBef>
@@ -6319,19 +5953,13 @@
               <a:buChar char=""/>
             </a:pPr>
             <a:r>
-              <a:rPr b="0" lang="en-US" sz="2000" spc="-1" strike="noStrike">
-                <a:solidFill>
-                  <a:srgbClr val="000000"/>
-                </a:solidFill>
-                <a:latin typeface="Rockwell"/>
+              <a:rPr b="0" lang="en-IE" sz="2000" spc="-1" strike="noStrike">
+                <a:latin typeface="Arial"/>
               </a:rPr>
               <a:t>Seventh Outline Level</a:t>
             </a:r>
-            <a:endParaRPr b="0" lang="en-US" sz="2000" spc="-1" strike="noStrike">
-              <a:solidFill>
-                <a:srgbClr val="000000"/>
-              </a:solidFill>
-              <a:latin typeface="Rockwell"/>
+            <a:endParaRPr b="0" lang="en-IE" sz="2000" spc="-1" strike="noStrike">
+              <a:latin typeface="Arial"/>
             </a:endParaRPr>
           </a:p>
         </p:txBody>
@@ -6389,9 +6017,9 @@
         <p:grpSpPr>
           <a:xfrm>
             <a:off x="11401560" y="6229800"/>
-            <a:ext cx="456840" cy="456840"/>
+            <a:ext cx="456480" cy="456480"/>
             <a:chOff x="11401560" y="6229800"/>
-            <a:chExt cx="456840" cy="456840"/>
+            <a:chExt cx="456480" cy="456480"/>
           </a:xfrm>
         </p:grpSpPr>
         <p:sp>
@@ -6403,7 +6031,7 @@
           <p:spPr>
             <a:xfrm>
               <a:off x="11401560" y="6229800"/>
-              <a:ext cx="456840" cy="456840"/>
+              <a:ext cx="456480" cy="456480"/>
             </a:xfrm>
             <a:prstGeom prst="ellipse">
               <a:avLst/>
@@ -6433,7 +6061,7 @@
           <p:spPr>
             <a:xfrm>
               <a:off x="11431080" y="6258960"/>
-              <a:ext cx="398520" cy="398520"/>
+              <a:ext cx="398160" cy="398160"/>
             </a:xfrm>
             <a:prstGeom prst="ellipse">
               <a:avLst/>
@@ -6461,336 +6089,31 @@
             <a:spLocks noGrp="1"/>
           </p:cNvSpPr>
           <p:nvPr>
-            <p:ph type="title"/>
-          </p:nvPr>
-        </p:nvSpPr>
-        <p:spPr>
-          <a:xfrm>
-            <a:off x="1069920" y="484560"/>
-            <a:ext cx="10058040" cy="1608840"/>
-          </a:xfrm>
-          <a:prstGeom prst="rect">
-            <a:avLst/>
-          </a:prstGeom>
-          <a:noFill/>
-          <a:ln w="0">
-            <a:noFill/>
-          </a:ln>
-        </p:spPr>
-        <p:txBody>
-          <a:bodyPr anchor="ctr">
+            <p:ph type="ftr" idx="4"/>
+          </p:nvPr>
+        </p:nvSpPr>
+        <p:spPr>
+          <a:xfrm>
+            <a:off x="1088280" y="6272640"/>
+            <a:ext cx="6327000" cy="364320"/>
+          </a:xfrm>
+          <a:prstGeom prst="rect">
+            <a:avLst/>
+          </a:prstGeom>
+          <a:noFill/>
+          <a:ln w="0">
+            <a:noFill/>
+          </a:ln>
+        </p:spPr>
+        <p:txBody>
+          <a:bodyPr lIns="90000" rIns="90000" tIns="45000" bIns="45000" anchor="ctr">
             <a:noAutofit/>
           </a:bodyPr>
-          <a:p>
-            <a:pPr>
-              <a:lnSpc>
-                <a:spcPct val="90000"/>
-              </a:lnSpc>
-              <a:buNone/>
-            </a:pPr>
-            <a:r>
-              <a:rPr b="0" lang="en-US" sz="5400" spc="-1" strike="noStrike" cap="all">
-                <a:latin typeface="Rockwell Condensed"/>
-              </a:rPr>
-              <a:t>Click to edit Master title style</a:t>
-            </a:r>
-            <a:endParaRPr b="0" lang="en-US" sz="5400" spc="-1" strike="noStrike">
-              <a:solidFill>
-                <a:srgbClr val="000000"/>
-              </a:solidFill>
-              <a:latin typeface="Rockwell"/>
-            </a:endParaRPr>
-          </a:p>
-        </p:txBody>
-      </p:sp>
-      <p:sp>
-        <p:nvSpPr>
-          <p:cNvPr id="54" name="PlaceHolder 2"/>
-          <p:cNvSpPr>
-            <a:spLocks noGrp="1"/>
-          </p:cNvSpPr>
-          <p:nvPr>
-            <p:ph type="body"/>
-          </p:nvPr>
-        </p:nvSpPr>
-        <p:spPr>
-          <a:xfrm>
-            <a:off x="1069920" y="2121480"/>
-            <a:ext cx="10058040" cy="4050360"/>
-          </a:xfrm>
-          <a:prstGeom prst="rect">
-            <a:avLst/>
-          </a:prstGeom>
-          <a:noFill/>
-          <a:ln w="0">
-            <a:noFill/>
-          </a:ln>
-        </p:spPr>
-        <p:txBody>
-          <a:bodyPr anchor="t">
-            <a:noAutofit/>
-          </a:bodyPr>
-          <a:p>
-            <a:pPr marL="182880" indent="-182880">
-              <a:lnSpc>
-                <a:spcPct val="90000"/>
-              </a:lnSpc>
-              <a:spcBef>
-                <a:spcPts val="1199"/>
-              </a:spcBef>
-              <a:buClr>
-                <a:srgbClr val="9e3611"/>
-              </a:buClr>
-              <a:buSzPct val="85000"/>
-              <a:buFont typeface="Wingdings" charset="2"/>
-              <a:buChar char=""/>
-            </a:pPr>
-            <a:r>
-              <a:rPr b="0" lang="en-US" sz="2000" spc="-1" strike="noStrike">
-                <a:solidFill>
-                  <a:srgbClr val="000000"/>
-                </a:solidFill>
-                <a:latin typeface="Rockwell"/>
-              </a:rPr>
-              <a:t>Click to edit Master text styles</a:t>
-            </a:r>
-            <a:endParaRPr b="0" lang="en-US" sz="2000" spc="-1" strike="noStrike">
-              <a:solidFill>
-                <a:srgbClr val="000000"/>
-              </a:solidFill>
-              <a:latin typeface="Rockwell"/>
-            </a:endParaRPr>
-          </a:p>
-          <a:p>
-            <a:pPr lvl="1" marL="457200" indent="-182880">
-              <a:lnSpc>
-                <a:spcPct val="90000"/>
-              </a:lnSpc>
-              <a:spcBef>
-                <a:spcPts val="400"/>
-              </a:spcBef>
-              <a:spcAft>
-                <a:spcPts val="201"/>
-              </a:spcAft>
-              <a:buClr>
-                <a:srgbClr val="9e3611"/>
-              </a:buClr>
-              <a:buSzPct val="85000"/>
-              <a:buFont typeface="Wingdings" charset="2"/>
-              <a:buChar char=""/>
-            </a:pPr>
-            <a:r>
-              <a:rPr b="0" lang="en-US" sz="1800" spc="-1" strike="noStrike">
-                <a:solidFill>
-                  <a:srgbClr val="000000"/>
-                </a:solidFill>
-                <a:latin typeface="Rockwell"/>
-              </a:rPr>
-              <a:t>Second level</a:t>
-            </a:r>
-            <a:endParaRPr b="0" lang="en-US" sz="1800" spc="-1" strike="noStrike">
-              <a:solidFill>
-                <a:srgbClr val="000000"/>
-              </a:solidFill>
-              <a:latin typeface="Rockwell"/>
-            </a:endParaRPr>
-          </a:p>
-          <a:p>
-            <a:pPr lvl="2" marL="731520" indent="-182880">
-              <a:lnSpc>
-                <a:spcPct val="90000"/>
-              </a:lnSpc>
-              <a:spcBef>
-                <a:spcPts val="400"/>
-              </a:spcBef>
-              <a:spcAft>
-                <a:spcPts val="201"/>
-              </a:spcAft>
-              <a:buClr>
-                <a:srgbClr val="9e3611"/>
-              </a:buClr>
-              <a:buSzPct val="85000"/>
-              <a:buFont typeface="Wingdings" charset="2"/>
-              <a:buChar char=""/>
-            </a:pPr>
-            <a:r>
-              <a:rPr b="0" lang="en-US" sz="1600" spc="-1" strike="noStrike">
-                <a:solidFill>
-                  <a:srgbClr val="000000"/>
-                </a:solidFill>
-                <a:latin typeface="Rockwell"/>
-              </a:rPr>
-              <a:t>Third level</a:t>
-            </a:r>
-            <a:endParaRPr b="0" lang="en-US" sz="1600" spc="-1" strike="noStrike">
-              <a:solidFill>
-                <a:srgbClr val="000000"/>
-              </a:solidFill>
-              <a:latin typeface="Rockwell"/>
-            </a:endParaRPr>
-          </a:p>
-          <a:p>
-            <a:pPr lvl="3" marL="1005840" indent="-182880">
-              <a:lnSpc>
-                <a:spcPct val="90000"/>
-              </a:lnSpc>
-              <a:spcBef>
-                <a:spcPts val="400"/>
-              </a:spcBef>
-              <a:spcAft>
-                <a:spcPts val="201"/>
-              </a:spcAft>
-              <a:buClr>
-                <a:srgbClr val="9e3611"/>
-              </a:buClr>
-              <a:buSzPct val="85000"/>
-              <a:buFont typeface="Wingdings" charset="2"/>
-              <a:buChar char=""/>
-            </a:pPr>
-            <a:r>
-              <a:rPr b="0" lang="en-US" sz="1600" spc="-1" strike="noStrike">
-                <a:solidFill>
-                  <a:srgbClr val="000000"/>
-                </a:solidFill>
-                <a:latin typeface="Rockwell"/>
-              </a:rPr>
-              <a:t>Fourth level</a:t>
-            </a:r>
-            <a:endParaRPr b="0" lang="en-US" sz="1600" spc="-1" strike="noStrike">
-              <a:solidFill>
-                <a:srgbClr val="000000"/>
-              </a:solidFill>
-              <a:latin typeface="Rockwell"/>
-            </a:endParaRPr>
-          </a:p>
-          <a:p>
-            <a:pPr lvl="4" marL="1280160" indent="-182880">
-              <a:lnSpc>
-                <a:spcPct val="90000"/>
-              </a:lnSpc>
-              <a:spcBef>
-                <a:spcPts val="400"/>
-              </a:spcBef>
-              <a:spcAft>
-                <a:spcPts val="201"/>
-              </a:spcAft>
-              <a:buClr>
-                <a:srgbClr val="9e3611"/>
-              </a:buClr>
-              <a:buSzPct val="85000"/>
-              <a:buFont typeface="Wingdings" charset="2"/>
-              <a:buChar char=""/>
-            </a:pPr>
-            <a:r>
-              <a:rPr b="0" lang="en-US" sz="1600" spc="-1" strike="noStrike">
-                <a:solidFill>
-                  <a:srgbClr val="000000"/>
-                </a:solidFill>
-                <a:latin typeface="Rockwell"/>
-              </a:rPr>
-              <a:t>Fifth level</a:t>
-            </a:r>
-            <a:endParaRPr b="0" lang="en-US" sz="1600" spc="-1" strike="noStrike">
-              <a:solidFill>
-                <a:srgbClr val="000000"/>
-              </a:solidFill>
-              <a:latin typeface="Rockwell"/>
-            </a:endParaRPr>
-          </a:p>
-        </p:txBody>
-      </p:sp>
-      <p:sp>
-        <p:nvSpPr>
-          <p:cNvPr id="55" name="PlaceHolder 3"/>
-          <p:cNvSpPr>
-            <a:spLocks noGrp="1"/>
-          </p:cNvSpPr>
-          <p:nvPr>
-            <p:ph type="dt" idx="4"/>
-          </p:nvPr>
-        </p:nvSpPr>
-        <p:spPr>
-          <a:xfrm>
-            <a:off x="7964280" y="6272640"/>
-            <a:ext cx="3273120" cy="364680"/>
-          </a:xfrm>
-          <a:prstGeom prst="rect">
-            <a:avLst/>
-          </a:prstGeom>
-          <a:noFill/>
-          <a:ln w="0">
-            <a:noFill/>
-          </a:ln>
-        </p:spPr>
-        <p:txBody>
-          <a:bodyPr anchor="ctr">
-            <a:noAutofit/>
-          </a:bodyPr>
           <a:lstStyle>
-            <a:lvl1pPr algn="r">
+            <a:lvl1pPr algn="ctr">
               <a:lnSpc>
                 <a:spcPct val="100000"/>
               </a:lnSpc>
-              <a:buNone/>
-              <a:defRPr b="0" lang="en-US" sz="1100" spc="-1" strike="noStrike">
-                <a:solidFill>
-                  <a:srgbClr val="696464"/>
-                </a:solidFill>
-                <a:latin typeface="Rockwell"/>
-              </a:defRPr>
-            </a:lvl1pPr>
-          </a:lstStyle>
-          <a:p>
-            <a:pPr algn="r">
-              <a:lnSpc>
-                <a:spcPct val="100000"/>
-              </a:lnSpc>
-              <a:buNone/>
-            </a:pPr>
-            <a:r>
-              <a:rPr b="0" lang="en-US" sz="1100" spc="-1" strike="noStrike">
-                <a:solidFill>
-                  <a:srgbClr val="696464"/>
-                </a:solidFill>
-                <a:latin typeface="Rockwell"/>
-              </a:rPr>
-              <a:t>&lt;date/time&gt;</a:t>
-            </a:r>
-            <a:endParaRPr b="0" lang="en-IE" sz="1100" spc="-1" strike="noStrike">
-              <a:latin typeface="Times New Roman"/>
-            </a:endParaRPr>
-          </a:p>
-        </p:txBody>
-      </p:sp>
-      <p:sp>
-        <p:nvSpPr>
-          <p:cNvPr id="56" name="PlaceHolder 4"/>
-          <p:cNvSpPr>
-            <a:spLocks noGrp="1"/>
-          </p:cNvSpPr>
-          <p:nvPr>
-            <p:ph type="ftr" idx="5"/>
-          </p:nvPr>
-        </p:nvSpPr>
-        <p:spPr>
-          <a:xfrm>
-            <a:off x="1088280" y="6272640"/>
-            <a:ext cx="6327360" cy="364680"/>
-          </a:xfrm>
-          <a:prstGeom prst="rect">
-            <a:avLst/>
-          </a:prstGeom>
-          <a:noFill/>
-          <a:ln w="0">
-            <a:noFill/>
-          </a:ln>
-        </p:spPr>
-        <p:txBody>
-          <a:bodyPr anchor="ctr">
-            <a:noAutofit/>
-          </a:bodyPr>
-          <a:lstStyle>
-            <a:lvl1pPr algn="ctr">
               <a:buNone/>
               <a:defRPr b="0" lang="en-IE" sz="1400" spc="-1" strike="noStrike">
                 <a:latin typeface="Times New Roman"/>
@@ -6799,6 +6122,9 @@
           </a:lstStyle>
           <a:p>
             <a:pPr algn="ctr">
+              <a:lnSpc>
+                <a:spcPct val="100000"/>
+              </a:lnSpc>
               <a:buNone/>
             </a:pPr>
             <a:r>
@@ -6815,29 +6141,29 @@
       </p:sp>
       <p:sp>
         <p:nvSpPr>
-          <p:cNvPr id="57" name="PlaceHolder 5"/>
-          <p:cNvSpPr>
-            <a:spLocks noGrp="1"/>
-          </p:cNvSpPr>
-          <p:nvPr>
-            <p:ph type="sldNum" idx="6"/>
+          <p:cNvPr id="54" name="PlaceHolder 2"/>
+          <p:cNvSpPr>
+            <a:spLocks noGrp="1"/>
+          </p:cNvSpPr>
+          <p:nvPr>
+            <p:ph type="sldNum" idx="5"/>
           </p:nvPr>
         </p:nvSpPr>
         <p:spPr>
           <a:xfrm>
             <a:off x="11311200" y="6272640"/>
-            <a:ext cx="639720" cy="364680"/>
-          </a:xfrm>
-          <a:prstGeom prst="rect">
-            <a:avLst/>
-          </a:prstGeom>
-          <a:noFill/>
-          <a:ln w="0">
-            <a:noFill/>
-          </a:ln>
-        </p:spPr>
-        <p:txBody>
-          <a:bodyPr anchor="ctr">
+            <a:ext cx="639360" cy="364320"/>
+          </a:xfrm>
+          <a:prstGeom prst="rect">
+            <a:avLst/>
+          </a:prstGeom>
+          <a:noFill/>
+          <a:ln w="0">
+            <a:noFill/>
+          </a:ln>
+        </p:spPr>
+        <p:txBody>
+          <a:bodyPr lIns="90000" rIns="90000" tIns="45000" bIns="45000" anchor="ctr">
             <a:noAutofit/>
           </a:bodyPr>
           <a:lstStyle>
@@ -6861,7 +6187,7 @@
               </a:lnSpc>
               <a:buNone/>
             </a:pPr>
-            <a:fld id="{D5A4AB59-BCF6-4AC8-8BC1-C27E3F94ABA2}" type="slidenum">
+            <a:fld id="{F8E2BC80-3318-4AE7-8773-536CD05EB4C3}" type="slidenum">
               <a:rPr b="1" lang="en-US" sz="1400" spc="-1" strike="noStrike">
                 <a:solidFill>
                   <a:srgbClr val="ffffff"/>
@@ -6872,6 +6198,279 @@
             </a:fld>
             <a:endParaRPr b="0" lang="en-IE" sz="1400" spc="-1" strike="noStrike">
               <a:latin typeface="Times New Roman"/>
+            </a:endParaRPr>
+          </a:p>
+        </p:txBody>
+      </p:sp>
+      <p:sp>
+        <p:nvSpPr>
+          <p:cNvPr id="55" name="PlaceHolder 3"/>
+          <p:cNvSpPr>
+            <a:spLocks noGrp="1"/>
+          </p:cNvSpPr>
+          <p:nvPr>
+            <p:ph type="dt" idx="6"/>
+          </p:nvPr>
+        </p:nvSpPr>
+        <p:spPr>
+          <a:xfrm>
+            <a:off x="7964280" y="6272640"/>
+            <a:ext cx="3272760" cy="364320"/>
+          </a:xfrm>
+          <a:prstGeom prst="rect">
+            <a:avLst/>
+          </a:prstGeom>
+          <a:noFill/>
+          <a:ln w="0">
+            <a:noFill/>
+          </a:ln>
+        </p:spPr>
+        <p:txBody>
+          <a:bodyPr lIns="90000" rIns="90000" tIns="45000" bIns="45000" anchor="ctr">
+            <a:noAutofit/>
+          </a:bodyPr>
+          <a:lstStyle>
+            <a:lvl1pPr>
+              <a:defRPr b="0" lang="en-IE" sz="1400" spc="-1" strike="noStrike">
+                <a:latin typeface="Times New Roman"/>
+              </a:defRPr>
+            </a:lvl1pPr>
+          </a:lstStyle>
+          <a:p>
+            <a:r>
+              <a:rPr b="0" lang="en-IE" sz="1400" spc="-1" strike="noStrike">
+                <a:latin typeface="Times New Roman"/>
+              </a:rPr>
+              <a:t>&lt;date/time&gt;</a:t>
+            </a:r>
+            <a:endParaRPr b="0" lang="en-IE" sz="1400" spc="-1" strike="noStrike">
+              <a:latin typeface="Times New Roman"/>
+            </a:endParaRPr>
+          </a:p>
+        </p:txBody>
+      </p:sp>
+      <p:sp>
+        <p:nvSpPr>
+          <p:cNvPr id="56" name="PlaceHolder 4"/>
+          <p:cNvSpPr>
+            <a:spLocks noGrp="1"/>
+          </p:cNvSpPr>
+          <p:nvPr>
+            <p:ph type="title"/>
+          </p:nvPr>
+        </p:nvSpPr>
+        <p:spPr>
+          <a:xfrm>
+            <a:off x="609480" y="273600"/>
+            <a:ext cx="10972440" cy="1144800"/>
+          </a:xfrm>
+          <a:prstGeom prst="rect">
+            <a:avLst/>
+          </a:prstGeom>
+          <a:noFill/>
+          <a:ln w="0">
+            <a:noFill/>
+          </a:ln>
+        </p:spPr>
+        <p:txBody>
+          <a:bodyPr lIns="0" rIns="0" tIns="0" bIns="0" anchor="ctr">
+            <a:noAutofit/>
+          </a:bodyPr>
+          <a:p>
+            <a:pPr algn="ctr">
+              <a:buNone/>
+            </a:pPr>
+            <a:r>
+              <a:rPr b="0" lang="en-IE" sz="4400" spc="-1" strike="noStrike">
+                <a:latin typeface="Arial"/>
+              </a:rPr>
+              <a:t>Click to edit the title text format</a:t>
+            </a:r>
+            <a:endParaRPr b="0" lang="en-IE" sz="4400" spc="-1" strike="noStrike">
+              <a:latin typeface="Arial"/>
+            </a:endParaRPr>
+          </a:p>
+        </p:txBody>
+      </p:sp>
+      <p:sp>
+        <p:nvSpPr>
+          <p:cNvPr id="57" name="PlaceHolder 5"/>
+          <p:cNvSpPr>
+            <a:spLocks noGrp="1"/>
+          </p:cNvSpPr>
+          <p:nvPr>
+            <p:ph type="body"/>
+          </p:nvPr>
+        </p:nvSpPr>
+        <p:spPr>
+          <a:xfrm>
+            <a:off x="609480" y="1604520"/>
+            <a:ext cx="10972440" cy="3977280"/>
+          </a:xfrm>
+          <a:prstGeom prst="rect">
+            <a:avLst/>
+          </a:prstGeom>
+          <a:noFill/>
+          <a:ln w="0">
+            <a:noFill/>
+          </a:ln>
+        </p:spPr>
+        <p:txBody>
+          <a:bodyPr lIns="0" rIns="0" tIns="0" bIns="0" anchor="t">
+            <a:normAutofit/>
+          </a:bodyPr>
+          <a:p>
+            <a:pPr marL="432000" indent="-324000">
+              <a:spcBef>
+                <a:spcPts val="1417"/>
+              </a:spcBef>
+              <a:buClr>
+                <a:srgbClr val="000000"/>
+              </a:buClr>
+              <a:buSzPct val="45000"/>
+              <a:buFont typeface="Wingdings" charset="2"/>
+              <a:buChar char=""/>
+            </a:pPr>
+            <a:r>
+              <a:rPr b="0" lang="en-IE" sz="3200" spc="-1" strike="noStrike">
+                <a:latin typeface="Arial"/>
+              </a:rPr>
+              <a:t>Click to edit the outline text format</a:t>
+            </a:r>
+            <a:endParaRPr b="0" lang="en-IE" sz="3200" spc="-1" strike="noStrike">
+              <a:latin typeface="Arial"/>
+            </a:endParaRPr>
+          </a:p>
+          <a:p>
+            <a:pPr lvl="1" marL="864000" indent="-324000">
+              <a:spcBef>
+                <a:spcPts val="1134"/>
+              </a:spcBef>
+              <a:buClr>
+                <a:srgbClr val="000000"/>
+              </a:buClr>
+              <a:buSzPct val="75000"/>
+              <a:buFont typeface="Symbol" charset="2"/>
+              <a:buChar char=""/>
+            </a:pPr>
+            <a:r>
+              <a:rPr b="0" lang="en-IE" sz="2800" spc="-1" strike="noStrike">
+                <a:latin typeface="Arial"/>
+              </a:rPr>
+              <a:t>Second Outline Level</a:t>
+            </a:r>
+            <a:endParaRPr b="0" lang="en-IE" sz="2800" spc="-1" strike="noStrike">
+              <a:latin typeface="Arial"/>
+            </a:endParaRPr>
+          </a:p>
+          <a:p>
+            <a:pPr lvl="2" marL="1296000" indent="-288000">
+              <a:spcBef>
+                <a:spcPts val="850"/>
+              </a:spcBef>
+              <a:buClr>
+                <a:srgbClr val="000000"/>
+              </a:buClr>
+              <a:buSzPct val="45000"/>
+              <a:buFont typeface="Wingdings" charset="2"/>
+              <a:buChar char=""/>
+            </a:pPr>
+            <a:r>
+              <a:rPr b="0" lang="en-IE" sz="2400" spc="-1" strike="noStrike">
+                <a:latin typeface="Arial"/>
+              </a:rPr>
+              <a:t>Third Outline Level</a:t>
+            </a:r>
+            <a:endParaRPr b="0" lang="en-IE" sz="2400" spc="-1" strike="noStrike">
+              <a:latin typeface="Arial"/>
+            </a:endParaRPr>
+          </a:p>
+          <a:p>
+            <a:pPr lvl="3" marL="1728000" indent="-216000">
+              <a:spcBef>
+                <a:spcPts val="567"/>
+              </a:spcBef>
+              <a:buClr>
+                <a:srgbClr val="000000"/>
+              </a:buClr>
+              <a:buSzPct val="75000"/>
+              <a:buFont typeface="Symbol" charset="2"/>
+              <a:buChar char=""/>
+            </a:pPr>
+            <a:r>
+              <a:rPr b="0" lang="en-IE" sz="2000" spc="-1" strike="noStrike">
+                <a:latin typeface="Arial"/>
+              </a:rPr>
+              <a:t>Fourth Outline Level</a:t>
+            </a:r>
+            <a:endParaRPr b="0" lang="en-IE" sz="2000" spc="-1" strike="noStrike">
+              <a:latin typeface="Arial"/>
+            </a:endParaRPr>
+          </a:p>
+          <a:p>
+            <a:pPr lvl="4" marL="2160000" indent="-216000">
+              <a:spcBef>
+                <a:spcPts val="283"/>
+              </a:spcBef>
+              <a:buClr>
+                <a:srgbClr val="000000"/>
+              </a:buClr>
+              <a:buSzPct val="45000"/>
+              <a:buFont typeface="Wingdings" charset="2"/>
+              <a:buChar char=""/>
+            </a:pPr>
+            <a:r>
+              <a:rPr b="0" lang="en-IE" sz="2000" spc="-1" strike="noStrike">
+                <a:latin typeface="Arial"/>
+              </a:rPr>
+              <a:t>Fifth Outline Level</a:t>
+            </a:r>
+            <a:endParaRPr b="0" lang="en-IE" sz="2000" spc="-1" strike="noStrike">
+              <a:latin typeface="Arial"/>
+            </a:endParaRPr>
+          </a:p>
+          <a:p>
+            <a:pPr lvl="5" marL="2592000" indent="-216000">
+              <a:spcBef>
+                <a:spcPts val="283"/>
+              </a:spcBef>
+              <a:buClr>
+                <a:srgbClr val="000000"/>
+              </a:buClr>
+              <a:buSzPct val="45000"/>
+              <a:buFont typeface="Wingdings" charset="2"/>
+              <a:buChar char=""/>
+            </a:pPr>
+            <a:r>
+              <a:rPr b="0" lang="en-IE" sz="2000" spc="-1" strike="noStrike">
+                <a:latin typeface="Arial"/>
+              </a:rPr>
+              <a:t>Sixth Outline Level</a:t>
+            </a:r>
+            <a:endParaRPr b="0" lang="en-IE" sz="2000" spc="-1" strike="noStrike">
+              <a:latin typeface="Arial"/>
+            </a:endParaRPr>
+          </a:p>
+          <a:p>
+            <a:pPr lvl="6" marL="3024000" indent="-216000">
+              <a:spcBef>
+                <a:spcPts val="283"/>
+              </a:spcBef>
+              <a:buClr>
+                <a:srgbClr val="000000"/>
+              </a:buClr>
+              <a:buSzPct val="45000"/>
+              <a:buFont typeface="Wingdings" charset="2"/>
+              <a:buChar char=""/>
+            </a:pPr>
+            <a:r>
+              <a:rPr b="0" lang="en-IE" sz="2000" spc="-1" strike="noStrike">
+                <a:latin typeface="Arial"/>
+              </a:rPr>
+              <a:t>Seventh Outline Level</a:t>
+            </a:r>
+            <a:endParaRPr b="0" lang="en-IE" sz="2000" spc="-1" strike="noStrike">
+              <a:latin typeface="Arial"/>
             </a:endParaRPr>
           </a:p>
         </p:txBody>
@@ -6926,18 +6525,18 @@
         <p:spPr>
           <a:xfrm>
             <a:off x="1051560" y="1432080"/>
-            <a:ext cx="9966600" cy="3035520"/>
-          </a:xfrm>
-          <a:prstGeom prst="rect">
-            <a:avLst/>
-          </a:prstGeom>
-          <a:noFill/>
-          <a:ln w="0">
-            <a:noFill/>
-          </a:ln>
-        </p:spPr>
-        <p:txBody>
-          <a:bodyPr anchor="ctr">
+            <a:ext cx="9966240" cy="3035160"/>
+          </a:xfrm>
+          <a:prstGeom prst="rect">
+            <a:avLst/>
+          </a:prstGeom>
+          <a:noFill/>
+          <a:ln w="0">
+            <a:noFill/>
+          </a:ln>
+        </p:spPr>
+        <p:txBody>
+          <a:bodyPr lIns="0" rIns="0" tIns="0" bIns="0" anchor="ctr">
             <a:noAutofit/>
           </a:bodyPr>
           <a:p>
@@ -6953,11 +6552,8 @@
               </a:rPr>
               <a:t>API GITHUB</a:t>
             </a:r>
-            <a:endParaRPr b="0" lang="en-US" sz="8000" spc="-1" strike="noStrike">
-              <a:solidFill>
-                <a:srgbClr val="000000"/>
-              </a:solidFill>
-              <a:latin typeface="Rockwell"/>
+            <a:endParaRPr b="0" lang="en-IE" sz="8000" spc="-1" strike="noStrike">
+              <a:latin typeface="Arial"/>
             </a:endParaRPr>
           </a:p>
         </p:txBody>
@@ -6975,18 +6571,18 @@
         <p:spPr>
           <a:xfrm>
             <a:off x="1069920" y="4389120"/>
-            <a:ext cx="7890840" cy="1069560"/>
-          </a:xfrm>
-          <a:prstGeom prst="rect">
-            <a:avLst/>
-          </a:prstGeom>
-          <a:noFill/>
-          <a:ln w="0">
-            <a:noFill/>
-          </a:ln>
-        </p:spPr>
-        <p:txBody>
-          <a:bodyPr anchor="t">
+            <a:ext cx="7890480" cy="1069200"/>
+          </a:xfrm>
+          <a:prstGeom prst="rect">
+            <a:avLst/>
+          </a:prstGeom>
+          <a:noFill/>
+          <a:ln w="0">
+            <a:noFill/>
+          </a:ln>
+        </p:spPr>
+        <p:txBody>
+          <a:bodyPr lIns="0" rIns="0" tIns="0" bIns="0" anchor="t">
             <a:normAutofit/>
           </a:bodyPr>
           <a:p>
@@ -7088,18 +6684,18 @@
         <p:spPr>
           <a:xfrm>
             <a:off x="1069920" y="484560"/>
-            <a:ext cx="10058040" cy="1608840"/>
-          </a:xfrm>
-          <a:prstGeom prst="rect">
-            <a:avLst/>
-          </a:prstGeom>
-          <a:noFill/>
-          <a:ln w="0">
-            <a:noFill/>
-          </a:ln>
-        </p:spPr>
-        <p:txBody>
-          <a:bodyPr anchor="ctr">
+            <a:ext cx="10057680" cy="1608480"/>
+          </a:xfrm>
+          <a:prstGeom prst="rect">
+            <a:avLst/>
+          </a:prstGeom>
+          <a:noFill/>
+          <a:ln w="0">
+            <a:noFill/>
+          </a:ln>
+        </p:spPr>
+        <p:txBody>
+          <a:bodyPr lIns="90000" rIns="90000" tIns="45000" bIns="45000" anchor="ctr">
             <a:noAutofit/>
           </a:bodyPr>
           <a:p>
@@ -7115,11 +6711,8 @@
               </a:rPr>
               <a:t>Github</a:t>
             </a:r>
-            <a:endParaRPr b="0" lang="en-US" sz="5400" spc="-1" strike="noStrike">
-              <a:solidFill>
-                <a:srgbClr val="000000"/>
-              </a:solidFill>
-              <a:latin typeface="Rockwell"/>
+            <a:endParaRPr b="0" lang="en-IE" sz="5400" spc="-1" strike="noStrike">
+              <a:latin typeface="Arial"/>
             </a:endParaRPr>
           </a:p>
         </p:txBody>
@@ -7137,18 +6730,18 @@
         <p:spPr>
           <a:xfrm>
             <a:off x="1063800" y="1953720"/>
-            <a:ext cx="10058040" cy="4419360"/>
-          </a:xfrm>
-          <a:prstGeom prst="rect">
-            <a:avLst/>
-          </a:prstGeom>
-          <a:noFill/>
-          <a:ln w="0">
-            <a:noFill/>
-          </a:ln>
-        </p:spPr>
-        <p:txBody>
-          <a:bodyPr anchor="t">
+            <a:ext cx="10057680" cy="4419000"/>
+          </a:xfrm>
+          <a:prstGeom prst="rect">
+            <a:avLst/>
+          </a:prstGeom>
+          <a:noFill/>
+          <a:ln w="0">
+            <a:noFill/>
+          </a:ln>
+        </p:spPr>
+        <p:txBody>
+          <a:bodyPr lIns="90000" rIns="90000" tIns="45000" bIns="45000" anchor="t">
             <a:normAutofit fontScale="99000"/>
           </a:bodyPr>
           <a:p>
@@ -7175,11 +6768,8 @@
               </a:rPr>
               <a:t>The github has an API, and used it to get public information</a:t>
             </a:r>
-            <a:endParaRPr b="0" lang="en-US" sz="2000" spc="-1" strike="noStrike">
-              <a:solidFill>
-                <a:srgbClr val="000000"/>
-              </a:solidFill>
-              <a:latin typeface="Rockwell"/>
+            <a:endParaRPr b="0" lang="en-IE" sz="2000" spc="-1" strike="noStrike">
+              <a:latin typeface="Arial"/>
             </a:endParaRPr>
           </a:p>
           <a:p>
@@ -7209,11 +6799,8 @@
               </a:rPr>
               <a:t>Get information on public repositories</a:t>
             </a:r>
-            <a:endParaRPr b="0" lang="en-US" sz="1800" spc="-1" strike="noStrike">
-              <a:solidFill>
-                <a:srgbClr val="000000"/>
-              </a:solidFill>
-              <a:latin typeface="Rockwell"/>
+            <a:endParaRPr b="0" lang="en-IE" sz="1800" spc="-1" strike="noStrike">
+              <a:latin typeface="Arial"/>
             </a:endParaRPr>
           </a:p>
           <a:p>
@@ -7240,11 +6827,8 @@
               </a:rPr>
               <a:t>We can use the api get private information and make commits to the repository</a:t>
             </a:r>
-            <a:endParaRPr b="0" lang="en-US" sz="2000" spc="-1" strike="noStrike">
-              <a:solidFill>
-                <a:srgbClr val="000000"/>
-              </a:solidFill>
-              <a:latin typeface="Rockwell"/>
+            <a:endParaRPr b="0" lang="en-IE" sz="2000" spc="-1" strike="noStrike">
+              <a:latin typeface="Arial"/>
             </a:endParaRPr>
           </a:p>
           <a:p>
@@ -7274,11 +6858,8 @@
               </a:rPr>
               <a:t>Get the documentation (spoiler alert: google)</a:t>
             </a:r>
-            <a:endParaRPr b="0" lang="en-US" sz="1800" spc="-1" strike="noStrike">
-              <a:solidFill>
-                <a:srgbClr val="000000"/>
-              </a:solidFill>
-              <a:latin typeface="Rockwell"/>
+            <a:endParaRPr b="0" lang="en-IE" sz="1800" spc="-1" strike="noStrike">
+              <a:latin typeface="Arial"/>
             </a:endParaRPr>
           </a:p>
           <a:p>
@@ -7308,11 +6889,8 @@
               </a:rPr>
               <a:t>Get a key from your github</a:t>
             </a:r>
-            <a:endParaRPr b="0" lang="en-US" sz="1800" spc="-1" strike="noStrike">
-              <a:solidFill>
-                <a:srgbClr val="000000"/>
-              </a:solidFill>
-              <a:latin typeface="Rockwell"/>
+            <a:endParaRPr b="0" lang="en-IE" sz="1800" spc="-1" strike="noStrike">
+              <a:latin typeface="Arial"/>
             </a:endParaRPr>
           </a:p>
           <a:p>
@@ -7342,11 +6920,8 @@
               </a:rPr>
               <a:t>Eg Key: b4dfgddfgdb9e5603da11cd857b83bad6ea6eb1819b92d</a:t>
             </a:r>
-            <a:endParaRPr b="0" lang="en-US" sz="1600" spc="-1" strike="noStrike">
-              <a:solidFill>
-                <a:srgbClr val="000000"/>
-              </a:solidFill>
-              <a:latin typeface="Rockwell"/>
+            <a:endParaRPr b="0" lang="en-IE" sz="1600" spc="-1" strike="noStrike">
+              <a:latin typeface="Arial"/>
             </a:endParaRPr>
           </a:p>
           <a:p>
@@ -7376,11 +6951,8 @@
               </a:rPr>
               <a:t>Use the key in requests</a:t>
             </a:r>
-            <a:endParaRPr b="0" lang="en-US" sz="1800" spc="-1" strike="noStrike">
-              <a:solidFill>
-                <a:srgbClr val="000000"/>
-              </a:solidFill>
-              <a:latin typeface="Rockwell"/>
+            <a:endParaRPr b="0" lang="en-IE" sz="1800" spc="-1" strike="noStrike">
+              <a:latin typeface="Arial"/>
             </a:endParaRPr>
           </a:p>
           <a:p>
@@ -7393,11 +6965,8 @@
               </a:spcBef>
               <a:buNone/>
             </a:pPr>
-            <a:endParaRPr b="0" lang="en-US" sz="1800" spc="-1" strike="noStrike">
-              <a:solidFill>
-                <a:srgbClr val="000000"/>
-              </a:solidFill>
-              <a:latin typeface="Rockwell"/>
+            <a:endParaRPr b="0" lang="en-IE" sz="1800" spc="-1" strike="noStrike">
+              <a:latin typeface="Arial"/>
             </a:endParaRPr>
           </a:p>
           <a:p>
@@ -7410,11 +6979,8 @@
               </a:spcBef>
               <a:buNone/>
             </a:pPr>
-            <a:endParaRPr b="0" lang="en-US" sz="1800" spc="-1" strike="noStrike">
-              <a:solidFill>
-                <a:srgbClr val="000000"/>
-              </a:solidFill>
-              <a:latin typeface="Rockwell"/>
+            <a:endParaRPr b="0" lang="en-IE" sz="1800" spc="-1" strike="noStrike">
+              <a:latin typeface="Arial"/>
             </a:endParaRPr>
           </a:p>
           <a:p>
@@ -7433,11 +6999,8 @@
                 <a:tab algn="l" pos="0"/>
               </a:tabLst>
             </a:pPr>
-            <a:endParaRPr b="0" lang="en-US" sz="1800" spc="-1" strike="noStrike">
-              <a:solidFill>
-                <a:srgbClr val="000000"/>
-              </a:solidFill>
-              <a:latin typeface="Rockwell"/>
+            <a:endParaRPr b="0" lang="en-IE" sz="1800" spc="-1" strike="noStrike">
+              <a:latin typeface="Arial"/>
             </a:endParaRPr>
           </a:p>
           <a:p>
@@ -7470,11 +7033,8 @@
               </a:rPr>
               <a:t>More info</a:t>
             </a:r>
-            <a:endParaRPr b="0" lang="en-US" sz="1800" spc="-1" strike="noStrike">
-              <a:solidFill>
-                <a:srgbClr val="000000"/>
-              </a:solidFill>
-              <a:latin typeface="Rockwell"/>
+            <a:endParaRPr b="0" lang="en-IE" sz="1800" spc="-1" strike="noStrike">
+              <a:latin typeface="Arial"/>
             </a:endParaRPr>
           </a:p>
           <a:p>
@@ -7509,11 +7069,8 @@
               </a:rPr>
               <a:t>https://docs.github.com/en/rest</a:t>
             </a:r>
-            <a:endParaRPr b="0" lang="en-US" sz="1800" spc="-1" strike="noStrike">
-              <a:solidFill>
-                <a:srgbClr val="000000"/>
-              </a:solidFill>
-              <a:latin typeface="Rockwell"/>
+            <a:endParaRPr b="0" lang="en-IE" sz="1800" spc="-1" strike="noStrike">
+              <a:latin typeface="Arial"/>
             </a:endParaRPr>
           </a:p>
           <a:p>
@@ -7532,11 +7089,8 @@
                 <a:tab algn="l" pos="0"/>
               </a:tabLst>
             </a:pPr>
-            <a:endParaRPr b="0" lang="en-US" sz="1800" spc="-1" strike="noStrike">
-              <a:solidFill>
-                <a:srgbClr val="000000"/>
-              </a:solidFill>
-              <a:latin typeface="Rockwell"/>
+            <a:endParaRPr b="0" lang="en-IE" sz="1800" spc="-1" strike="noStrike">
+              <a:latin typeface="Arial"/>
             </a:endParaRPr>
           </a:p>
         </p:txBody>
@@ -7550,7 +7104,7 @@
         <p:spPr>
           <a:xfrm>
             <a:off x="1635120" y="4440960"/>
-            <a:ext cx="5393880" cy="638280"/>
+            <a:ext cx="5393520" cy="638280"/>
           </a:xfrm>
           <a:prstGeom prst="rect">
             <a:avLst/>
@@ -7596,6 +7150,7 @@
                   <a:srgbClr val="ffffff"/>
                 </a:solidFill>
                 <a:latin typeface="Rockwell"/>
+                <a:ea typeface="DejaVu Sans"/>
               </a:rPr>
               <a:t>requests.get(url, auth=('token',apiKey))</a:t>
             </a:r>
@@ -7659,18 +7214,18 @@
         <p:spPr>
           <a:xfrm>
             <a:off x="1069920" y="484560"/>
-            <a:ext cx="10058040" cy="1608840"/>
-          </a:xfrm>
-          <a:prstGeom prst="rect">
-            <a:avLst/>
-          </a:prstGeom>
-          <a:noFill/>
-          <a:ln w="0">
-            <a:noFill/>
-          </a:ln>
-        </p:spPr>
-        <p:txBody>
-          <a:bodyPr anchor="ctr">
+            <a:ext cx="10057680" cy="1608480"/>
+          </a:xfrm>
+          <a:prstGeom prst="rect">
+            <a:avLst/>
+          </a:prstGeom>
+          <a:noFill/>
+          <a:ln w="0">
+            <a:noFill/>
+          </a:ln>
+        </p:spPr>
+        <p:txBody>
+          <a:bodyPr lIns="90000" rIns="90000" tIns="45000" bIns="45000" anchor="ctr">
             <a:noAutofit/>
           </a:bodyPr>
           <a:p>
@@ -7686,11 +7241,8 @@
               </a:rPr>
               <a:t>Conclusion</a:t>
             </a:r>
-            <a:endParaRPr b="0" lang="en-US" sz="5400" spc="-1" strike="noStrike">
-              <a:solidFill>
-                <a:srgbClr val="000000"/>
-              </a:solidFill>
-              <a:latin typeface="Rockwell"/>
+            <a:endParaRPr b="0" lang="en-IE" sz="5400" spc="-1" strike="noStrike">
+              <a:latin typeface="Arial"/>
             </a:endParaRPr>
           </a:p>
         </p:txBody>
@@ -7708,18 +7260,18 @@
         <p:spPr>
           <a:xfrm>
             <a:off x="1069920" y="2121480"/>
-            <a:ext cx="10058040" cy="4050360"/>
-          </a:xfrm>
-          <a:prstGeom prst="rect">
-            <a:avLst/>
-          </a:prstGeom>
-          <a:noFill/>
-          <a:ln w="0">
-            <a:noFill/>
-          </a:ln>
-        </p:spPr>
-        <p:txBody>
-          <a:bodyPr anchor="t">
+            <a:ext cx="10057680" cy="4050000"/>
+          </a:xfrm>
+          <a:prstGeom prst="rect">
+            <a:avLst/>
+          </a:prstGeom>
+          <a:noFill/>
+          <a:ln w="0">
+            <a:noFill/>
+          </a:ln>
+        </p:spPr>
+        <p:txBody>
+          <a:bodyPr lIns="90000" rIns="90000" tIns="45000" bIns="45000" anchor="t">
             <a:noAutofit/>
           </a:bodyPr>
           <a:p>
@@ -7746,11 +7298,8 @@
               </a:rPr>
               <a:t>You can do lots with GitHub</a:t>
             </a:r>
-            <a:endParaRPr b="0" lang="en-US" sz="2000" spc="-1" strike="noStrike">
-              <a:solidFill>
-                <a:srgbClr val="000000"/>
-              </a:solidFill>
-              <a:latin typeface="Rockwell"/>
+            <a:endParaRPr b="0" lang="en-IE" sz="2000" spc="-1" strike="noStrike">
+              <a:latin typeface="Arial"/>
             </a:endParaRPr>
           </a:p>
         </p:txBody>

--- a/labs/WSAA5.2 GitHub webserviceed.pptx
+++ b/labs/WSAA5.2 GitHub webserviceed.pptx
@@ -295,7 +295,7 @@
             <a:pPr algn="r">
               <a:buNone/>
             </a:pPr>
-            <a:fld id="{D89884BD-0D7F-4859-84A2-FCF075B0AD33}" type="slidenum">
+            <a:fld id="{0B05DF69-4D01-43C0-8BBC-338ECF268519}" type="slidenum">
               <a:rPr b="0" lang="en-IE" sz="1400" spc="-1" strike="noStrike">
                 <a:latin typeface="Times New Roman"/>
               </a:rPr>
@@ -343,7 +343,7 @@
         <p:spPr>
           <a:xfrm>
             <a:off x="216000" y="812520"/>
-            <a:ext cx="7127280" cy="4008960"/>
+            <a:ext cx="7126920" cy="4008600"/>
           </a:xfrm>
           <a:prstGeom prst="rect">
             <a:avLst/>
@@ -366,7 +366,7 @@
         <p:spPr>
           <a:xfrm>
             <a:off x="90000" y="4905000"/>
-            <a:ext cx="7380000" cy="5670000"/>
+            <a:ext cx="7379640" cy="5669640"/>
           </a:xfrm>
           <a:prstGeom prst="rect">
             <a:avLst/>
@@ -381,27 +381,122 @@
             <a:noAutofit/>
           </a:bodyPr>
           <a:p>
+            <a:pPr marL="216000" indent="-216000">
+              <a:lnSpc>
+                <a:spcPct val="100000"/>
+              </a:lnSpc>
+              <a:buNone/>
+            </a:pPr>
             <a:r>
               <a:rPr b="0" lang="en-IE" sz="2000" spc="-1" strike="noStrike">
                 <a:latin typeface="Arial"/>
               </a:rPr>
-              <a:t>So GitHub, like many web services, has an API. Now the API you can get public information like a list of all your public repositories and all the contents of those repositories. So This is why I say do not put your keys in your public repositories In GitHub. It's OK to put them in a private repository but not in public repositories because people can write programmes and people have written programmes that will search through all the public repositories and they can go looking for keys.</a:t>
-            </a:r>
-            <a:endParaRPr b="0" lang="en-IE" sz="2000" spc="-1" strike="noStrike">
-              <a:latin typeface="Arial"/>
-            </a:endParaRPr>
-          </a:p>
-          <a:p>
-            <a:endParaRPr b="0" lang="en-IE" sz="2000" spc="-1" strike="noStrike">
-              <a:latin typeface="Arial"/>
-            </a:endParaRPr>
-          </a:p>
-          <a:p>
+              <a:t>So GitHub, like many web services, has an API. Now the API you can get public </a:t>
+            </a:r>
             <a:r>
               <a:rPr b="0" lang="en-IE" sz="2000" spc="-1" strike="noStrike">
                 <a:latin typeface="Arial"/>
               </a:rPr>
-              <a:t>Uh. If you want to access a private repository or private information, well, you need to authenticate, authorise yourself. So to do that we'd need to look at the documentation to look at how to do that. Spoiler alert, look at Google and you would get a key from GitHub. The key will look something like that big huge number. I think it's actually says GitHub pat. And then you use your key in your quests and you get then you can get the private information.</a:t>
+              <a:t>information like a list of all your public repositories and all the contents of those </a:t>
+            </a:r>
+            <a:r>
+              <a:rPr b="0" lang="en-IE" sz="2000" spc="-1" strike="noStrike">
+                <a:latin typeface="Arial"/>
+              </a:rPr>
+              <a:t>repositories. So This is why I say do not put your keys in your public repositories In </a:t>
+            </a:r>
+            <a:r>
+              <a:rPr b="0" lang="en-IE" sz="2000" spc="-1" strike="noStrike">
+                <a:latin typeface="Arial"/>
+              </a:rPr>
+              <a:t>GitHub. It's OK to put them in a private repository but not in public repositories </a:t>
+            </a:r>
+            <a:r>
+              <a:rPr b="0" lang="en-IE" sz="2000" spc="-1" strike="noStrike">
+                <a:latin typeface="Arial"/>
+              </a:rPr>
+              <a:t>because people can write programmes and people have written programmes that will </a:t>
+            </a:r>
+            <a:r>
+              <a:rPr b="0" lang="en-IE" sz="2000" spc="-1" strike="noStrike">
+                <a:latin typeface="Arial"/>
+              </a:rPr>
+              <a:t>search through all the public repositories and they can go looking for keys.</a:t>
+            </a:r>
+            <a:endParaRPr b="0" lang="en-IE" sz="2000" spc="-1" strike="noStrike">
+              <a:latin typeface="Arial"/>
+            </a:endParaRPr>
+          </a:p>
+          <a:p>
+            <a:pPr marL="216000" indent="-216000">
+              <a:lnSpc>
+                <a:spcPct val="100000"/>
+              </a:lnSpc>
+              <a:buNone/>
+            </a:pPr>
+            <a:endParaRPr b="0" lang="en-IE" sz="2000" spc="-1" strike="noStrike">
+              <a:latin typeface="Arial"/>
+            </a:endParaRPr>
+          </a:p>
+          <a:p>
+            <a:pPr marL="216000" indent="-216000">
+              <a:lnSpc>
+                <a:spcPct val="100000"/>
+              </a:lnSpc>
+              <a:buNone/>
+            </a:pPr>
+            <a:r>
+              <a:rPr b="0" lang="en-IE" sz="2000" spc="-1" strike="noStrike">
+                <a:latin typeface="Arial"/>
+              </a:rPr>
+              <a:t>Uh. If you want to access a private repository or private information, well, you need to </a:t>
+            </a:r>
+            <a:r>
+              <a:rPr b="0" lang="en-IE" sz="2000" spc="-1" strike="noStrike">
+                <a:latin typeface="Arial"/>
+              </a:rPr>
+              <a:t>authenticate, authorise yourself. So to do that we'd need to look at the </a:t>
+            </a:r>
+            <a:r>
+              <a:rPr b="0" lang="en-IE" sz="2000" spc="-1" strike="noStrike">
+                <a:latin typeface="Arial"/>
+              </a:rPr>
+              <a:t>documentation to look at how to do that. Spoiler alert, look at Google and you would </a:t>
+            </a:r>
+            <a:r>
+              <a:rPr b="0" lang="en-IE" sz="2000" spc="-1" strike="noStrike">
+                <a:latin typeface="Arial"/>
+              </a:rPr>
+              <a:t>get a key from GitHub. The key will look something like that big huge number. I think </a:t>
+            </a:r>
+            <a:r>
+              <a:rPr b="0" lang="en-IE" sz="2000" spc="-1" strike="noStrike">
+                <a:latin typeface="Arial"/>
+              </a:rPr>
+              <a:t>it's actually says GitHub pat. And then you use your key in your quests and you get </a:t>
+            </a:r>
+            <a:r>
+              <a:rPr b="0" lang="en-IE" sz="2000" spc="-1" strike="noStrike">
+                <a:latin typeface="Arial"/>
+              </a:rPr>
+              <a:t>then you can get the private information.</a:t>
+            </a:r>
+            <a:endParaRPr b="0" lang="en-IE" sz="2000" spc="-1" strike="noStrike">
+              <a:latin typeface="Arial"/>
+            </a:endParaRPr>
+          </a:p>
+          <a:p>
+            <a:pPr marL="216000" indent="-216000">
+              <a:lnSpc>
+                <a:spcPct val="100000"/>
+              </a:lnSpc>
+              <a:buNone/>
+            </a:pPr>
+            <a:r>
+              <a:rPr b="0" lang="en-IE" sz="2000" spc="-1" strike="noStrike">
+                <a:latin typeface="Arial"/>
+              </a:rPr>
+              <a:t>A look at the GitHub API</a:t>
             </a:r>
             <a:endParaRPr b="0" lang="en-IE" sz="2000" spc="-1" strike="noStrike">
               <a:latin typeface="Arial"/>
@@ -444,7 +539,7 @@
         <p:spPr>
           <a:xfrm>
             <a:off x="216000" y="812520"/>
-            <a:ext cx="7126920" cy="4008600"/>
+            <a:ext cx="7126560" cy="4008240"/>
           </a:xfrm>
           <a:prstGeom prst="rect">
             <a:avLst/>
@@ -467,7 +562,7 @@
         <p:spPr>
           <a:xfrm>
             <a:off x="756000" y="5078520"/>
-            <a:ext cx="6047280" cy="4810680"/>
+            <a:ext cx="6046920" cy="4810320"/>
           </a:xfrm>
           <a:prstGeom prst="rect">
             <a:avLst/>
@@ -487,6 +582,9 @@
                 <a:spcPct val="100000"/>
               </a:lnSpc>
               <a:buNone/>
+              <a:tabLst>
+                <a:tab algn="l" pos="0"/>
+              </a:tabLst>
             </a:pPr>
             <a:r>
               <a:rPr b="0" lang="en-IE" sz="2000" spc="-1" strike="noStrike">
@@ -504,6 +602,9 @@
                 <a:spcPct val="100000"/>
               </a:lnSpc>
               <a:buNone/>
+              <a:tabLst>
+                <a:tab algn="l" pos="0"/>
+              </a:tabLst>
             </a:pPr>
             <a:r>
               <a:rPr b="0" lang="en-IE" sz="2000" spc="-1" strike="noStrike" u="sng">
@@ -526,6 +627,9 @@
                 <a:spcPct val="100000"/>
               </a:lnSpc>
               <a:buNone/>
+              <a:tabLst>
+                <a:tab algn="l" pos="0"/>
+              </a:tabLst>
             </a:pPr>
             <a:endParaRPr b="0" lang="en-IE" sz="2000" spc="-1" strike="noStrike">
               <a:latin typeface="Arial"/>
@@ -537,6 +641,9 @@
                 <a:spcPct val="100000"/>
               </a:lnSpc>
               <a:buNone/>
+              <a:tabLst>
+                <a:tab algn="l" pos="0"/>
+              </a:tabLst>
             </a:pPr>
             <a:endParaRPr b="0" lang="en-IE" sz="2000" spc="-1" strike="noStrike">
               <a:latin typeface="Arial"/>
@@ -548,6 +655,9 @@
                 <a:spcPct val="100000"/>
               </a:lnSpc>
               <a:buNone/>
+              <a:tabLst>
+                <a:tab algn="l" pos="0"/>
+              </a:tabLst>
             </a:pPr>
             <a:r>
               <a:rPr b="0" lang="en-IE" sz="2000" spc="-1" strike="noStrike">
@@ -565,6 +675,9 @@
                 <a:spcPct val="100000"/>
               </a:lnSpc>
               <a:buNone/>
+              <a:tabLst>
+                <a:tab algn="l" pos="0"/>
+              </a:tabLst>
             </a:pPr>
             <a:r>
               <a:rPr b="0" lang="en-IE" sz="2000" spc="-1" strike="noStrike" u="sng">
@@ -587,6 +700,9 @@
                 <a:spcPct val="100000"/>
               </a:lnSpc>
               <a:buNone/>
+              <a:tabLst>
+                <a:tab algn="l" pos="0"/>
+              </a:tabLst>
             </a:pPr>
             <a:endParaRPr b="0" lang="en-IE" sz="2000" spc="-1" strike="noStrike">
               <a:latin typeface="Arial"/>
@@ -598,6 +714,9 @@
                 <a:spcPct val="100000"/>
               </a:lnSpc>
               <a:buNone/>
+              <a:tabLst>
+                <a:tab algn="l" pos="0"/>
+              </a:tabLst>
             </a:pPr>
             <a:endParaRPr b="0" lang="en-IE" sz="2000" spc="-1" strike="noStrike">
               <a:latin typeface="Arial"/>
@@ -609,6 +728,9 @@
                 <a:spcPct val="100000"/>
               </a:lnSpc>
               <a:buNone/>
+              <a:tabLst>
+                <a:tab algn="l" pos="0"/>
+              </a:tabLst>
             </a:pPr>
             <a:r>
               <a:rPr b="0" lang="en-IE" sz="2000" spc="-1" strike="noStrike">
@@ -626,6 +748,9 @@
                 <a:spcPct val="100000"/>
               </a:lnSpc>
               <a:buNone/>
+              <a:tabLst>
+                <a:tab algn="l" pos="0"/>
+              </a:tabLst>
             </a:pPr>
             <a:r>
               <a:rPr b="0" lang="en-IE" sz="2000" spc="-1" strike="noStrike" u="sng">
@@ -648,6 +773,9 @@
                 <a:spcPct val="100000"/>
               </a:lnSpc>
               <a:buNone/>
+              <a:tabLst>
+                <a:tab algn="l" pos="0"/>
+              </a:tabLst>
             </a:pPr>
             <a:endParaRPr b="0" lang="en-IE" sz="2000" spc="-1" strike="noStrike">
               <a:latin typeface="Arial"/>
@@ -690,7 +818,7 @@
         <p:spPr>
           <a:xfrm>
             <a:off x="216000" y="812520"/>
-            <a:ext cx="7127280" cy="4008960"/>
+            <a:ext cx="7126920" cy="4008600"/>
           </a:xfrm>
           <a:prstGeom prst="rect">
             <a:avLst/>
@@ -713,7 +841,7 @@
         <p:spPr>
           <a:xfrm>
             <a:off x="180000" y="4905000"/>
-            <a:ext cx="7245000" cy="5786640"/>
+            <a:ext cx="7244640" cy="5786280"/>
           </a:xfrm>
           <a:prstGeom prst="rect">
             <a:avLst/>
@@ -728,8 +856,18 @@
             <a:noAutofit/>
           </a:bodyPr>
           <a:p>
-            <a:r>
-              <a:rPr b="0" lang="en-IE" sz="2000" spc="-1" strike="noStrike">
+            <a:pPr marL="216000" indent="-216000">
+              <a:lnSpc>
+                <a:spcPct val="100000"/>
+              </a:lnSpc>
+              <a:buNone/>
+            </a:pPr>
+            <a:r>
+              <a:rPr b="0" lang="en-IE" sz="2000" spc="-1" strike="noStrike" u="sng">
+                <a:solidFill>
+                  <a:srgbClr val="000000"/>
+                </a:solidFill>
+                <a:uFillTx/>
                 <a:latin typeface="Arial"/>
                 <a:hlinkClick r:id="rId1"/>
               </a:rPr>
@@ -739,25 +877,7 @@
               <a:rPr b="0" lang="en-IE" sz="2000" spc="-1" strike="noStrike">
                 <a:latin typeface="Arial"/>
               </a:rPr>
-              <a:t> &gt; Rest API &gt; Repositories &gt; </a:t>
-            </a:r>
-            <a:r>
-              <a:rPr b="0" lang="en-IE" sz="2000" spc="-1" strike="noStrike">
-                <a:latin typeface="Arial"/>
-              </a:rPr>
-              <a:t>Repositories &gt; List repositories  for a user &gt; cURL </a:t>
-            </a:r>
-            <a:r>
-              <a:rPr b="0" lang="en-IE" sz="2000" spc="-1" strike="noStrike">
-                <a:latin typeface="Arial"/>
-              </a:rPr>
-              <a:t>&gt; get the https..&gt; copy into </a:t>
-            </a:r>
-            <a:r>
-              <a:rPr b="0" lang="en-IE" sz="2000" spc="-1" strike="noStrike">
-                <a:latin typeface="Arial"/>
-              </a:rPr>
-              <a:t>my5getrepoinformation.py</a:t>
+              <a:t> &gt; Rest API &gt; Repositories &gt; Repositories &gt; List repositories  for a user &gt; cURL &gt; get the https..&gt; copy into my5getrepoinformation.py</a:t>
             </a:r>
             <a:endParaRPr b="0" lang="en-IE" sz="2000" spc="-1" strike="noStrike">
               <a:latin typeface="Arial"/>
@@ -821,7 +941,7 @@
         <p:txBody>
           <a:bodyPr/>
           <a:p>
-            <a:fld id="{F4E0B2B5-8B59-43F4-ABF6-F7DB916CD3FA}" type="slidenum">
+            <a:fld id="{CFE1702B-BBCF-49F0-9FD8-B343B0751E48}" type="slidenum">
               <a:t>&lt;#&gt;</a:t>
             </a:fld>
           </a:p>
@@ -1009,7 +1129,7 @@
         <p:txBody>
           <a:bodyPr/>
           <a:p>
-            <a:fld id="{35534747-1C16-46A6-9B60-02A3B881AF5B}" type="slidenum">
+            <a:fld id="{8FE90BA8-B2F9-441C-9AD3-B5007819866F}" type="slidenum">
               <a:t>&lt;#&gt;</a:t>
             </a:fld>
           </a:p>
@@ -1265,7 +1385,7 @@
         <p:txBody>
           <a:bodyPr/>
           <a:p>
-            <a:fld id="{D0835698-4CAB-4201-83DC-7078B043C5EE}" type="slidenum">
+            <a:fld id="{CB541BF6-5B42-41A5-AA94-7CAC32A227DB}" type="slidenum">
               <a:t>&lt;#&gt;</a:t>
             </a:fld>
           </a:p>
@@ -1589,7 +1709,7 @@
         <p:txBody>
           <a:bodyPr/>
           <a:p>
-            <a:fld id="{422756F1-5ACE-4509-A9F7-DC797D2E7F49}" type="slidenum">
+            <a:fld id="{CCE59384-3B00-4EAC-AF47-AA9E8FF02E99}" type="slidenum">
               <a:t>&lt;#&gt;</a:t>
             </a:fld>
           </a:p>
@@ -1672,7 +1792,7 @@
         <p:txBody>
           <a:bodyPr/>
           <a:p>
-            <a:fld id="{7C6AAE8B-0775-4419-9CDF-329D608FC3F5}" type="slidenum">
+            <a:fld id="{B2DACFAD-DA92-4573-A444-1EF744B6FEBC}" type="slidenum">
               <a:t>&lt;#&gt;</a:t>
             </a:fld>
           </a:p>
@@ -1829,7 +1949,7 @@
         <p:txBody>
           <a:bodyPr/>
           <a:p>
-            <a:fld id="{DD08360C-B494-48F5-91F2-031585735D35}" type="slidenum">
+            <a:fld id="{092D37D6-4DFA-421B-9F08-38E444F21A4D}" type="slidenum">
               <a:t>&lt;#&gt;</a:t>
             </a:fld>
           </a:p>
@@ -1983,7 +2103,7 @@
         <p:txBody>
           <a:bodyPr/>
           <a:p>
-            <a:fld id="{003D1EC8-5317-46BA-8C37-1D9653C93986}" type="slidenum">
+            <a:fld id="{C8E99C0C-8264-4D75-B38B-3234149CBC34}" type="slidenum">
               <a:t>&lt;#&gt;</a:t>
             </a:fld>
           </a:p>
@@ -2171,7 +2291,7 @@
         <p:txBody>
           <a:bodyPr/>
           <a:p>
-            <a:fld id="{38B078F4-743B-4F90-8075-944FA451E445}" type="slidenum">
+            <a:fld id="{E9EF40C8-38A3-4CE2-9064-924A9F69BEFC}" type="slidenum">
               <a:t>&lt;#&gt;</a:t>
             </a:fld>
           </a:p>
@@ -2291,7 +2411,7 @@
         <p:txBody>
           <a:bodyPr/>
           <a:p>
-            <a:fld id="{299971C0-E964-4EDA-8970-1DF5AFE1641E}" type="slidenum">
+            <a:fld id="{D456D872-3982-451F-AC5D-8AD508BEC000}" type="slidenum">
               <a:t>&lt;#&gt;</a:t>
             </a:fld>
           </a:p>
@@ -2411,7 +2531,7 @@
         <p:txBody>
           <a:bodyPr/>
           <a:p>
-            <a:fld id="{A3687F0E-C226-4EE5-814E-67045614CF50}" type="slidenum">
+            <a:fld id="{EBD9DA80-874D-40AC-95AA-63F58F8F2F93}" type="slidenum">
               <a:t>&lt;#&gt;</a:t>
             </a:fld>
           </a:p>
@@ -2633,7 +2753,7 @@
         <p:txBody>
           <a:bodyPr/>
           <a:p>
-            <a:fld id="{D437C939-DE48-4989-A735-0E092FC9607F}" type="slidenum">
+            <a:fld id="{97C26ACD-D1C5-4514-95F4-72FAD975CCE6}" type="slidenum">
               <a:t>&lt;#&gt;</a:t>
             </a:fld>
           </a:p>
@@ -2790,7 +2910,7 @@
         <p:txBody>
           <a:bodyPr/>
           <a:p>
-            <a:fld id="{1748E8B3-E9FE-4BCD-BE20-4EF59002DAE6}" type="slidenum">
+            <a:fld id="{A85C7B62-8F61-41EA-BB37-692EADAEBF05}" type="slidenum">
               <a:t>&lt;#&gt;</a:t>
             </a:fld>
           </a:p>
@@ -3012,7 +3132,7 @@
         <p:txBody>
           <a:bodyPr/>
           <a:p>
-            <a:fld id="{06EBA26D-49AE-4D51-974C-7F04CC28F94B}" type="slidenum">
+            <a:fld id="{6ADA59C3-0C18-462E-944D-DCAEA3298DB1}" type="slidenum">
               <a:t>&lt;#&gt;</a:t>
             </a:fld>
           </a:p>
@@ -3234,7 +3354,7 @@
         <p:txBody>
           <a:bodyPr/>
           <a:p>
-            <a:fld id="{B2EA2352-50D0-4148-A777-F2A32A465D2C}" type="slidenum">
+            <a:fld id="{BAEF900F-AD2E-4C0C-9F4D-0EE28D202F57}" type="slidenum">
               <a:t>&lt;#&gt;</a:t>
             </a:fld>
           </a:p>
@@ -3422,7 +3542,7 @@
         <p:txBody>
           <a:bodyPr/>
           <a:p>
-            <a:fld id="{20089794-4D05-4DA8-9835-57BD3C453D40}" type="slidenum">
+            <a:fld id="{798CF6E3-F508-48D4-8264-BE6C140DA201}" type="slidenum">
               <a:t>&lt;#&gt;</a:t>
             </a:fld>
           </a:p>
@@ -3678,7 +3798,7 @@
         <p:txBody>
           <a:bodyPr/>
           <a:p>
-            <a:fld id="{6EB88E8E-0A77-461A-A226-0CC8F17C81F1}" type="slidenum">
+            <a:fld id="{B20FDFEB-E2E0-4A6E-8365-4A6D6E3F2802}" type="slidenum">
               <a:t>&lt;#&gt;</a:t>
             </a:fld>
           </a:p>
@@ -4002,7 +4122,7 @@
         <p:txBody>
           <a:bodyPr/>
           <a:p>
-            <a:fld id="{C10A2493-A4B2-48F1-9291-1BEEF9D4F2E0}" type="slidenum">
+            <a:fld id="{368F89B7-12EE-4C23-BBBD-097FF6D125E4}" type="slidenum">
               <a:t>&lt;#&gt;</a:t>
             </a:fld>
           </a:p>
@@ -4156,7 +4276,7 @@
         <p:txBody>
           <a:bodyPr/>
           <a:p>
-            <a:fld id="{AAD1C996-B580-4EC0-B31D-8F277982C307}" type="slidenum">
+            <a:fld id="{AF5E88C7-6436-4AC2-A026-4454DE2EA128}" type="slidenum">
               <a:t>&lt;#&gt;</a:t>
             </a:fld>
           </a:p>
@@ -4344,7 +4464,7 @@
         <p:txBody>
           <a:bodyPr/>
           <a:p>
-            <a:fld id="{69D03E0A-5EF5-4608-BD8E-733AE81C9A66}" type="slidenum">
+            <a:fld id="{3D3236A7-49AB-4493-838C-3B5199D12F2E}" type="slidenum">
               <a:t>&lt;#&gt;</a:t>
             </a:fld>
           </a:p>
@@ -4464,7 +4584,7 @@
         <p:txBody>
           <a:bodyPr/>
           <a:p>
-            <a:fld id="{8657ED57-185C-4D4C-A444-476235E324CB}" type="slidenum">
+            <a:fld id="{2707F08F-A0BA-46F7-820A-D24C615DB71F}" type="slidenum">
               <a:t>&lt;#&gt;</a:t>
             </a:fld>
           </a:p>
@@ -4584,7 +4704,7 @@
         <p:txBody>
           <a:bodyPr/>
           <a:p>
-            <a:fld id="{0B2CF7CB-B61F-4A4D-BCAE-220182C1B6C0}" type="slidenum">
+            <a:fld id="{BFA3BDCA-8D4C-422F-87E5-985A63C097AA}" type="slidenum">
               <a:t>&lt;#&gt;</a:t>
             </a:fld>
           </a:p>
@@ -4806,7 +4926,7 @@
         <p:txBody>
           <a:bodyPr/>
           <a:p>
-            <a:fld id="{4AEEB8AA-7A42-465B-A785-B09C18A44050}" type="slidenum">
+            <a:fld id="{B2F352F1-3363-41CC-B232-71CD44F305C9}" type="slidenum">
               <a:t>&lt;#&gt;</a:t>
             </a:fld>
           </a:p>
@@ -5028,7 +5148,7 @@
         <p:txBody>
           <a:bodyPr/>
           <a:p>
-            <a:fld id="{14AAAF06-0D7C-4B80-AB3E-955B3714641E}" type="slidenum">
+            <a:fld id="{85509E83-A9AF-49CA-B88F-DAAD8150B729}" type="slidenum">
               <a:t>&lt;#&gt;</a:t>
             </a:fld>
           </a:p>
@@ -5250,7 +5370,7 @@
         <p:txBody>
           <a:bodyPr/>
           <a:p>
-            <a:fld id="{45B2B2BF-4171-419E-A8A2-00F7524C3521}" type="slidenum">
+            <a:fld id="{93AA1BD0-766B-4D29-981D-EF3630D9B93F}" type="slidenum">
               <a:t>&lt;#&gt;</a:t>
             </a:fld>
           </a:p>
@@ -5315,9 +5435,9 @@
         <p:grpSpPr>
           <a:xfrm>
             <a:off x="11401560" y="6229800"/>
-            <a:ext cx="456480" cy="456480"/>
+            <a:ext cx="456120" cy="456120"/>
             <a:chOff x="11401560" y="6229800"/>
-            <a:chExt cx="456480" cy="456480"/>
+            <a:chExt cx="456120" cy="456120"/>
           </a:xfrm>
         </p:grpSpPr>
         <p:sp>
@@ -5329,7 +5449,7 @@
           <p:spPr>
             <a:xfrm>
               <a:off x="11401560" y="6229800"/>
-              <a:ext cx="456480" cy="456480"/>
+              <a:ext cx="456120" cy="456120"/>
             </a:xfrm>
             <a:prstGeom prst="ellipse">
               <a:avLst/>
@@ -5359,7 +5479,7 @@
           <p:spPr>
             <a:xfrm>
               <a:off x="11431080" y="6258960"/>
-              <a:ext cx="398160" cy="398160"/>
+              <a:ext cx="397800" cy="397800"/>
             </a:xfrm>
             <a:prstGeom prst="ellipse">
               <a:avLst/>
@@ -5389,7 +5509,7 @@
         <p:spPr>
           <a:xfrm>
             <a:off x="920880" y="1347120"/>
-            <a:ext cx="10222200" cy="79920"/>
+            <a:ext cx="10221840" cy="79560"/>
           </a:xfrm>
           <a:prstGeom prst="rect">
             <a:avLst/>
@@ -5429,7 +5549,7 @@
         <p:spPr>
           <a:xfrm>
             <a:off x="920880" y="4299840"/>
-            <a:ext cx="10222200" cy="79920"/>
+            <a:ext cx="10221840" cy="79560"/>
           </a:xfrm>
           <a:prstGeom prst="rect">
             <a:avLst/>
@@ -5469,7 +5589,7 @@
         <p:spPr>
           <a:xfrm>
             <a:off x="920880" y="1484640"/>
-            <a:ext cx="10222200" cy="2742480"/>
+            <a:ext cx="10221840" cy="2742120"/>
           </a:xfrm>
           <a:prstGeom prst="rect">
             <a:avLst/>
@@ -5509,9 +5629,9 @@
         <p:grpSpPr>
           <a:xfrm>
             <a:off x="9649080" y="4069080"/>
-            <a:ext cx="1080360" cy="1080360"/>
+            <a:ext cx="1080000" cy="1080000"/>
             <a:chOff x="9649080" y="4069080"/>
-            <a:chExt cx="1080360" cy="1080360"/>
+            <a:chExt cx="1080000" cy="1080000"/>
           </a:xfrm>
         </p:grpSpPr>
         <p:sp>
@@ -5523,7 +5643,7 @@
           <p:spPr>
             <a:xfrm>
               <a:off x="9649080" y="4069080"/>
-              <a:ext cx="1080360" cy="1080360"/>
+              <a:ext cx="1080000" cy="1080000"/>
             </a:xfrm>
             <a:prstGeom prst="ellipse">
               <a:avLst/>
@@ -5553,7 +5673,7 @@
           <p:spPr>
             <a:xfrm>
               <a:off x="9757440" y="4177080"/>
-              <a:ext cx="864000" cy="864000"/>
+              <a:ext cx="863640" cy="863640"/>
             </a:xfrm>
             <a:prstGeom prst="ellipse">
               <a:avLst/>
@@ -5586,8 +5706,8 @@
         </p:nvSpPr>
         <p:spPr>
           <a:xfrm>
-            <a:off x="1069920" y="484560"/>
-            <a:ext cx="10057680" cy="1608480"/>
+            <a:off x="609480" y="273600"/>
+            <a:ext cx="10972080" cy="1144440"/>
           </a:xfrm>
           <a:prstGeom prst="rect">
             <a:avLst/>
@@ -5621,13 +5741,196 @@
             <a:spLocks noGrp="1"/>
           </p:cNvSpPr>
           <p:nvPr>
+            <p:ph type="body"/>
+          </p:nvPr>
+        </p:nvSpPr>
+        <p:spPr>
+          <a:xfrm>
+            <a:off x="609480" y="1604520"/>
+            <a:ext cx="10972080" cy="3976920"/>
+          </a:xfrm>
+          <a:prstGeom prst="rect">
+            <a:avLst/>
+          </a:prstGeom>
+          <a:noFill/>
+          <a:ln w="0">
+            <a:noFill/>
+          </a:ln>
+        </p:spPr>
+        <p:txBody>
+          <a:bodyPr lIns="0" rIns="0" tIns="0" bIns="0" anchor="t">
+            <a:normAutofit/>
+          </a:bodyPr>
+          <a:p>
+            <a:pPr marL="432000" indent="-324000">
+              <a:spcBef>
+                <a:spcPts val="1417"/>
+              </a:spcBef>
+              <a:buClr>
+                <a:srgbClr val="000000"/>
+              </a:buClr>
+              <a:buSzPct val="45000"/>
+              <a:buFont typeface="Wingdings" charset="2"/>
+              <a:buChar char=""/>
+            </a:pPr>
+            <a:r>
+              <a:rPr b="0" lang="en-IE" sz="1800" spc="-1" strike="noStrike">
+                <a:latin typeface="Arial"/>
+              </a:rPr>
+              <a:t>Click to edit the outline text format</a:t>
+            </a:r>
+            <a:endParaRPr b="0" lang="en-IE" sz="1800" spc="-1" strike="noStrike">
+              <a:latin typeface="Arial"/>
+            </a:endParaRPr>
+          </a:p>
+          <a:p>
+            <a:pPr lvl="1" marL="864000" indent="-324000">
+              <a:spcBef>
+                <a:spcPts val="1134"/>
+              </a:spcBef>
+              <a:buClr>
+                <a:srgbClr val="000000"/>
+              </a:buClr>
+              <a:buSzPct val="75000"/>
+              <a:buFont typeface="Symbol" charset="2"/>
+              <a:buChar char=""/>
+            </a:pPr>
+            <a:r>
+              <a:rPr b="0" lang="en-IE" sz="1800" spc="-1" strike="noStrike">
+                <a:latin typeface="Arial"/>
+              </a:rPr>
+              <a:t>Second Outline Level</a:t>
+            </a:r>
+            <a:endParaRPr b="0" lang="en-IE" sz="1800" spc="-1" strike="noStrike">
+              <a:latin typeface="Arial"/>
+            </a:endParaRPr>
+          </a:p>
+          <a:p>
+            <a:pPr lvl="2" marL="1296000" indent="-288000">
+              <a:spcBef>
+                <a:spcPts val="850"/>
+              </a:spcBef>
+              <a:buClr>
+                <a:srgbClr val="000000"/>
+              </a:buClr>
+              <a:buSzPct val="45000"/>
+              <a:buFont typeface="Wingdings" charset="2"/>
+              <a:buChar char=""/>
+            </a:pPr>
+            <a:r>
+              <a:rPr b="0" lang="en-IE" sz="1800" spc="-1" strike="noStrike">
+                <a:latin typeface="Arial"/>
+              </a:rPr>
+              <a:t>Third Outline Level</a:t>
+            </a:r>
+            <a:endParaRPr b="0" lang="en-IE" sz="1800" spc="-1" strike="noStrike">
+              <a:latin typeface="Arial"/>
+            </a:endParaRPr>
+          </a:p>
+          <a:p>
+            <a:pPr lvl="3" marL="1728000" indent="-216000">
+              <a:spcBef>
+                <a:spcPts val="567"/>
+              </a:spcBef>
+              <a:buClr>
+                <a:srgbClr val="000000"/>
+              </a:buClr>
+              <a:buSzPct val="75000"/>
+              <a:buFont typeface="Symbol" charset="2"/>
+              <a:buChar char=""/>
+            </a:pPr>
+            <a:r>
+              <a:rPr b="0" lang="en-IE" sz="1800" spc="-1" strike="noStrike">
+                <a:latin typeface="Arial"/>
+              </a:rPr>
+              <a:t>Fourth Outline Level</a:t>
+            </a:r>
+            <a:endParaRPr b="0" lang="en-IE" sz="1800" spc="-1" strike="noStrike">
+              <a:latin typeface="Arial"/>
+            </a:endParaRPr>
+          </a:p>
+          <a:p>
+            <a:pPr lvl="4" marL="2160000" indent="-216000">
+              <a:spcBef>
+                <a:spcPts val="283"/>
+              </a:spcBef>
+              <a:buClr>
+                <a:srgbClr val="000000"/>
+              </a:buClr>
+              <a:buSzPct val="45000"/>
+              <a:buFont typeface="Wingdings" charset="2"/>
+              <a:buChar char=""/>
+            </a:pPr>
+            <a:r>
+              <a:rPr b="0" lang="en-IE" sz="1800" spc="-1" strike="noStrike">
+                <a:latin typeface="Arial"/>
+              </a:rPr>
+              <a:t>Fifth Outline Level</a:t>
+            </a:r>
+            <a:endParaRPr b="0" lang="en-IE" sz="1800" spc="-1" strike="noStrike">
+              <a:latin typeface="Arial"/>
+            </a:endParaRPr>
+          </a:p>
+          <a:p>
+            <a:pPr lvl="5" marL="2592000" indent="-216000">
+              <a:spcBef>
+                <a:spcPts val="283"/>
+              </a:spcBef>
+              <a:buClr>
+                <a:srgbClr val="000000"/>
+              </a:buClr>
+              <a:buSzPct val="45000"/>
+              <a:buFont typeface="Wingdings" charset="2"/>
+              <a:buChar char=""/>
+            </a:pPr>
+            <a:r>
+              <a:rPr b="0" lang="en-IE" sz="1800" spc="-1" strike="noStrike">
+                <a:latin typeface="Arial"/>
+              </a:rPr>
+              <a:t>Sixth Outline Level</a:t>
+            </a:r>
+            <a:endParaRPr b="0" lang="en-IE" sz="1800" spc="-1" strike="noStrike">
+              <a:latin typeface="Arial"/>
+            </a:endParaRPr>
+          </a:p>
+          <a:p>
+            <a:pPr lvl="6" marL="3024000" indent="-216000">
+              <a:spcBef>
+                <a:spcPts val="283"/>
+              </a:spcBef>
+              <a:buClr>
+                <a:srgbClr val="000000"/>
+              </a:buClr>
+              <a:buSzPct val="45000"/>
+              <a:buFont typeface="Wingdings" charset="2"/>
+              <a:buChar char=""/>
+            </a:pPr>
+            <a:r>
+              <a:rPr b="0" lang="en-IE" sz="1800" spc="-1" strike="noStrike">
+                <a:latin typeface="Arial"/>
+              </a:rPr>
+              <a:t>Seventh Outline Level</a:t>
+            </a:r>
+            <a:endParaRPr b="0" lang="en-IE" sz="1800" spc="-1" strike="noStrike">
+              <a:latin typeface="Arial"/>
+            </a:endParaRPr>
+          </a:p>
+        </p:txBody>
+      </p:sp>
+      <p:sp>
+        <p:nvSpPr>
+          <p:cNvPr id="11" name="PlaceHolder 3"/>
+          <p:cNvSpPr>
+            <a:spLocks noGrp="1"/>
+          </p:cNvSpPr>
+          <p:nvPr>
             <p:ph type="ftr" idx="1"/>
           </p:nvPr>
         </p:nvSpPr>
         <p:spPr>
           <a:xfrm>
             <a:off x="1088280" y="6272640"/>
-            <a:ext cx="6327000" cy="364320"/>
+            <a:ext cx="6326640" cy="363960"/>
           </a:xfrm>
           <a:prstGeom prst="rect">
             <a:avLst/>
@@ -5673,7 +5976,7 @@
       </p:sp>
       <p:sp>
         <p:nvSpPr>
-          <p:cNvPr id="11" name="PlaceHolder 3"/>
+          <p:cNvPr id="12" name="PlaceHolder 4"/>
           <p:cNvSpPr>
             <a:spLocks noGrp="1"/>
           </p:cNvSpPr>
@@ -5684,7 +5987,7 @@
         <p:spPr>
           <a:xfrm>
             <a:off x="9592560" y="4289400"/>
-            <a:ext cx="1193040" cy="639360"/>
+            <a:ext cx="1192680" cy="639000"/>
           </a:xfrm>
           <a:prstGeom prst="rect">
             <a:avLst/>
@@ -5719,7 +6022,7 @@
               </a:lnSpc>
               <a:buNone/>
             </a:pPr>
-            <a:fld id="{AE04DD85-BDC9-46A9-B4D3-71AE8A5AE5B2}" type="slidenum">
+            <a:fld id="{01A106D4-BADA-4823-ACAB-EF1CA6336BAF}" type="slidenum">
               <a:rPr b="1" lang="en-US" sz="2800" spc="-1" strike="noStrike">
                 <a:solidFill>
                   <a:srgbClr val="ffffff"/>
@@ -5736,7 +6039,7 @@
       </p:sp>
       <p:sp>
         <p:nvSpPr>
-          <p:cNvPr id="12" name="PlaceHolder 4"/>
+          <p:cNvPr id="13" name="PlaceHolder 5"/>
           <p:cNvSpPr>
             <a:spLocks noGrp="1"/>
           </p:cNvSpPr>
@@ -5747,7 +6050,7 @@
         <p:spPr>
           <a:xfrm>
             <a:off x="7964280" y="6272640"/>
-            <a:ext cx="3272760" cy="364320"/>
+            <a:ext cx="3272400" cy="363960"/>
           </a:xfrm>
           <a:prstGeom prst="rect">
             <a:avLst/>
@@ -5777,189 +6080,6 @@
             </a:r>
             <a:endParaRPr b="0" lang="en-IE" sz="1400" spc="-1" strike="noStrike">
               <a:latin typeface="Times New Roman"/>
-            </a:endParaRPr>
-          </a:p>
-        </p:txBody>
-      </p:sp>
-      <p:sp>
-        <p:nvSpPr>
-          <p:cNvPr id="13" name="PlaceHolder 5"/>
-          <p:cNvSpPr>
-            <a:spLocks noGrp="1"/>
-          </p:cNvSpPr>
-          <p:nvPr>
-            <p:ph type="body"/>
-          </p:nvPr>
-        </p:nvSpPr>
-        <p:spPr>
-          <a:xfrm>
-            <a:off x="609480" y="1604520"/>
-            <a:ext cx="10972440" cy="3977280"/>
-          </a:xfrm>
-          <a:prstGeom prst="rect">
-            <a:avLst/>
-          </a:prstGeom>
-          <a:noFill/>
-          <a:ln w="0">
-            <a:noFill/>
-          </a:ln>
-        </p:spPr>
-        <p:txBody>
-          <a:bodyPr lIns="0" rIns="0" tIns="0" bIns="0" anchor="t">
-            <a:normAutofit/>
-          </a:bodyPr>
-          <a:p>
-            <a:pPr marL="432000" indent="-324000">
-              <a:spcBef>
-                <a:spcPts val="1417"/>
-              </a:spcBef>
-              <a:buClr>
-                <a:srgbClr val="000000"/>
-              </a:buClr>
-              <a:buSzPct val="45000"/>
-              <a:buFont typeface="Wingdings" charset="2"/>
-              <a:buChar char=""/>
-            </a:pPr>
-            <a:r>
-              <a:rPr b="0" lang="en-IE" sz="3200" spc="-1" strike="noStrike">
-                <a:latin typeface="Arial"/>
-              </a:rPr>
-              <a:t>Click to edit the outline text format</a:t>
-            </a:r>
-            <a:endParaRPr b="0" lang="en-IE" sz="3200" spc="-1" strike="noStrike">
-              <a:latin typeface="Arial"/>
-            </a:endParaRPr>
-          </a:p>
-          <a:p>
-            <a:pPr lvl="1" marL="864000" indent="-324000">
-              <a:spcBef>
-                <a:spcPts val="1134"/>
-              </a:spcBef>
-              <a:buClr>
-                <a:srgbClr val="000000"/>
-              </a:buClr>
-              <a:buSzPct val="75000"/>
-              <a:buFont typeface="Symbol" charset="2"/>
-              <a:buChar char=""/>
-            </a:pPr>
-            <a:r>
-              <a:rPr b="0" lang="en-IE" sz="2800" spc="-1" strike="noStrike">
-                <a:latin typeface="Arial"/>
-              </a:rPr>
-              <a:t>Second Outline Level</a:t>
-            </a:r>
-            <a:endParaRPr b="0" lang="en-IE" sz="2800" spc="-1" strike="noStrike">
-              <a:latin typeface="Arial"/>
-            </a:endParaRPr>
-          </a:p>
-          <a:p>
-            <a:pPr lvl="2" marL="1296000" indent="-288000">
-              <a:spcBef>
-                <a:spcPts val="850"/>
-              </a:spcBef>
-              <a:buClr>
-                <a:srgbClr val="000000"/>
-              </a:buClr>
-              <a:buSzPct val="45000"/>
-              <a:buFont typeface="Wingdings" charset="2"/>
-              <a:buChar char=""/>
-            </a:pPr>
-            <a:r>
-              <a:rPr b="0" lang="en-IE" sz="2400" spc="-1" strike="noStrike">
-                <a:latin typeface="Arial"/>
-              </a:rPr>
-              <a:t>Third Outline Level</a:t>
-            </a:r>
-            <a:endParaRPr b="0" lang="en-IE" sz="2400" spc="-1" strike="noStrike">
-              <a:latin typeface="Arial"/>
-            </a:endParaRPr>
-          </a:p>
-          <a:p>
-            <a:pPr lvl="3" marL="1728000" indent="-216000">
-              <a:spcBef>
-                <a:spcPts val="567"/>
-              </a:spcBef>
-              <a:buClr>
-                <a:srgbClr val="000000"/>
-              </a:buClr>
-              <a:buSzPct val="75000"/>
-              <a:buFont typeface="Symbol" charset="2"/>
-              <a:buChar char=""/>
-            </a:pPr>
-            <a:r>
-              <a:rPr b="0" lang="en-IE" sz="2000" spc="-1" strike="noStrike">
-                <a:latin typeface="Arial"/>
-              </a:rPr>
-              <a:t>Fourth Outline Level</a:t>
-            </a:r>
-            <a:endParaRPr b="0" lang="en-IE" sz="2000" spc="-1" strike="noStrike">
-              <a:latin typeface="Arial"/>
-            </a:endParaRPr>
-          </a:p>
-          <a:p>
-            <a:pPr lvl="4" marL="2160000" indent="-216000">
-              <a:spcBef>
-                <a:spcPts val="283"/>
-              </a:spcBef>
-              <a:buClr>
-                <a:srgbClr val="000000"/>
-              </a:buClr>
-              <a:buSzPct val="45000"/>
-              <a:buFont typeface="Wingdings" charset="2"/>
-              <a:buChar char=""/>
-            </a:pPr>
-            <a:r>
-              <a:rPr b="0" lang="en-IE" sz="2000" spc="-1" strike="noStrike">
-                <a:latin typeface="Arial"/>
-              </a:rPr>
-              <a:t>Fifth Outline Level</a:t>
-            </a:r>
-            <a:endParaRPr b="0" lang="en-IE" sz="2000" spc="-1" strike="noStrike">
-              <a:latin typeface="Arial"/>
-            </a:endParaRPr>
-          </a:p>
-          <a:p>
-            <a:pPr lvl="5" marL="2592000" indent="-216000">
-              <a:spcBef>
-                <a:spcPts val="283"/>
-              </a:spcBef>
-              <a:buClr>
-                <a:srgbClr val="000000"/>
-              </a:buClr>
-              <a:buSzPct val="45000"/>
-              <a:buFont typeface="Wingdings" charset="2"/>
-              <a:buChar char=""/>
-            </a:pPr>
-            <a:r>
-              <a:rPr b="0" lang="en-IE" sz="2000" spc="-1" strike="noStrike">
-                <a:latin typeface="Arial"/>
-              </a:rPr>
-              <a:t>Sixth Outline Level</a:t>
-            </a:r>
-            <a:endParaRPr b="0" lang="en-IE" sz="2000" spc="-1" strike="noStrike">
-              <a:latin typeface="Arial"/>
-            </a:endParaRPr>
-          </a:p>
-          <a:p>
-            <a:pPr lvl="6" marL="3024000" indent="-216000">
-              <a:spcBef>
-                <a:spcPts val="283"/>
-              </a:spcBef>
-              <a:buClr>
-                <a:srgbClr val="000000"/>
-              </a:buClr>
-              <a:buSzPct val="45000"/>
-              <a:buFont typeface="Wingdings" charset="2"/>
-              <a:buChar char=""/>
-            </a:pPr>
-            <a:r>
-              <a:rPr b="0" lang="en-IE" sz="2000" spc="-1" strike="noStrike">
-                <a:latin typeface="Arial"/>
-              </a:rPr>
-              <a:t>Seventh Outline Level</a:t>
-            </a:r>
-            <a:endParaRPr b="0" lang="en-IE" sz="2000" spc="-1" strike="noStrike">
-              <a:latin typeface="Arial"/>
             </a:endParaRPr>
           </a:p>
         </p:txBody>
@@ -6017,9 +6137,9 @@
         <p:grpSpPr>
           <a:xfrm>
             <a:off x="11401560" y="6229800"/>
-            <a:ext cx="456480" cy="456480"/>
+            <a:ext cx="456120" cy="456120"/>
             <a:chOff x="11401560" y="6229800"/>
-            <a:chExt cx="456480" cy="456480"/>
+            <a:chExt cx="456120" cy="456120"/>
           </a:xfrm>
         </p:grpSpPr>
         <p:sp>
@@ -6031,7 +6151,7 @@
           <p:spPr>
             <a:xfrm>
               <a:off x="11401560" y="6229800"/>
-              <a:ext cx="456480" cy="456480"/>
+              <a:ext cx="456120" cy="456120"/>
             </a:xfrm>
             <a:prstGeom prst="ellipse">
               <a:avLst/>
@@ -6061,7 +6181,7 @@
           <p:spPr>
             <a:xfrm>
               <a:off x="11431080" y="6258960"/>
-              <a:ext cx="398160" cy="398160"/>
+              <a:ext cx="397800" cy="397800"/>
             </a:xfrm>
             <a:prstGeom prst="ellipse">
               <a:avLst/>
@@ -6095,7 +6215,7 @@
         <p:spPr>
           <a:xfrm>
             <a:off x="1088280" y="6272640"/>
-            <a:ext cx="6327000" cy="364320"/>
+            <a:ext cx="6326640" cy="363960"/>
           </a:xfrm>
           <a:prstGeom prst="rect">
             <a:avLst/>
@@ -6152,7 +6272,7 @@
         <p:spPr>
           <a:xfrm>
             <a:off x="11311200" y="6272640"/>
-            <a:ext cx="639360" cy="364320"/>
+            <a:ext cx="639000" cy="363960"/>
           </a:xfrm>
           <a:prstGeom prst="rect">
             <a:avLst/>
@@ -6187,7 +6307,7 @@
               </a:lnSpc>
               <a:buNone/>
             </a:pPr>
-            <a:fld id="{F8E2BC80-3318-4AE7-8773-536CD05EB4C3}" type="slidenum">
+            <a:fld id="{1D9294EF-07E8-44E5-8A7C-86BA76B7B5AA}" type="slidenum">
               <a:rPr b="1" lang="en-US" sz="1400" spc="-1" strike="noStrike">
                 <a:solidFill>
                   <a:srgbClr val="ffffff"/>
@@ -6215,7 +6335,7 @@
         <p:spPr>
           <a:xfrm>
             <a:off x="7964280" y="6272640"/>
-            <a:ext cx="3272760" cy="364320"/>
+            <a:ext cx="3272400" cy="363960"/>
           </a:xfrm>
           <a:prstGeom prst="rect">
             <a:avLst/>
@@ -6525,7 +6645,7 @@
         <p:spPr>
           <a:xfrm>
             <a:off x="1051560" y="1432080"/>
-            <a:ext cx="9966240" cy="3035160"/>
+            <a:ext cx="9965880" cy="3034800"/>
           </a:xfrm>
           <a:prstGeom prst="rect">
             <a:avLst/>
@@ -6571,7 +6691,7 @@
         <p:spPr>
           <a:xfrm>
             <a:off x="1069920" y="4389120"/>
-            <a:ext cx="7890480" cy="1069200"/>
+            <a:ext cx="7890120" cy="1068840"/>
           </a:xfrm>
           <a:prstGeom prst="rect">
             <a:avLst/>
@@ -6684,7 +6804,7 @@
         <p:spPr>
           <a:xfrm>
             <a:off x="1069920" y="484560"/>
-            <a:ext cx="10057680" cy="1608480"/>
+            <a:ext cx="10057320" cy="1608120"/>
           </a:xfrm>
           <a:prstGeom prst="rect">
             <a:avLst/>
@@ -6730,7 +6850,7 @@
         <p:spPr>
           <a:xfrm>
             <a:off x="1063800" y="1953720"/>
-            <a:ext cx="10057680" cy="4419000"/>
+            <a:ext cx="10057320" cy="4418640"/>
           </a:xfrm>
           <a:prstGeom prst="rect">
             <a:avLst/>
@@ -7104,7 +7224,7 @@
         <p:spPr>
           <a:xfrm>
             <a:off x="1635120" y="4440960"/>
-            <a:ext cx="5393520" cy="638280"/>
+            <a:ext cx="5393160" cy="638280"/>
           </a:xfrm>
           <a:prstGeom prst="rect">
             <a:avLst/>
@@ -7214,7 +7334,7 @@
         <p:spPr>
           <a:xfrm>
             <a:off x="1069920" y="484560"/>
-            <a:ext cx="10057680" cy="1608480"/>
+            <a:ext cx="10057320" cy="1608120"/>
           </a:xfrm>
           <a:prstGeom prst="rect">
             <a:avLst/>
@@ -7260,7 +7380,7 @@
         <p:spPr>
           <a:xfrm>
             <a:off x="1069920" y="2121480"/>
-            <a:ext cx="10057680" cy="4050000"/>
+            <a:ext cx="10057320" cy="4049640"/>
           </a:xfrm>
           <a:prstGeom prst="rect">
             <a:avLst/>
